--- a/Food Recognition.pptx
+++ b/Food Recognition.pptx
@@ -55,7 +55,7 @@
       <p:boldItalic r:id="rId32"/>
     </p:embeddedFont>
     <p:embeddedFont>
-      <p:font typeface="Share Tech" panose="020B0604020202020204" charset="0"/>
+      <p:font typeface="Share Tech" panose="02000506040000020004" pitchFamily="2" charset="0"/>
       <p:regular r:id="rId33"/>
     </p:embeddedFont>
   </p:embeddedFontLst>
@@ -294,2614 +294,6 @@
     </p:ext>
   </p:extLst>
 </p:presentation>
-</file>
-
-<file path=ppt/revisionInfo.xml><?xml version="1.0" encoding="utf-8"?>
-<p1510:revInfo xmlns:a="http://schemas.openxmlformats.org/drawingml/2006/main" xmlns:r="http://schemas.openxmlformats.org/officeDocument/2006/relationships" xmlns:p1510="http://schemas.microsoft.com/office/powerpoint/2015/10/main">
-  <p1510:revLst>
-    <p1510:client id="{4C103FA4-8DE9-3C4D-9DB3-C8EA596B1020}" v="143" dt="2020-09-09T19:56:40.538"/>
-    <p1510:client id="{ED8F27D4-DE1E-4E95-85E4-6FBB9E86C547}" v="666" dt="2020-09-10T06:43:50.201"/>
-  </p1510:revLst>
-</p1510:revInfo>
-</file>
-
-<file path=ppt/changesInfos/changesInfo1.xml><?xml version="1.0" encoding="utf-8"?>
-<pc:chgInfo xmlns:a="http://schemas.openxmlformats.org/drawingml/2006/main" xmlns:r="http://schemas.openxmlformats.org/officeDocument/2006/relationships" xmlns:ac="http://schemas.microsoft.com/office/drawing/2013/main/command" xmlns:pc="http://schemas.microsoft.com/office/powerpoint/2013/main/command">
-  <pc:docChgLst>
-    <pc:chgData name="ALESSIA BODINI" userId="ff2fc562-cd55-4b8e-bb31-69fd8c80f346" providerId="ADAL" clId="{4C103FA4-8DE9-3C4D-9DB3-C8EA596B1020}"/>
-    <pc:docChg chg="undo redo custSel modSld">
-      <pc:chgData name="ALESSIA BODINI" userId="ff2fc562-cd55-4b8e-bb31-69fd8c80f346" providerId="ADAL" clId="{4C103FA4-8DE9-3C4D-9DB3-C8EA596B1020}" dt="2020-09-09T19:56:40.539" v="142"/>
-      <pc:docMkLst>
-        <pc:docMk/>
-      </pc:docMkLst>
-      <pc:sldChg chg="addSp delSp modSp">
-        <pc:chgData name="ALESSIA BODINI" userId="ff2fc562-cd55-4b8e-bb31-69fd8c80f346" providerId="ADAL" clId="{4C103FA4-8DE9-3C4D-9DB3-C8EA596B1020}" dt="2020-09-09T13:27:10.608" v="56"/>
-        <pc:sldMkLst>
-          <pc:docMk/>
-          <pc:sldMk cId="0" sldId="258"/>
-        </pc:sldMkLst>
-        <pc:grpChg chg="add del">
-          <ac:chgData name="ALESSIA BODINI" userId="ff2fc562-cd55-4b8e-bb31-69fd8c80f346" providerId="ADAL" clId="{4C103FA4-8DE9-3C4D-9DB3-C8EA596B1020}" dt="2020-09-09T13:22:42.320" v="5"/>
-          <ac:grpSpMkLst>
-            <pc:docMk/>
-            <pc:sldMk cId="0" sldId="258"/>
-            <ac:grpSpMk id="6" creationId="{83DA2886-D22A-A442-A185-C183ACC0D153}"/>
-          </ac:grpSpMkLst>
-        </pc:grpChg>
-        <pc:grpChg chg="add">
-          <ac:chgData name="ALESSIA BODINI" userId="ff2fc562-cd55-4b8e-bb31-69fd8c80f346" providerId="ADAL" clId="{4C103FA4-8DE9-3C4D-9DB3-C8EA596B1020}" dt="2020-09-09T13:24:13.151" v="13"/>
-          <ac:grpSpMkLst>
-            <pc:docMk/>
-            <pc:sldMk cId="0" sldId="258"/>
-            <ac:grpSpMk id="11" creationId="{6245960C-48C8-414E-9683-E9C4985C1C63}"/>
-          </ac:grpSpMkLst>
-        </pc:grpChg>
-        <pc:grpChg chg="add del">
-          <ac:chgData name="ALESSIA BODINI" userId="ff2fc562-cd55-4b8e-bb31-69fd8c80f346" providerId="ADAL" clId="{4C103FA4-8DE9-3C4D-9DB3-C8EA596B1020}" dt="2020-09-09T13:27:05.573" v="52"/>
-          <ac:grpSpMkLst>
-            <pc:docMk/>
-            <pc:sldMk cId="0" sldId="258"/>
-            <ac:grpSpMk id="13" creationId="{DB7668BB-D589-7E4D-983C-4B9A9B0D7782}"/>
-          </ac:grpSpMkLst>
-        </pc:grpChg>
-        <pc:grpChg chg="add del">
-          <ac:chgData name="ALESSIA BODINI" userId="ff2fc562-cd55-4b8e-bb31-69fd8c80f346" providerId="ADAL" clId="{4C103FA4-8DE9-3C4D-9DB3-C8EA596B1020}" dt="2020-09-09T13:24:26.248" v="28"/>
-          <ac:grpSpMkLst>
-            <pc:docMk/>
-            <pc:sldMk cId="0" sldId="258"/>
-            <ac:grpSpMk id="17" creationId="{14C5E0A9-2038-5E49-9574-E03C8D920371}"/>
-          </ac:grpSpMkLst>
-        </pc:grpChg>
-        <pc:grpChg chg="add">
-          <ac:chgData name="ALESSIA BODINI" userId="ff2fc562-cd55-4b8e-bb31-69fd8c80f346" providerId="ADAL" clId="{4C103FA4-8DE9-3C4D-9DB3-C8EA596B1020}" dt="2020-09-09T13:27:10.608" v="56"/>
-          <ac:grpSpMkLst>
-            <pc:docMk/>
-            <pc:sldMk cId="0" sldId="258"/>
-            <ac:grpSpMk id="18" creationId="{F59BB7FE-2D3C-E546-A826-EB6AD53A81E1}"/>
-          </ac:grpSpMkLst>
-        </pc:grpChg>
-        <pc:grpChg chg="add del">
-          <ac:chgData name="ALESSIA BODINI" userId="ff2fc562-cd55-4b8e-bb31-69fd8c80f346" providerId="ADAL" clId="{4C103FA4-8DE9-3C4D-9DB3-C8EA596B1020}" dt="2020-09-09T13:24:25.652" v="24"/>
-          <ac:grpSpMkLst>
-            <pc:docMk/>
-            <pc:sldMk cId="0" sldId="258"/>
-            <ac:grpSpMk id="24" creationId="{1D9DBDF7-3730-1247-B520-4585BF011B67}"/>
-          </ac:grpSpMkLst>
-        </pc:grpChg>
-        <pc:inkChg chg="add">
-          <ac:chgData name="ALESSIA BODINI" userId="ff2fc562-cd55-4b8e-bb31-69fd8c80f346" providerId="ADAL" clId="{4C103FA4-8DE9-3C4D-9DB3-C8EA596B1020}" dt="2020-09-09T13:25:30.634" v="34"/>
-          <ac:inkMkLst>
-            <pc:docMk/>
-            <pc:sldMk cId="0" sldId="258"/>
-            <ac:inkMk id="2" creationId="{902E23DA-C47B-8447-82FF-544441586513}"/>
-          </ac:inkMkLst>
-        </pc:inkChg>
-        <pc:inkChg chg="add del">
-          <ac:chgData name="ALESSIA BODINI" userId="ff2fc562-cd55-4b8e-bb31-69fd8c80f346" providerId="ADAL" clId="{4C103FA4-8DE9-3C4D-9DB3-C8EA596B1020}" dt="2020-09-09T13:22:23.310" v="1"/>
-          <ac:inkMkLst>
-            <pc:docMk/>
-            <pc:sldMk cId="0" sldId="258"/>
-            <ac:inkMk id="2" creationId="{A16C3C72-9103-9D49-93AF-ABBA936DA963}"/>
-          </ac:inkMkLst>
-        </pc:inkChg>
-        <pc:inkChg chg="add del">
-          <ac:chgData name="ALESSIA BODINI" userId="ff2fc562-cd55-4b8e-bb31-69fd8c80f346" providerId="ADAL" clId="{4C103FA4-8DE9-3C4D-9DB3-C8EA596B1020}" dt="2020-09-09T13:25:37.571" v="38"/>
-          <ac:inkMkLst>
-            <pc:docMk/>
-            <pc:sldMk cId="0" sldId="258"/>
-            <ac:inkMk id="4" creationId="{1A27157A-6B1D-9447-8404-9F451EC9874E}"/>
-          </ac:inkMkLst>
-        </pc:inkChg>
-        <pc:inkChg chg="add del topLvl">
-          <ac:chgData name="ALESSIA BODINI" userId="ff2fc562-cd55-4b8e-bb31-69fd8c80f346" providerId="ADAL" clId="{4C103FA4-8DE9-3C4D-9DB3-C8EA596B1020}" dt="2020-09-09T13:22:42.505" v="6"/>
-          <ac:inkMkLst>
-            <pc:docMk/>
-            <pc:sldMk cId="0" sldId="258"/>
-            <ac:inkMk id="4" creationId="{37834F6E-5BEE-EB4D-8E04-399B117BA890}"/>
-          </ac:inkMkLst>
-        </pc:inkChg>
-        <pc:inkChg chg="add">
-          <ac:chgData name="ALESSIA BODINI" userId="ff2fc562-cd55-4b8e-bb31-69fd8c80f346" providerId="ADAL" clId="{4C103FA4-8DE9-3C4D-9DB3-C8EA596B1020}" dt="2020-09-09T13:27:08.814" v="54"/>
-          <ac:inkMkLst>
-            <pc:docMk/>
-            <pc:sldMk cId="0" sldId="258"/>
-            <ac:inkMk id="4" creationId="{EB3950E0-EFC9-0B46-B5B5-9BBA045649B0}"/>
-          </ac:inkMkLst>
-        </pc:inkChg>
-        <pc:inkChg chg="add">
-          <ac:chgData name="ALESSIA BODINI" userId="ff2fc562-cd55-4b8e-bb31-69fd8c80f346" providerId="ADAL" clId="{4C103FA4-8DE9-3C4D-9DB3-C8EA596B1020}" dt="2020-09-09T13:27:10.059" v="55"/>
-          <ac:inkMkLst>
-            <pc:docMk/>
-            <pc:sldMk cId="0" sldId="258"/>
-            <ac:inkMk id="5" creationId="{0AE728B5-3B09-394E-96C5-7C6A60C680C2}"/>
-          </ac:inkMkLst>
-        </pc:inkChg>
-        <pc:inkChg chg="add del">
-          <ac:chgData name="ALESSIA BODINI" userId="ff2fc562-cd55-4b8e-bb31-69fd8c80f346" providerId="ADAL" clId="{4C103FA4-8DE9-3C4D-9DB3-C8EA596B1020}" dt="2020-09-09T13:25:40.759" v="40"/>
-          <ac:inkMkLst>
-            <pc:docMk/>
-            <pc:sldMk cId="0" sldId="258"/>
-            <ac:inkMk id="5" creationId="{E4474BED-8BE1-4E49-A226-7EF83EC01BCC}"/>
-          </ac:inkMkLst>
-        </pc:inkChg>
-        <pc:inkChg chg="add del topLvl">
-          <ac:chgData name="ALESSIA BODINI" userId="ff2fc562-cd55-4b8e-bb31-69fd8c80f346" providerId="ADAL" clId="{4C103FA4-8DE9-3C4D-9DB3-C8EA596B1020}" dt="2020-09-09T13:22:42.320" v="5"/>
-          <ac:inkMkLst>
-            <pc:docMk/>
-            <pc:sldMk cId="0" sldId="258"/>
-            <ac:inkMk id="5" creationId="{E95AEAC2-606D-BF49-9B3A-A32DEA6485A4}"/>
-          </ac:inkMkLst>
-        </pc:inkChg>
-        <pc:inkChg chg="add del">
-          <ac:chgData name="ALESSIA BODINI" userId="ff2fc562-cd55-4b8e-bb31-69fd8c80f346" providerId="ADAL" clId="{4C103FA4-8DE9-3C4D-9DB3-C8EA596B1020}" dt="2020-09-09T13:25:43.254" v="42"/>
-          <ac:inkMkLst>
-            <pc:docMk/>
-            <pc:sldMk cId="0" sldId="258"/>
-            <ac:inkMk id="6" creationId="{6101F677-79F7-2B44-A9F7-A3E752576B6F}"/>
-          </ac:inkMkLst>
-        </pc:inkChg>
-        <pc:inkChg chg="add del">
-          <ac:chgData name="ALESSIA BODINI" userId="ff2fc562-cd55-4b8e-bb31-69fd8c80f346" providerId="ADAL" clId="{4C103FA4-8DE9-3C4D-9DB3-C8EA596B1020}" dt="2020-09-09T13:25:47.197" v="44"/>
-          <ac:inkMkLst>
-            <pc:docMk/>
-            <pc:sldMk cId="0" sldId="258"/>
-            <ac:inkMk id="7" creationId="{89CC1E4D-C12B-FF44-877C-E4D24E30C291}"/>
-          </ac:inkMkLst>
-        </pc:inkChg>
-        <pc:inkChg chg="add del">
-          <ac:chgData name="ALESSIA BODINI" userId="ff2fc562-cd55-4b8e-bb31-69fd8c80f346" providerId="ADAL" clId="{4C103FA4-8DE9-3C4D-9DB3-C8EA596B1020}" dt="2020-09-09T13:22:45.740" v="8"/>
-          <ac:inkMkLst>
-            <pc:docMk/>
-            <pc:sldMk cId="0" sldId="258"/>
-            <ac:inkMk id="7" creationId="{C0DF1953-029C-9D4A-92BC-332B882ADD1A}"/>
-          </ac:inkMkLst>
-        </pc:inkChg>
-        <pc:inkChg chg="add del">
-          <ac:chgData name="ALESSIA BODINI" userId="ff2fc562-cd55-4b8e-bb31-69fd8c80f346" providerId="ADAL" clId="{4C103FA4-8DE9-3C4D-9DB3-C8EA596B1020}" dt="2020-09-09T13:24:09.142" v="10"/>
-          <ac:inkMkLst>
-            <pc:docMk/>
-            <pc:sldMk cId="0" sldId="258"/>
-            <ac:inkMk id="8" creationId="{996D2AF7-17C0-3949-A085-6D09BF84D3A9}"/>
-          </ac:inkMkLst>
-        </pc:inkChg>
-        <pc:inkChg chg="add del topLvl">
-          <ac:chgData name="ALESSIA BODINI" userId="ff2fc562-cd55-4b8e-bb31-69fd8c80f346" providerId="ADAL" clId="{4C103FA4-8DE9-3C4D-9DB3-C8EA596B1020}" dt="2020-09-09T13:27:05.577" v="53"/>
-          <ac:inkMkLst>
-            <pc:docMk/>
-            <pc:sldMk cId="0" sldId="258"/>
-            <ac:inkMk id="8" creationId="{A73F951E-B7C8-E14B-A86E-C086696CFB7E}"/>
-          </ac:inkMkLst>
-        </pc:inkChg>
-        <pc:inkChg chg="add">
-          <ac:chgData name="ALESSIA BODINI" userId="ff2fc562-cd55-4b8e-bb31-69fd8c80f346" providerId="ADAL" clId="{4C103FA4-8DE9-3C4D-9DB3-C8EA596B1020}" dt="2020-09-09T13:24:11.532" v="11"/>
-          <ac:inkMkLst>
-            <pc:docMk/>
-            <pc:sldMk cId="0" sldId="258"/>
-            <ac:inkMk id="9" creationId="{14C10203-AE73-C74B-8045-7A2981490707}"/>
-          </ac:inkMkLst>
-        </pc:inkChg>
-        <pc:inkChg chg="add">
-          <ac:chgData name="ALESSIA BODINI" userId="ff2fc562-cd55-4b8e-bb31-69fd8c80f346" providerId="ADAL" clId="{4C103FA4-8DE9-3C4D-9DB3-C8EA596B1020}" dt="2020-09-09T13:24:12.511" v="12"/>
-          <ac:inkMkLst>
-            <pc:docMk/>
-            <pc:sldMk cId="0" sldId="258"/>
-            <ac:inkMk id="10" creationId="{7D32E5C5-5C90-F242-BEFE-2298DA8A5EAE}"/>
-          </ac:inkMkLst>
-        </pc:inkChg>
-        <pc:inkChg chg="add del topLvl">
-          <ac:chgData name="ALESSIA BODINI" userId="ff2fc562-cd55-4b8e-bb31-69fd8c80f346" providerId="ADAL" clId="{4C103FA4-8DE9-3C4D-9DB3-C8EA596B1020}" dt="2020-09-09T13:24:28.768" v="33"/>
-          <ac:inkMkLst>
-            <pc:docMk/>
-            <pc:sldMk cId="0" sldId="258"/>
-            <ac:inkMk id="12" creationId="{29C3F356-9AA2-8E49-BDC4-C3237D6E538B}"/>
-          </ac:inkMkLst>
-        </pc:inkChg>
-        <pc:inkChg chg="add del topLvl">
-          <ac:chgData name="ALESSIA BODINI" userId="ff2fc562-cd55-4b8e-bb31-69fd8c80f346" providerId="ADAL" clId="{4C103FA4-8DE9-3C4D-9DB3-C8EA596B1020}" dt="2020-09-09T13:27:05.573" v="52"/>
-          <ac:inkMkLst>
-            <pc:docMk/>
-            <pc:sldMk cId="0" sldId="258"/>
-            <ac:inkMk id="12" creationId="{A123414F-A3F3-504E-92BF-54CB7760CB15}"/>
-          </ac:inkMkLst>
-        </pc:inkChg>
-        <pc:inkChg chg="add del topLvl">
-          <ac:chgData name="ALESSIA BODINI" userId="ff2fc562-cd55-4b8e-bb31-69fd8c80f346" providerId="ADAL" clId="{4C103FA4-8DE9-3C4D-9DB3-C8EA596B1020}" dt="2020-09-09T13:24:28.572" v="32"/>
-          <ac:inkMkLst>
-            <pc:docMk/>
-            <pc:sldMk cId="0" sldId="258"/>
-            <ac:inkMk id="13" creationId="{B4DD13A6-88EC-4D48-BFBA-491CF663DB2B}"/>
-          </ac:inkMkLst>
-        </pc:inkChg>
-        <pc:inkChg chg="add del">
-          <ac:chgData name="ALESSIA BODINI" userId="ff2fc562-cd55-4b8e-bb31-69fd8c80f346" providerId="ADAL" clId="{4C103FA4-8DE9-3C4D-9DB3-C8EA596B1020}" dt="2020-09-09T13:26:05.435" v="49"/>
-          <ac:inkMkLst>
-            <pc:docMk/>
-            <pc:sldMk cId="0" sldId="258"/>
-            <ac:inkMk id="15" creationId="{9F7F0CF6-8181-B54E-94E3-3B34229539A1}"/>
-          </ac:inkMkLst>
-        </pc:inkChg>
-        <pc:inkChg chg="add del topLvl">
-          <ac:chgData name="ALESSIA BODINI" userId="ff2fc562-cd55-4b8e-bb31-69fd8c80f346" providerId="ADAL" clId="{4C103FA4-8DE9-3C4D-9DB3-C8EA596B1020}" dt="2020-09-09T13:24:26.980" v="29"/>
-          <ac:inkMkLst>
-            <pc:docMk/>
-            <pc:sldMk cId="0" sldId="258"/>
-            <ac:inkMk id="15" creationId="{B5CA2D69-AF67-C84F-89E2-4463340BEC4B}"/>
-          </ac:inkMkLst>
-        </pc:inkChg>
-        <pc:inkChg chg="add del topLvl">
-          <ac:chgData name="ALESSIA BODINI" userId="ff2fc562-cd55-4b8e-bb31-69fd8c80f346" providerId="ADAL" clId="{4C103FA4-8DE9-3C4D-9DB3-C8EA596B1020}" dt="2020-09-09T13:24:26.248" v="28"/>
-          <ac:inkMkLst>
-            <pc:docMk/>
-            <pc:sldMk cId="0" sldId="258"/>
-            <ac:inkMk id="16" creationId="{1A2C28BD-FFAD-584A-8804-91DDD0FD44AB}"/>
-          </ac:inkMkLst>
-        </pc:inkChg>
-        <pc:inkChg chg="add del topLvl">
-          <ac:chgData name="ALESSIA BODINI" userId="ff2fc562-cd55-4b8e-bb31-69fd8c80f346" providerId="ADAL" clId="{4C103FA4-8DE9-3C4D-9DB3-C8EA596B1020}" dt="2020-09-09T13:24:26.105" v="27"/>
-          <ac:inkMkLst>
-            <pc:docMk/>
-            <pc:sldMk cId="0" sldId="258"/>
-            <ac:inkMk id="18" creationId="{20BBF3BD-5CDF-EC4A-A562-F1E8AF703CB3}"/>
-          </ac:inkMkLst>
-        </pc:inkChg>
-        <pc:inkChg chg="add del topLvl">
-          <ac:chgData name="ALESSIA BODINI" userId="ff2fc562-cd55-4b8e-bb31-69fd8c80f346" providerId="ADAL" clId="{4C103FA4-8DE9-3C4D-9DB3-C8EA596B1020}" dt="2020-09-09T13:24:25.958" v="26"/>
-          <ac:inkMkLst>
-            <pc:docMk/>
-            <pc:sldMk cId="0" sldId="258"/>
-            <ac:inkMk id="19" creationId="{0CD54389-470B-9948-B0F3-0C7F18D524E2}"/>
-          </ac:inkMkLst>
-        </pc:inkChg>
-        <pc:inkChg chg="add del topLvl">
-          <ac:chgData name="ALESSIA BODINI" userId="ff2fc562-cd55-4b8e-bb31-69fd8c80f346" providerId="ADAL" clId="{4C103FA4-8DE9-3C4D-9DB3-C8EA596B1020}" dt="2020-09-09T13:24:25.805" v="25"/>
-          <ac:inkMkLst>
-            <pc:docMk/>
-            <pc:sldMk cId="0" sldId="258"/>
-            <ac:inkMk id="20" creationId="{F88FABEA-4818-A64E-9391-CC2AA8F816D5}"/>
-          </ac:inkMkLst>
-        </pc:inkChg>
-        <pc:inkChg chg="add del topLvl">
-          <ac:chgData name="ALESSIA BODINI" userId="ff2fc562-cd55-4b8e-bb31-69fd8c80f346" providerId="ADAL" clId="{4C103FA4-8DE9-3C4D-9DB3-C8EA596B1020}" dt="2020-09-09T13:24:25.652" v="24"/>
-          <ac:inkMkLst>
-            <pc:docMk/>
-            <pc:sldMk cId="0" sldId="258"/>
-            <ac:inkMk id="23" creationId="{6DC2F817-E7DE-9B4A-8C9C-37F5DABFC71D}"/>
-          </ac:inkMkLst>
-        </pc:inkChg>
-        <pc:cxnChg chg="mod">
-          <ac:chgData name="ALESSIA BODINI" userId="ff2fc562-cd55-4b8e-bb31-69fd8c80f346" providerId="ADAL" clId="{4C103FA4-8DE9-3C4D-9DB3-C8EA596B1020}" dt="2020-09-09T13:26:08.593" v="51" actId="1076"/>
-          <ac:cxnSpMkLst>
-            <pc:docMk/>
-            <pc:sldMk cId="0" sldId="258"/>
-            <ac:cxnSpMk id="3" creationId="{CD4DEF80-BBE0-40D7-882A-97E13CAD1694}"/>
-          </ac:cxnSpMkLst>
-        </pc:cxnChg>
-        <pc:cxnChg chg="mod">
-          <ac:chgData name="ALESSIA BODINI" userId="ff2fc562-cd55-4b8e-bb31-69fd8c80f346" providerId="ADAL" clId="{4C103FA4-8DE9-3C4D-9DB3-C8EA596B1020}" dt="2020-09-09T13:25:34.113" v="36" actId="1076"/>
-          <ac:cxnSpMkLst>
-            <pc:docMk/>
-            <pc:sldMk cId="0" sldId="258"/>
-            <ac:cxnSpMk id="21" creationId="{C098D2B4-4F3A-4582-9FFA-34C4DAFE1746}"/>
-          </ac:cxnSpMkLst>
-        </pc:cxnChg>
-      </pc:sldChg>
-      <pc:sldChg chg="addSp delSp modSp">
-        <pc:chgData name="ALESSIA BODINI" userId="ff2fc562-cd55-4b8e-bb31-69fd8c80f346" providerId="ADAL" clId="{4C103FA4-8DE9-3C4D-9DB3-C8EA596B1020}" dt="2020-09-09T19:56:40.539" v="142"/>
-        <pc:sldMkLst>
-          <pc:docMk/>
-          <pc:sldMk cId="196702659" sldId="263"/>
-        </pc:sldMkLst>
-        <pc:grpChg chg="add del">
-          <ac:chgData name="ALESSIA BODINI" userId="ff2fc562-cd55-4b8e-bb31-69fd8c80f346" providerId="ADAL" clId="{4C103FA4-8DE9-3C4D-9DB3-C8EA596B1020}" dt="2020-09-09T19:56:11.853" v="67"/>
-          <ac:grpSpMkLst>
-            <pc:docMk/>
-            <pc:sldMk cId="196702659" sldId="263"/>
-            <ac:grpSpMk id="14" creationId="{8B4F0543-6AE8-0C41-BC77-0C4698105596}"/>
-          </ac:grpSpMkLst>
-        </pc:grpChg>
-        <pc:grpChg chg="add del">
-          <ac:chgData name="ALESSIA BODINI" userId="ff2fc562-cd55-4b8e-bb31-69fd8c80f346" providerId="ADAL" clId="{4C103FA4-8DE9-3C4D-9DB3-C8EA596B1020}" dt="2020-09-09T19:56:19.690" v="81"/>
-          <ac:grpSpMkLst>
-            <pc:docMk/>
-            <pc:sldMk cId="196702659" sldId="263"/>
-            <ac:grpSpMk id="26" creationId="{8FEEAB1F-3F10-CE43-8FCC-936E50543B1B}"/>
-          </ac:grpSpMkLst>
-        </pc:grpChg>
-        <pc:grpChg chg="add del">
-          <ac:chgData name="ALESSIA BODINI" userId="ff2fc562-cd55-4b8e-bb31-69fd8c80f346" providerId="ADAL" clId="{4C103FA4-8DE9-3C4D-9DB3-C8EA596B1020}" dt="2020-09-09T19:56:39.490" v="141"/>
-          <ac:grpSpMkLst>
-            <pc:docMk/>
-            <pc:sldMk cId="196702659" sldId="263"/>
-            <ac:grpSpMk id="52" creationId="{7761CC79-5CD8-FC47-97E2-190C4CE1B226}"/>
-          </ac:grpSpMkLst>
-        </pc:grpChg>
-        <pc:inkChg chg="add del">
-          <ac:chgData name="ALESSIA BODINI" userId="ff2fc562-cd55-4b8e-bb31-69fd8c80f346" providerId="ADAL" clId="{4C103FA4-8DE9-3C4D-9DB3-C8EA596B1020}" dt="2020-09-09T19:55:08.910" v="58"/>
-          <ac:inkMkLst>
-            <pc:docMk/>
-            <pc:sldMk cId="196702659" sldId="263"/>
-            <ac:inkMk id="6" creationId="{53EE0351-CD53-AE43-81FB-39BE6E41EAA9}"/>
-          </ac:inkMkLst>
-        </pc:inkChg>
-        <pc:inkChg chg="add del">
-          <ac:chgData name="ALESSIA BODINI" userId="ff2fc562-cd55-4b8e-bb31-69fd8c80f346" providerId="ADAL" clId="{4C103FA4-8DE9-3C4D-9DB3-C8EA596B1020}" dt="2020-09-09T19:55:14.515" v="60"/>
-          <ac:inkMkLst>
-            <pc:docMk/>
-            <pc:sldMk cId="196702659" sldId="263"/>
-            <ac:inkMk id="7" creationId="{DA889FFB-568F-5040-8C86-324FBBF85CBD}"/>
-          </ac:inkMkLst>
-        </pc:inkChg>
-        <pc:inkChg chg="add del topLvl">
-          <ac:chgData name="ALESSIA BODINI" userId="ff2fc562-cd55-4b8e-bb31-69fd8c80f346" providerId="ADAL" clId="{4C103FA4-8DE9-3C4D-9DB3-C8EA596B1020}" dt="2020-09-09T19:56:12.017" v="68"/>
-          <ac:inkMkLst>
-            <pc:docMk/>
-            <pc:sldMk cId="196702659" sldId="263"/>
-            <ac:inkMk id="12" creationId="{CDCEF687-9B79-AD4E-B816-67C9CDF2BA37}"/>
-          </ac:inkMkLst>
-        </pc:inkChg>
-        <pc:inkChg chg="add del topLvl">
-          <ac:chgData name="ALESSIA BODINI" userId="ff2fc562-cd55-4b8e-bb31-69fd8c80f346" providerId="ADAL" clId="{4C103FA4-8DE9-3C4D-9DB3-C8EA596B1020}" dt="2020-09-09T19:56:11.853" v="67"/>
-          <ac:inkMkLst>
-            <pc:docMk/>
-            <pc:sldMk cId="196702659" sldId="263"/>
-            <ac:inkMk id="13" creationId="{29DEC557-7142-564A-BFB1-ECDDC180569B}"/>
-          </ac:inkMkLst>
-        </pc:inkChg>
-        <pc:inkChg chg="add del">
-          <ac:chgData name="ALESSIA BODINI" userId="ff2fc562-cd55-4b8e-bb31-69fd8c80f346" providerId="ADAL" clId="{4C103FA4-8DE9-3C4D-9DB3-C8EA596B1020}" dt="2020-09-09T19:56:39.413" v="118"/>
-          <ac:inkMkLst>
-            <pc:docMk/>
-            <pc:sldMk cId="196702659" sldId="263"/>
-            <ac:inkMk id="15" creationId="{FDC12935-5599-174C-8362-FB9005E2369B}"/>
-          </ac:inkMkLst>
-        </pc:inkChg>
-        <pc:inkChg chg="add del topLvl">
-          <ac:chgData name="ALESSIA BODINI" userId="ff2fc562-cd55-4b8e-bb31-69fd8c80f346" providerId="ADAL" clId="{4C103FA4-8DE9-3C4D-9DB3-C8EA596B1020}" dt="2020-09-09T19:56:22.481" v="90"/>
-          <ac:inkMkLst>
-            <pc:docMk/>
-            <pc:sldMk cId="196702659" sldId="263"/>
-            <ac:inkMk id="16" creationId="{FCDF5CC7-93D3-9B4B-A6F4-BE5FFA283791}"/>
-          </ac:inkMkLst>
-        </pc:inkChg>
-        <pc:inkChg chg="add del topLvl">
-          <ac:chgData name="ALESSIA BODINI" userId="ff2fc562-cd55-4b8e-bb31-69fd8c80f346" providerId="ADAL" clId="{4C103FA4-8DE9-3C4D-9DB3-C8EA596B1020}" dt="2020-09-09T19:56:22.170" v="89"/>
-          <ac:inkMkLst>
-            <pc:docMk/>
-            <pc:sldMk cId="196702659" sldId="263"/>
-            <ac:inkMk id="17" creationId="{C661A233-093C-7144-B3E4-8A3542487566}"/>
-          </ac:inkMkLst>
-        </pc:inkChg>
-        <pc:inkChg chg="add del topLvl">
-          <ac:chgData name="ALESSIA BODINI" userId="ff2fc562-cd55-4b8e-bb31-69fd8c80f346" providerId="ADAL" clId="{4C103FA4-8DE9-3C4D-9DB3-C8EA596B1020}" dt="2020-09-09T19:56:21.993" v="88"/>
-          <ac:inkMkLst>
-            <pc:docMk/>
-            <pc:sldMk cId="196702659" sldId="263"/>
-            <ac:inkMk id="18" creationId="{77CF02AC-C8AA-504B-8AB8-E5E1D351163C}"/>
-          </ac:inkMkLst>
-        </pc:inkChg>
-        <pc:inkChg chg="add del topLvl">
-          <ac:chgData name="ALESSIA BODINI" userId="ff2fc562-cd55-4b8e-bb31-69fd8c80f346" providerId="ADAL" clId="{4C103FA4-8DE9-3C4D-9DB3-C8EA596B1020}" dt="2020-09-09T19:56:21.846" v="87"/>
-          <ac:inkMkLst>
-            <pc:docMk/>
-            <pc:sldMk cId="196702659" sldId="263"/>
-            <ac:inkMk id="19" creationId="{DB280ADD-88BF-394E-AFAB-CA146640E9B0}"/>
-          </ac:inkMkLst>
-        </pc:inkChg>
-        <pc:inkChg chg="add del topLvl">
-          <ac:chgData name="ALESSIA BODINI" userId="ff2fc562-cd55-4b8e-bb31-69fd8c80f346" providerId="ADAL" clId="{4C103FA4-8DE9-3C4D-9DB3-C8EA596B1020}" dt="2020-09-09T19:56:21.704" v="86"/>
-          <ac:inkMkLst>
-            <pc:docMk/>
-            <pc:sldMk cId="196702659" sldId="263"/>
-            <ac:inkMk id="20" creationId="{D1064901-C041-DE44-BAAF-40AFC6271952}"/>
-          </ac:inkMkLst>
-        </pc:inkChg>
-        <pc:inkChg chg="add del topLvl">
-          <ac:chgData name="ALESSIA BODINI" userId="ff2fc562-cd55-4b8e-bb31-69fd8c80f346" providerId="ADAL" clId="{4C103FA4-8DE9-3C4D-9DB3-C8EA596B1020}" dt="2020-09-09T19:56:21.275" v="85"/>
-          <ac:inkMkLst>
-            <pc:docMk/>
-            <pc:sldMk cId="196702659" sldId="263"/>
-            <ac:inkMk id="21" creationId="{E21E5929-A2D4-284B-9D09-A1C0E15FE4AD}"/>
-          </ac:inkMkLst>
-        </pc:inkChg>
-        <pc:inkChg chg="add del topLvl">
-          <ac:chgData name="ALESSIA BODINI" userId="ff2fc562-cd55-4b8e-bb31-69fd8c80f346" providerId="ADAL" clId="{4C103FA4-8DE9-3C4D-9DB3-C8EA596B1020}" dt="2020-09-09T19:56:21.115" v="84"/>
-          <ac:inkMkLst>
-            <pc:docMk/>
-            <pc:sldMk cId="196702659" sldId="263"/>
-            <ac:inkMk id="22" creationId="{A6D5F348-09ED-F84B-8484-C6A215E25A2A}"/>
-          </ac:inkMkLst>
-        </pc:inkChg>
-        <pc:inkChg chg="add del topLvl">
-          <ac:chgData name="ALESSIA BODINI" userId="ff2fc562-cd55-4b8e-bb31-69fd8c80f346" providerId="ADAL" clId="{4C103FA4-8DE9-3C4D-9DB3-C8EA596B1020}" dt="2020-09-09T19:56:19.998" v="83"/>
-          <ac:inkMkLst>
-            <pc:docMk/>
-            <pc:sldMk cId="196702659" sldId="263"/>
-            <ac:inkMk id="23" creationId="{FA02EBD4-AFD4-604A-BB8C-FDD2F1D39613}"/>
-          </ac:inkMkLst>
-        </pc:inkChg>
-        <pc:inkChg chg="add del topLvl">
-          <ac:chgData name="ALESSIA BODINI" userId="ff2fc562-cd55-4b8e-bb31-69fd8c80f346" providerId="ADAL" clId="{4C103FA4-8DE9-3C4D-9DB3-C8EA596B1020}" dt="2020-09-09T19:56:19.839" v="82"/>
-          <ac:inkMkLst>
-            <pc:docMk/>
-            <pc:sldMk cId="196702659" sldId="263"/>
-            <ac:inkMk id="24" creationId="{D185249A-49C6-4C48-B216-790821E98641}"/>
-          </ac:inkMkLst>
-        </pc:inkChg>
-        <pc:inkChg chg="add del topLvl">
-          <ac:chgData name="ALESSIA BODINI" userId="ff2fc562-cd55-4b8e-bb31-69fd8c80f346" providerId="ADAL" clId="{4C103FA4-8DE9-3C4D-9DB3-C8EA596B1020}" dt="2020-09-09T19:56:19.690" v="81"/>
-          <ac:inkMkLst>
-            <pc:docMk/>
-            <pc:sldMk cId="196702659" sldId="263"/>
-            <ac:inkMk id="25" creationId="{4F4CB5A9-D4CC-2543-91D0-5AC3E53C508D}"/>
-          </ac:inkMkLst>
-        </pc:inkChg>
-        <pc:inkChg chg="add del">
-          <ac:chgData name="ALESSIA BODINI" userId="ff2fc562-cd55-4b8e-bb31-69fd8c80f346" providerId="ADAL" clId="{4C103FA4-8DE9-3C4D-9DB3-C8EA596B1020}" dt="2020-09-09T19:56:39.439" v="124"/>
-          <ac:inkMkLst>
-            <pc:docMk/>
-            <pc:sldMk cId="196702659" sldId="263"/>
-            <ac:inkMk id="27" creationId="{65C7835B-1B8D-3E41-A418-8014C02A9937}"/>
-          </ac:inkMkLst>
-        </pc:inkChg>
-        <pc:inkChg chg="add del">
-          <ac:chgData name="ALESSIA BODINI" userId="ff2fc562-cd55-4b8e-bb31-69fd8c80f346" providerId="ADAL" clId="{4C103FA4-8DE9-3C4D-9DB3-C8EA596B1020}" dt="2020-09-09T19:56:39.483" v="138"/>
-          <ac:inkMkLst>
-            <pc:docMk/>
-            <pc:sldMk cId="196702659" sldId="263"/>
-            <ac:inkMk id="28" creationId="{9FB8D440-A3E9-6E47-8D38-92E80248C90E}"/>
-          </ac:inkMkLst>
-        </pc:inkChg>
-        <pc:inkChg chg="add del">
-          <ac:chgData name="ALESSIA BODINI" userId="ff2fc562-cd55-4b8e-bb31-69fd8c80f346" providerId="ADAL" clId="{4C103FA4-8DE9-3C4D-9DB3-C8EA596B1020}" dt="2020-09-09T19:56:39.411" v="117"/>
-          <ac:inkMkLst>
-            <pc:docMk/>
-            <pc:sldMk cId="196702659" sldId="263"/>
-            <ac:inkMk id="29" creationId="{E586F965-094C-9E42-BBCA-945CC8F6BD24}"/>
-          </ac:inkMkLst>
-        </pc:inkChg>
-        <pc:inkChg chg="add del topLvl">
-          <ac:chgData name="ALESSIA BODINI" userId="ff2fc562-cd55-4b8e-bb31-69fd8c80f346" providerId="ADAL" clId="{4C103FA4-8DE9-3C4D-9DB3-C8EA596B1020}" dt="2020-09-09T19:56:40.539" v="142"/>
-          <ac:inkMkLst>
-            <pc:docMk/>
-            <pc:sldMk cId="196702659" sldId="263"/>
-            <ac:inkMk id="30" creationId="{AAF0F174-CCCE-0143-8DB0-602B67AB6D9D}"/>
-          </ac:inkMkLst>
-        </pc:inkChg>
-        <pc:inkChg chg="add del">
-          <ac:chgData name="ALESSIA BODINI" userId="ff2fc562-cd55-4b8e-bb31-69fd8c80f346" providerId="ADAL" clId="{4C103FA4-8DE9-3C4D-9DB3-C8EA596B1020}" dt="2020-09-09T19:56:39.426" v="121"/>
-          <ac:inkMkLst>
-            <pc:docMk/>
-            <pc:sldMk cId="196702659" sldId="263"/>
-            <ac:inkMk id="31" creationId="{23753135-1166-4742-B21B-EAB8C61F7A8D}"/>
-          </ac:inkMkLst>
-        </pc:inkChg>
-        <pc:inkChg chg="add del">
-          <ac:chgData name="ALESSIA BODINI" userId="ff2fc562-cd55-4b8e-bb31-69fd8c80f346" providerId="ADAL" clId="{4C103FA4-8DE9-3C4D-9DB3-C8EA596B1020}" dt="2020-09-09T19:56:39.451" v="127"/>
-          <ac:inkMkLst>
-            <pc:docMk/>
-            <pc:sldMk cId="196702659" sldId="263"/>
-            <ac:inkMk id="32" creationId="{CF6251D0-0AB7-AF4E-8C07-F0CAFE7A7B99}"/>
-          </ac:inkMkLst>
-        </pc:inkChg>
-        <pc:inkChg chg="add del">
-          <ac:chgData name="ALESSIA BODINI" userId="ff2fc562-cd55-4b8e-bb31-69fd8c80f346" providerId="ADAL" clId="{4C103FA4-8DE9-3C4D-9DB3-C8EA596B1020}" dt="2020-09-09T19:56:39.488" v="140"/>
-          <ac:inkMkLst>
-            <pc:docMk/>
-            <pc:sldMk cId="196702659" sldId="263"/>
-            <ac:inkMk id="33" creationId="{3DE28837-E4DF-EC47-965D-5B0B640BD7CF}"/>
-          </ac:inkMkLst>
-        </pc:inkChg>
-        <pc:inkChg chg="add del">
-          <ac:chgData name="ALESSIA BODINI" userId="ff2fc562-cd55-4b8e-bb31-69fd8c80f346" providerId="ADAL" clId="{4C103FA4-8DE9-3C4D-9DB3-C8EA596B1020}" dt="2020-09-09T19:56:39.418" v="119"/>
-          <ac:inkMkLst>
-            <pc:docMk/>
-            <pc:sldMk cId="196702659" sldId="263"/>
-            <ac:inkMk id="34" creationId="{7B903CBA-86F2-DB43-BEEB-2543B87E7FCE}"/>
-          </ac:inkMkLst>
-        </pc:inkChg>
-        <pc:inkChg chg="add del">
-          <ac:chgData name="ALESSIA BODINI" userId="ff2fc562-cd55-4b8e-bb31-69fd8c80f346" providerId="ADAL" clId="{4C103FA4-8DE9-3C4D-9DB3-C8EA596B1020}" dt="2020-09-09T19:56:39.475" v="135"/>
-          <ac:inkMkLst>
-            <pc:docMk/>
-            <pc:sldMk cId="196702659" sldId="263"/>
-            <ac:inkMk id="35" creationId="{0AB15965-0C29-9349-B8BA-217270F1C2D1}"/>
-          </ac:inkMkLst>
-        </pc:inkChg>
-        <pc:inkChg chg="add del">
-          <ac:chgData name="ALESSIA BODINI" userId="ff2fc562-cd55-4b8e-bb31-69fd8c80f346" providerId="ADAL" clId="{4C103FA4-8DE9-3C4D-9DB3-C8EA596B1020}" dt="2020-09-09T19:56:39.454" v="128"/>
-          <ac:inkMkLst>
-            <pc:docMk/>
-            <pc:sldMk cId="196702659" sldId="263"/>
-            <ac:inkMk id="36" creationId="{61747A7E-2C7C-8746-A229-E3602478BACF}"/>
-          </ac:inkMkLst>
-        </pc:inkChg>
-        <pc:inkChg chg="add del">
-          <ac:chgData name="ALESSIA BODINI" userId="ff2fc562-cd55-4b8e-bb31-69fd8c80f346" providerId="ADAL" clId="{4C103FA4-8DE9-3C4D-9DB3-C8EA596B1020}" dt="2020-09-09T19:56:39.473" v="134"/>
-          <ac:inkMkLst>
-            <pc:docMk/>
-            <pc:sldMk cId="196702659" sldId="263"/>
-            <ac:inkMk id="37" creationId="{D32CCAD4-5CB1-C94C-83F9-F11701820B36}"/>
-          </ac:inkMkLst>
-        </pc:inkChg>
-        <pc:inkChg chg="add del">
-          <ac:chgData name="ALESSIA BODINI" userId="ff2fc562-cd55-4b8e-bb31-69fd8c80f346" providerId="ADAL" clId="{4C103FA4-8DE9-3C4D-9DB3-C8EA596B1020}" dt="2020-09-09T19:56:39.458" v="129"/>
-          <ac:inkMkLst>
-            <pc:docMk/>
-            <pc:sldMk cId="196702659" sldId="263"/>
-            <ac:inkMk id="38" creationId="{28C2B7CF-CE22-6340-B188-588A4569F5E2}"/>
-          </ac:inkMkLst>
-        </pc:inkChg>
-        <pc:inkChg chg="add del">
-          <ac:chgData name="ALESSIA BODINI" userId="ff2fc562-cd55-4b8e-bb31-69fd8c80f346" providerId="ADAL" clId="{4C103FA4-8DE9-3C4D-9DB3-C8EA596B1020}" dt="2020-09-09T19:56:39.470" v="133"/>
-          <ac:inkMkLst>
-            <pc:docMk/>
-            <pc:sldMk cId="196702659" sldId="263"/>
-            <ac:inkMk id="39" creationId="{D0BBBB9B-0FB9-344F-9959-0F327A95F2AB}"/>
-          </ac:inkMkLst>
-        </pc:inkChg>
-        <pc:inkChg chg="add del">
-          <ac:chgData name="ALESSIA BODINI" userId="ff2fc562-cd55-4b8e-bb31-69fd8c80f346" providerId="ADAL" clId="{4C103FA4-8DE9-3C4D-9DB3-C8EA596B1020}" dt="2020-09-09T19:56:39.485" v="139"/>
-          <ac:inkMkLst>
-            <pc:docMk/>
-            <pc:sldMk cId="196702659" sldId="263"/>
-            <ac:inkMk id="40" creationId="{27891FC4-05DA-EB4F-B669-6C948609E2A7}"/>
-          </ac:inkMkLst>
-        </pc:inkChg>
-        <pc:inkChg chg="add del">
-          <ac:chgData name="ALESSIA BODINI" userId="ff2fc562-cd55-4b8e-bb31-69fd8c80f346" providerId="ADAL" clId="{4C103FA4-8DE9-3C4D-9DB3-C8EA596B1020}" dt="2020-09-09T19:56:39.436" v="123"/>
-          <ac:inkMkLst>
-            <pc:docMk/>
-            <pc:sldMk cId="196702659" sldId="263"/>
-            <ac:inkMk id="41" creationId="{0CEC9981-0C19-C64A-8824-ABF3AC73526F}"/>
-          </ac:inkMkLst>
-        </pc:inkChg>
-        <pc:inkChg chg="add del">
-          <ac:chgData name="ALESSIA BODINI" userId="ff2fc562-cd55-4b8e-bb31-69fd8c80f346" providerId="ADAL" clId="{4C103FA4-8DE9-3C4D-9DB3-C8EA596B1020}" dt="2020-09-09T19:56:39.447" v="126"/>
-          <ac:inkMkLst>
-            <pc:docMk/>
-            <pc:sldMk cId="196702659" sldId="263"/>
-            <ac:inkMk id="42" creationId="{C0532263-566F-B24E-AB77-02E3AD6759D3}"/>
-          </ac:inkMkLst>
-        </pc:inkChg>
-        <pc:inkChg chg="add del">
-          <ac:chgData name="ALESSIA BODINI" userId="ff2fc562-cd55-4b8e-bb31-69fd8c80f346" providerId="ADAL" clId="{4C103FA4-8DE9-3C4D-9DB3-C8EA596B1020}" dt="2020-09-09T19:56:39.467" v="132"/>
-          <ac:inkMkLst>
-            <pc:docMk/>
-            <pc:sldMk cId="196702659" sldId="263"/>
-            <ac:inkMk id="43" creationId="{D9E2F873-AD88-AA46-BBF6-4F7DC21B21EB}"/>
-          </ac:inkMkLst>
-        </pc:inkChg>
-        <pc:inkChg chg="add del">
-          <ac:chgData name="ALESSIA BODINI" userId="ff2fc562-cd55-4b8e-bb31-69fd8c80f346" providerId="ADAL" clId="{4C103FA4-8DE9-3C4D-9DB3-C8EA596B1020}" dt="2020-09-09T19:56:39.422" v="120"/>
-          <ac:inkMkLst>
-            <pc:docMk/>
-            <pc:sldMk cId="196702659" sldId="263"/>
-            <ac:inkMk id="44" creationId="{B3379889-D197-5C4B-9929-61A0B789C043}"/>
-          </ac:inkMkLst>
-        </pc:inkChg>
-        <pc:inkChg chg="add del">
-          <ac:chgData name="ALESSIA BODINI" userId="ff2fc562-cd55-4b8e-bb31-69fd8c80f346" providerId="ADAL" clId="{4C103FA4-8DE9-3C4D-9DB3-C8EA596B1020}" dt="2020-09-09T19:56:39.461" v="130"/>
-          <ac:inkMkLst>
-            <pc:docMk/>
-            <pc:sldMk cId="196702659" sldId="263"/>
-            <ac:inkMk id="45" creationId="{21B2544A-7D56-0243-81DC-7050E0F77B03}"/>
-          </ac:inkMkLst>
-        </pc:inkChg>
-        <pc:inkChg chg="add del">
-          <ac:chgData name="ALESSIA BODINI" userId="ff2fc562-cd55-4b8e-bb31-69fd8c80f346" providerId="ADAL" clId="{4C103FA4-8DE9-3C4D-9DB3-C8EA596B1020}" dt="2020-09-09T19:56:39.478" v="136"/>
-          <ac:inkMkLst>
-            <pc:docMk/>
-            <pc:sldMk cId="196702659" sldId="263"/>
-            <ac:inkMk id="46" creationId="{77AE76B9-B56F-FA45-A2F1-0D8130DF7353}"/>
-          </ac:inkMkLst>
-        </pc:inkChg>
-        <pc:inkChg chg="add del">
-          <ac:chgData name="ALESSIA BODINI" userId="ff2fc562-cd55-4b8e-bb31-69fd8c80f346" providerId="ADAL" clId="{4C103FA4-8DE9-3C4D-9DB3-C8EA596B1020}" dt="2020-09-09T19:56:39.432" v="122"/>
-          <ac:inkMkLst>
-            <pc:docMk/>
-            <pc:sldMk cId="196702659" sldId="263"/>
-            <ac:inkMk id="47" creationId="{9D431693-D645-B740-AB91-0FC4E6D4BBF0}"/>
-          </ac:inkMkLst>
-        </pc:inkChg>
-        <pc:inkChg chg="add del">
-          <ac:chgData name="ALESSIA BODINI" userId="ff2fc562-cd55-4b8e-bb31-69fd8c80f346" providerId="ADAL" clId="{4C103FA4-8DE9-3C4D-9DB3-C8EA596B1020}" dt="2020-09-09T19:56:39.464" v="131"/>
-          <ac:inkMkLst>
-            <pc:docMk/>
-            <pc:sldMk cId="196702659" sldId="263"/>
-            <ac:inkMk id="48" creationId="{76B1EBB1-8AED-EB4B-BD4C-777D86A40F41}"/>
-          </ac:inkMkLst>
-        </pc:inkChg>
-        <pc:inkChg chg="add del topLvl">
-          <ac:chgData name="ALESSIA BODINI" userId="ff2fc562-cd55-4b8e-bb31-69fd8c80f346" providerId="ADAL" clId="{4C103FA4-8DE9-3C4D-9DB3-C8EA596B1020}" dt="2020-09-09T19:56:39.490" v="141"/>
-          <ac:inkMkLst>
-            <pc:docMk/>
-            <pc:sldMk cId="196702659" sldId="263"/>
-            <ac:inkMk id="49" creationId="{F1794D78-5E5B-B149-B7A8-0455081204BF}"/>
-          </ac:inkMkLst>
-        </pc:inkChg>
-        <pc:inkChg chg="add del">
-          <ac:chgData name="ALESSIA BODINI" userId="ff2fc562-cd55-4b8e-bb31-69fd8c80f346" providerId="ADAL" clId="{4C103FA4-8DE9-3C4D-9DB3-C8EA596B1020}" dt="2020-09-09T19:56:39.480" v="137"/>
-          <ac:inkMkLst>
-            <pc:docMk/>
-            <pc:sldMk cId="196702659" sldId="263"/>
-            <ac:inkMk id="50" creationId="{8781CABE-3301-D74D-AC5A-2ECC282F13EA}"/>
-          </ac:inkMkLst>
-        </pc:inkChg>
-        <pc:inkChg chg="add del">
-          <ac:chgData name="ALESSIA BODINI" userId="ff2fc562-cd55-4b8e-bb31-69fd8c80f346" providerId="ADAL" clId="{4C103FA4-8DE9-3C4D-9DB3-C8EA596B1020}" dt="2020-09-09T19:56:39.443" v="125"/>
-          <ac:inkMkLst>
-            <pc:docMk/>
-            <pc:sldMk cId="196702659" sldId="263"/>
-            <ac:inkMk id="51" creationId="{4A8F2730-0469-904E-8329-222F0C2450EE}"/>
-          </ac:inkMkLst>
-        </pc:inkChg>
-        <pc:cxnChg chg="mod">
-          <ac:chgData name="ALESSIA BODINI" userId="ff2fc562-cd55-4b8e-bb31-69fd8c80f346" providerId="ADAL" clId="{4C103FA4-8DE9-3C4D-9DB3-C8EA596B1020}" dt="2020-09-09T19:55:35.251" v="63" actId="14100"/>
-          <ac:cxnSpMkLst>
-            <pc:docMk/>
-            <pc:sldMk cId="196702659" sldId="263"/>
-            <ac:cxnSpMk id="8" creationId="{57A715E3-1765-4ED7-B9F4-88B03BE0E306}"/>
-          </ac:cxnSpMkLst>
-        </pc:cxnChg>
-      </pc:sldChg>
-    </pc:docChg>
-  </pc:docChgLst>
-  <pc:docChgLst>
-    <pc:chgData name="ALESSIA" userId="ff2fc562-cd55-4b8e-bb31-69fd8c80f346" providerId="ADAL" clId="{ED8F27D4-DE1E-4E95-85E4-6FBB9E86C547}"/>
-    <pc:docChg chg="undo redo custSel addSld modSld">
-      <pc:chgData name="ALESSIA" userId="ff2fc562-cd55-4b8e-bb31-69fd8c80f346" providerId="ADAL" clId="{ED8F27D4-DE1E-4E95-85E4-6FBB9E86C547}" dt="2020-09-09T15:16:22.015" v="1942" actId="1076"/>
-      <pc:docMkLst>
-        <pc:docMk/>
-      </pc:docMkLst>
-      <pc:sldChg chg="modSp mod">
-        <pc:chgData name="ALESSIA" userId="ff2fc562-cd55-4b8e-bb31-69fd8c80f346" providerId="ADAL" clId="{ED8F27D4-DE1E-4E95-85E4-6FBB9E86C547}" dt="2020-09-09T14:53:45.110" v="1702" actId="12"/>
-        <pc:sldMkLst>
-          <pc:docMk/>
-          <pc:sldMk cId="0" sldId="257"/>
-        </pc:sldMkLst>
-        <pc:spChg chg="mod">
-          <ac:chgData name="ALESSIA" userId="ff2fc562-cd55-4b8e-bb31-69fd8c80f346" providerId="ADAL" clId="{ED8F27D4-DE1E-4E95-85E4-6FBB9E86C547}" dt="2020-09-09T14:53:45.110" v="1702" actId="12"/>
-          <ac:spMkLst>
-            <pc:docMk/>
-            <pc:sldMk cId="0" sldId="257"/>
-            <ac:spMk id="482" creationId="{00000000-0000-0000-0000-000000000000}"/>
-          </ac:spMkLst>
-        </pc:spChg>
-        <pc:spChg chg="mod">
-          <ac:chgData name="ALESSIA" userId="ff2fc562-cd55-4b8e-bb31-69fd8c80f346" providerId="ADAL" clId="{ED8F27D4-DE1E-4E95-85E4-6FBB9E86C547}" dt="2020-09-09T14:01:49.079" v="341" actId="1076"/>
-          <ac:spMkLst>
-            <pc:docMk/>
-            <pc:sldMk cId="0" sldId="257"/>
-            <ac:spMk id="483" creationId="{00000000-0000-0000-0000-000000000000}"/>
-          </ac:spMkLst>
-        </pc:spChg>
-        <pc:grpChg chg="mod">
-          <ac:chgData name="ALESSIA" userId="ff2fc562-cd55-4b8e-bb31-69fd8c80f346" providerId="ADAL" clId="{ED8F27D4-DE1E-4E95-85E4-6FBB9E86C547}" dt="2020-09-09T14:01:54.566" v="342" actId="1076"/>
-          <ac:grpSpMkLst>
-            <pc:docMk/>
-            <pc:sldMk cId="0" sldId="257"/>
-            <ac:grpSpMk id="484" creationId="{00000000-0000-0000-0000-000000000000}"/>
-          </ac:grpSpMkLst>
-        </pc:grpChg>
-        <pc:picChg chg="mod">
-          <ac:chgData name="ALESSIA" userId="ff2fc562-cd55-4b8e-bb31-69fd8c80f346" providerId="ADAL" clId="{ED8F27D4-DE1E-4E95-85E4-6FBB9E86C547}" dt="2020-09-09T14:01:54.566" v="342" actId="1076"/>
-          <ac:picMkLst>
-            <pc:docMk/>
-            <pc:sldMk cId="0" sldId="257"/>
-            <ac:picMk id="3" creationId="{7E3AB1B1-5680-4959-BF5C-ECA078D42DFB}"/>
-          </ac:picMkLst>
-        </pc:picChg>
-      </pc:sldChg>
-      <pc:sldChg chg="addSp delSp modSp mod">
-        <pc:chgData name="ALESSIA" userId="ff2fc562-cd55-4b8e-bb31-69fd8c80f346" providerId="ADAL" clId="{ED8F27D4-DE1E-4E95-85E4-6FBB9E86C547}" dt="2020-09-09T15:08:30.339" v="1829" actId="20577"/>
-        <pc:sldMkLst>
-          <pc:docMk/>
-          <pc:sldMk cId="0" sldId="258"/>
-        </pc:sldMkLst>
-        <pc:spChg chg="add mod">
-          <ac:chgData name="ALESSIA" userId="ff2fc562-cd55-4b8e-bb31-69fd8c80f346" providerId="ADAL" clId="{ED8F27D4-DE1E-4E95-85E4-6FBB9E86C547}" dt="2020-09-09T13:25:10.364" v="7" actId="1076"/>
-          <ac:spMkLst>
-            <pc:docMk/>
-            <pc:sldMk cId="0" sldId="258"/>
-            <ac:spMk id="25" creationId="{6A6B2FE6-9C1E-4A6A-A218-7165E303DE60}"/>
-          </ac:spMkLst>
-        </pc:spChg>
-        <pc:spChg chg="add mod">
-          <ac:chgData name="ALESSIA" userId="ff2fc562-cd55-4b8e-bb31-69fd8c80f346" providerId="ADAL" clId="{ED8F27D4-DE1E-4E95-85E4-6FBB9E86C547}" dt="2020-09-09T14:04:18.749" v="359" actId="1076"/>
-          <ac:spMkLst>
-            <pc:docMk/>
-            <pc:sldMk cId="0" sldId="258"/>
-            <ac:spMk id="26" creationId="{58596FE3-D9E5-4641-AAC4-F533C75EBB8D}"/>
-          </ac:spMkLst>
-        </pc:spChg>
-        <pc:spChg chg="add mod">
-          <ac:chgData name="ALESSIA" userId="ff2fc562-cd55-4b8e-bb31-69fd8c80f346" providerId="ADAL" clId="{ED8F27D4-DE1E-4E95-85E4-6FBB9E86C547}" dt="2020-09-09T14:36:06.761" v="1197" actId="115"/>
-          <ac:spMkLst>
-            <pc:docMk/>
-            <pc:sldMk cId="0" sldId="258"/>
-            <ac:spMk id="33" creationId="{8B687481-15FD-4459-A805-EB56B38E84C0}"/>
-          </ac:spMkLst>
-        </pc:spChg>
-        <pc:spChg chg="add mod">
-          <ac:chgData name="ALESSIA" userId="ff2fc562-cd55-4b8e-bb31-69fd8c80f346" providerId="ADAL" clId="{ED8F27D4-DE1E-4E95-85E4-6FBB9E86C547}" dt="2020-09-09T14:35:46.905" v="1196" actId="1076"/>
-          <ac:spMkLst>
-            <pc:docMk/>
-            <pc:sldMk cId="0" sldId="258"/>
-            <ac:spMk id="34" creationId="{1883ECDA-96E0-4219-8DE3-FC7A380F52DD}"/>
-          </ac:spMkLst>
-        </pc:spChg>
-        <pc:spChg chg="mod">
-          <ac:chgData name="ALESSIA" userId="ff2fc562-cd55-4b8e-bb31-69fd8c80f346" providerId="ADAL" clId="{ED8F27D4-DE1E-4E95-85E4-6FBB9E86C547}" dt="2020-09-09T14:32:11.336" v="1032"/>
-          <ac:spMkLst>
-            <pc:docMk/>
-            <pc:sldMk cId="0" sldId="258"/>
-            <ac:spMk id="55" creationId="{C820E6D7-963B-4B1D-B092-F6A99B26A92C}"/>
-          </ac:spMkLst>
-        </pc:spChg>
-        <pc:spChg chg="mod">
-          <ac:chgData name="ALESSIA" userId="ff2fc562-cd55-4b8e-bb31-69fd8c80f346" providerId="ADAL" clId="{ED8F27D4-DE1E-4E95-85E4-6FBB9E86C547}" dt="2020-09-09T14:32:11.336" v="1032"/>
-          <ac:spMkLst>
-            <pc:docMk/>
-            <pc:sldMk cId="0" sldId="258"/>
-            <ac:spMk id="56" creationId="{2D94791C-F5CF-4F24-95D1-3868AEA48DE9}"/>
-          </ac:spMkLst>
-        </pc:spChg>
-        <pc:spChg chg="mod">
-          <ac:chgData name="ALESSIA" userId="ff2fc562-cd55-4b8e-bb31-69fd8c80f346" providerId="ADAL" clId="{ED8F27D4-DE1E-4E95-85E4-6FBB9E86C547}" dt="2020-09-09T14:32:11.336" v="1032"/>
-          <ac:spMkLst>
-            <pc:docMk/>
-            <pc:sldMk cId="0" sldId="258"/>
-            <ac:spMk id="57" creationId="{ED4828E6-889F-41C0-A015-02FE43C27B33}"/>
-          </ac:spMkLst>
-        </pc:spChg>
-        <pc:spChg chg="mod">
-          <ac:chgData name="ALESSIA" userId="ff2fc562-cd55-4b8e-bb31-69fd8c80f346" providerId="ADAL" clId="{ED8F27D4-DE1E-4E95-85E4-6FBB9E86C547}" dt="2020-09-09T14:32:11.336" v="1032"/>
-          <ac:spMkLst>
-            <pc:docMk/>
-            <pc:sldMk cId="0" sldId="258"/>
-            <ac:spMk id="58" creationId="{2E77A5CC-4447-4662-ADB1-22FE226D0F30}"/>
-          </ac:spMkLst>
-        </pc:spChg>
-        <pc:spChg chg="mod">
-          <ac:chgData name="ALESSIA" userId="ff2fc562-cd55-4b8e-bb31-69fd8c80f346" providerId="ADAL" clId="{ED8F27D4-DE1E-4E95-85E4-6FBB9E86C547}" dt="2020-09-09T14:32:11.336" v="1032"/>
-          <ac:spMkLst>
-            <pc:docMk/>
-            <pc:sldMk cId="0" sldId="258"/>
-            <ac:spMk id="59" creationId="{9FDFED46-EE0D-4F1C-8FCE-5D386188D72F}"/>
-          </ac:spMkLst>
-        </pc:spChg>
-        <pc:spChg chg="mod">
-          <ac:chgData name="ALESSIA" userId="ff2fc562-cd55-4b8e-bb31-69fd8c80f346" providerId="ADAL" clId="{ED8F27D4-DE1E-4E95-85E4-6FBB9E86C547}" dt="2020-09-09T15:08:30.339" v="1829" actId="20577"/>
-          <ac:spMkLst>
-            <pc:docMk/>
-            <pc:sldMk cId="0" sldId="258"/>
-            <ac:spMk id="522" creationId="{00000000-0000-0000-0000-000000000000}"/>
-          </ac:spMkLst>
-        </pc:spChg>
-        <pc:grpChg chg="del">
-          <ac:chgData name="ALESSIA" userId="ff2fc562-cd55-4b8e-bb31-69fd8c80f346" providerId="ADAL" clId="{ED8F27D4-DE1E-4E95-85E4-6FBB9E86C547}" dt="2020-09-09T14:03:33.127" v="348" actId="478"/>
-          <ac:grpSpMkLst>
-            <pc:docMk/>
-            <pc:sldMk cId="0" sldId="258"/>
-            <ac:grpSpMk id="11" creationId="{6245960C-48C8-414E-9683-E9C4985C1C63}"/>
-          </ac:grpSpMkLst>
-        </pc:grpChg>
-        <pc:grpChg chg="del mod">
-          <ac:chgData name="ALESSIA" userId="ff2fc562-cd55-4b8e-bb31-69fd8c80f346" providerId="ADAL" clId="{ED8F27D4-DE1E-4E95-85E4-6FBB9E86C547}" dt="2020-09-09T14:04:14.864" v="356" actId="478"/>
-          <ac:grpSpMkLst>
-            <pc:docMk/>
-            <pc:sldMk cId="0" sldId="258"/>
-            <ac:grpSpMk id="18" creationId="{F59BB7FE-2D3C-E546-A826-EB6AD53A81E1}"/>
-          </ac:grpSpMkLst>
-        </pc:grpChg>
-        <pc:grpChg chg="add mod">
-          <ac:chgData name="ALESSIA" userId="ff2fc562-cd55-4b8e-bb31-69fd8c80f346" providerId="ADAL" clId="{ED8F27D4-DE1E-4E95-85E4-6FBB9E86C547}" dt="2020-09-09T14:35:20.101" v="1158" actId="1076"/>
-          <ac:grpSpMkLst>
-            <pc:docMk/>
-            <pc:sldMk cId="0" sldId="258"/>
-            <ac:grpSpMk id="54" creationId="{BACEDFA6-8D88-4055-AAFA-890173DED761}"/>
-          </ac:grpSpMkLst>
-        </pc:grpChg>
-        <pc:inkChg chg="del">
-          <ac:chgData name="ALESSIA" userId="ff2fc562-cd55-4b8e-bb31-69fd8c80f346" providerId="ADAL" clId="{ED8F27D4-DE1E-4E95-85E4-6FBB9E86C547}" dt="2020-09-09T14:04:13.514" v="355" actId="478"/>
-          <ac:inkMkLst>
-            <pc:docMk/>
-            <pc:sldMk cId="0" sldId="258"/>
-            <ac:inkMk id="2" creationId="{902E23DA-C47B-8447-82FF-544441586513}"/>
-          </ac:inkMkLst>
-        </pc:inkChg>
-        <pc:cxnChg chg="mod">
-          <ac:chgData name="ALESSIA" userId="ff2fc562-cd55-4b8e-bb31-69fd8c80f346" providerId="ADAL" clId="{ED8F27D4-DE1E-4E95-85E4-6FBB9E86C547}" dt="2020-09-09T14:02:45.038" v="345" actId="208"/>
-          <ac:cxnSpMkLst>
-            <pc:docMk/>
-            <pc:sldMk cId="0" sldId="258"/>
-            <ac:cxnSpMk id="3" creationId="{CD4DEF80-BBE0-40D7-882A-97E13CAD1694}"/>
-          </ac:cxnSpMkLst>
-        </pc:cxnChg>
-        <pc:cxnChg chg="mod">
-          <ac:chgData name="ALESSIA" userId="ff2fc562-cd55-4b8e-bb31-69fd8c80f346" providerId="ADAL" clId="{ED8F27D4-DE1E-4E95-85E4-6FBB9E86C547}" dt="2020-09-09T14:02:45.038" v="345" actId="208"/>
-          <ac:cxnSpMkLst>
-            <pc:docMk/>
-            <pc:sldMk cId="0" sldId="258"/>
-            <ac:cxnSpMk id="21" creationId="{C098D2B4-4F3A-4582-9FFA-34C4DAFE1746}"/>
-          </ac:cxnSpMkLst>
-        </pc:cxnChg>
-        <pc:cxnChg chg="mod">
-          <ac:chgData name="ALESSIA" userId="ff2fc562-cd55-4b8e-bb31-69fd8c80f346" providerId="ADAL" clId="{ED8F27D4-DE1E-4E95-85E4-6FBB9E86C547}" dt="2020-09-09T14:02:45.038" v="345" actId="208"/>
-          <ac:cxnSpMkLst>
-            <pc:docMk/>
-            <pc:sldMk cId="0" sldId="258"/>
-            <ac:cxnSpMk id="22" creationId="{6095C558-2C68-4342-98C3-39000CB19989}"/>
-          </ac:cxnSpMkLst>
-        </pc:cxnChg>
-        <pc:cxnChg chg="add mod">
-          <ac:chgData name="ALESSIA" userId="ff2fc562-cd55-4b8e-bb31-69fd8c80f346" providerId="ADAL" clId="{ED8F27D4-DE1E-4E95-85E4-6FBB9E86C547}" dt="2020-09-09T14:04:07.728" v="352" actId="208"/>
-          <ac:cxnSpMkLst>
-            <pc:docMk/>
-            <pc:sldMk cId="0" sldId="258"/>
-            <ac:cxnSpMk id="28" creationId="{C794E51A-5E24-4CBA-B72E-626B93709659}"/>
-          </ac:cxnSpMkLst>
-        </pc:cxnChg>
-        <pc:cxnChg chg="add mod">
-          <ac:chgData name="ALESSIA" userId="ff2fc562-cd55-4b8e-bb31-69fd8c80f346" providerId="ADAL" clId="{ED8F27D4-DE1E-4E95-85E4-6FBB9E86C547}" dt="2020-09-09T14:04:22.498" v="361" actId="14100"/>
-          <ac:cxnSpMkLst>
-            <pc:docMk/>
-            <pc:sldMk cId="0" sldId="258"/>
-            <ac:cxnSpMk id="48" creationId="{84F4199B-5EEC-4694-BF11-1794B5519EB9}"/>
-          </ac:cxnSpMkLst>
-        </pc:cxnChg>
-        <pc:cxnChg chg="add mod">
-          <ac:chgData name="ALESSIA" userId="ff2fc562-cd55-4b8e-bb31-69fd8c80f346" providerId="ADAL" clId="{ED8F27D4-DE1E-4E95-85E4-6FBB9E86C547}" dt="2020-09-09T14:04:29.244" v="363" actId="14100"/>
-          <ac:cxnSpMkLst>
-            <pc:docMk/>
-            <pc:sldMk cId="0" sldId="258"/>
-            <ac:cxnSpMk id="49" creationId="{347FC402-86E4-4AC0-95CA-04CB0C6872B1}"/>
-          </ac:cxnSpMkLst>
-        </pc:cxnChg>
-      </pc:sldChg>
-      <pc:sldChg chg="modSp mod">
-        <pc:chgData name="ALESSIA" userId="ff2fc562-cd55-4b8e-bb31-69fd8c80f346" providerId="ADAL" clId="{ED8F27D4-DE1E-4E95-85E4-6FBB9E86C547}" dt="2020-09-09T14:38:08.774" v="1243" actId="115"/>
-        <pc:sldMkLst>
-          <pc:docMk/>
-          <pc:sldMk cId="0" sldId="259"/>
-        </pc:sldMkLst>
-        <pc:spChg chg="mod">
-          <ac:chgData name="ALESSIA" userId="ff2fc562-cd55-4b8e-bb31-69fd8c80f346" providerId="ADAL" clId="{ED8F27D4-DE1E-4E95-85E4-6FBB9E86C547}" dt="2020-09-09T14:38:08.774" v="1243" actId="115"/>
-          <ac:spMkLst>
-            <pc:docMk/>
-            <pc:sldMk cId="0" sldId="259"/>
-            <ac:spMk id="540" creationId="{00000000-0000-0000-0000-000000000000}"/>
-          </ac:spMkLst>
-        </pc:spChg>
-      </pc:sldChg>
-      <pc:sldChg chg="addSp delSp modSp mod">
-        <pc:chgData name="ALESSIA" userId="ff2fc562-cd55-4b8e-bb31-69fd8c80f346" providerId="ADAL" clId="{ED8F27D4-DE1E-4E95-85E4-6FBB9E86C547}" dt="2020-09-09T14:40:12.832" v="1362" actId="1076"/>
-        <pc:sldMkLst>
-          <pc:docMk/>
-          <pc:sldMk cId="0" sldId="260"/>
-        </pc:sldMkLst>
-        <pc:spChg chg="add del mod">
-          <ac:chgData name="ALESSIA" userId="ff2fc562-cd55-4b8e-bb31-69fd8c80f346" providerId="ADAL" clId="{ED8F27D4-DE1E-4E95-85E4-6FBB9E86C547}" dt="2020-09-09T14:39:43.863" v="1359" actId="478"/>
-          <ac:spMkLst>
-            <pc:docMk/>
-            <pc:sldMk cId="0" sldId="260"/>
-            <ac:spMk id="3" creationId="{F2CCB597-7CBB-44B1-A794-312418CC184F}"/>
-          </ac:spMkLst>
-        </pc:spChg>
-        <pc:spChg chg="add del mod">
-          <ac:chgData name="ALESSIA" userId="ff2fc562-cd55-4b8e-bb31-69fd8c80f346" providerId="ADAL" clId="{ED8F27D4-DE1E-4E95-85E4-6FBB9E86C547}" dt="2020-09-09T14:39:40.758" v="1358" actId="478"/>
-          <ac:spMkLst>
-            <pc:docMk/>
-            <pc:sldMk cId="0" sldId="260"/>
-            <ac:spMk id="5" creationId="{E0D7E31D-10DA-4417-95CC-5719698F39BE}"/>
-          </ac:spMkLst>
-        </pc:spChg>
-        <pc:spChg chg="mod">
-          <ac:chgData name="ALESSIA" userId="ff2fc562-cd55-4b8e-bb31-69fd8c80f346" providerId="ADAL" clId="{ED8F27D4-DE1E-4E95-85E4-6FBB9E86C547}" dt="2020-09-09T14:39:58.501" v="1361" actId="1076"/>
-          <ac:spMkLst>
-            <pc:docMk/>
-            <pc:sldMk cId="0" sldId="260"/>
-            <ac:spMk id="582" creationId="{00000000-0000-0000-0000-000000000000}"/>
-          </ac:spMkLst>
-        </pc:spChg>
-        <pc:spChg chg="mod">
-          <ac:chgData name="ALESSIA" userId="ff2fc562-cd55-4b8e-bb31-69fd8c80f346" providerId="ADAL" clId="{ED8F27D4-DE1E-4E95-85E4-6FBB9E86C547}" dt="2020-09-09T14:39:58.501" v="1361" actId="1076"/>
-          <ac:spMkLst>
-            <pc:docMk/>
-            <pc:sldMk cId="0" sldId="260"/>
-            <ac:spMk id="583" creationId="{00000000-0000-0000-0000-000000000000}"/>
-          </ac:spMkLst>
-        </pc:spChg>
-        <pc:spChg chg="mod">
-          <ac:chgData name="ALESSIA" userId="ff2fc562-cd55-4b8e-bb31-69fd8c80f346" providerId="ADAL" clId="{ED8F27D4-DE1E-4E95-85E4-6FBB9E86C547}" dt="2020-09-09T14:39:58.501" v="1361" actId="1076"/>
-          <ac:spMkLst>
-            <pc:docMk/>
-            <pc:sldMk cId="0" sldId="260"/>
-            <ac:spMk id="584" creationId="{00000000-0000-0000-0000-000000000000}"/>
-          </ac:spMkLst>
-        </pc:spChg>
-        <pc:spChg chg="del mod">
-          <ac:chgData name="ALESSIA" userId="ff2fc562-cd55-4b8e-bb31-69fd8c80f346" providerId="ADAL" clId="{ED8F27D4-DE1E-4E95-85E4-6FBB9E86C547}" dt="2020-09-09T14:39:36.557" v="1357" actId="478"/>
-          <ac:spMkLst>
-            <pc:docMk/>
-            <pc:sldMk cId="0" sldId="260"/>
-            <ac:spMk id="585" creationId="{00000000-0000-0000-0000-000000000000}"/>
-          </ac:spMkLst>
-        </pc:spChg>
-        <pc:spChg chg="mod">
-          <ac:chgData name="ALESSIA" userId="ff2fc562-cd55-4b8e-bb31-69fd8c80f346" providerId="ADAL" clId="{ED8F27D4-DE1E-4E95-85E4-6FBB9E86C547}" dt="2020-09-09T14:39:58.501" v="1361" actId="1076"/>
-          <ac:spMkLst>
-            <pc:docMk/>
-            <pc:sldMk cId="0" sldId="260"/>
-            <ac:spMk id="586" creationId="{00000000-0000-0000-0000-000000000000}"/>
-          </ac:spMkLst>
-        </pc:spChg>
-        <pc:spChg chg="del">
-          <ac:chgData name="ALESSIA" userId="ff2fc562-cd55-4b8e-bb31-69fd8c80f346" providerId="ADAL" clId="{ED8F27D4-DE1E-4E95-85E4-6FBB9E86C547}" dt="2020-09-09T14:39:36.557" v="1357" actId="478"/>
-          <ac:spMkLst>
-            <pc:docMk/>
-            <pc:sldMk cId="0" sldId="260"/>
-            <ac:spMk id="587" creationId="{00000000-0000-0000-0000-000000000000}"/>
-          </ac:spMkLst>
-        </pc:spChg>
-        <pc:spChg chg="mod">
-          <ac:chgData name="ALESSIA" userId="ff2fc562-cd55-4b8e-bb31-69fd8c80f346" providerId="ADAL" clId="{ED8F27D4-DE1E-4E95-85E4-6FBB9E86C547}" dt="2020-09-09T14:39:58.501" v="1361" actId="1076"/>
-          <ac:spMkLst>
-            <pc:docMk/>
-            <pc:sldMk cId="0" sldId="260"/>
-            <ac:spMk id="588" creationId="{00000000-0000-0000-0000-000000000000}"/>
-          </ac:spMkLst>
-        </pc:spChg>
-        <pc:spChg chg="mod">
-          <ac:chgData name="ALESSIA" userId="ff2fc562-cd55-4b8e-bb31-69fd8c80f346" providerId="ADAL" clId="{ED8F27D4-DE1E-4E95-85E4-6FBB9E86C547}" dt="2020-09-09T14:39:58.501" v="1361" actId="1076"/>
-          <ac:spMkLst>
-            <pc:docMk/>
-            <pc:sldMk cId="0" sldId="260"/>
-            <ac:spMk id="590" creationId="{00000000-0000-0000-0000-000000000000}"/>
-          </ac:spMkLst>
-        </pc:spChg>
-        <pc:spChg chg="mod">
-          <ac:chgData name="ALESSIA" userId="ff2fc562-cd55-4b8e-bb31-69fd8c80f346" providerId="ADAL" clId="{ED8F27D4-DE1E-4E95-85E4-6FBB9E86C547}" dt="2020-09-09T14:39:58.501" v="1361" actId="1076"/>
-          <ac:spMkLst>
-            <pc:docMk/>
-            <pc:sldMk cId="0" sldId="260"/>
-            <ac:spMk id="591" creationId="{00000000-0000-0000-0000-000000000000}"/>
-          </ac:spMkLst>
-        </pc:spChg>
-        <pc:spChg chg="mod">
-          <ac:chgData name="ALESSIA" userId="ff2fc562-cd55-4b8e-bb31-69fd8c80f346" providerId="ADAL" clId="{ED8F27D4-DE1E-4E95-85E4-6FBB9E86C547}" dt="2020-09-09T14:39:58.501" v="1361" actId="1076"/>
-          <ac:spMkLst>
-            <pc:docMk/>
-            <pc:sldMk cId="0" sldId="260"/>
-            <ac:spMk id="592" creationId="{00000000-0000-0000-0000-000000000000}"/>
-          </ac:spMkLst>
-        </pc:spChg>
-        <pc:spChg chg="mod">
-          <ac:chgData name="ALESSIA" userId="ff2fc562-cd55-4b8e-bb31-69fd8c80f346" providerId="ADAL" clId="{ED8F27D4-DE1E-4E95-85E4-6FBB9E86C547}" dt="2020-09-09T14:39:58.501" v="1361" actId="1076"/>
-          <ac:spMkLst>
-            <pc:docMk/>
-            <pc:sldMk cId="0" sldId="260"/>
-            <ac:spMk id="593" creationId="{00000000-0000-0000-0000-000000000000}"/>
-          </ac:spMkLst>
-        </pc:spChg>
-        <pc:spChg chg="mod">
-          <ac:chgData name="ALESSIA" userId="ff2fc562-cd55-4b8e-bb31-69fd8c80f346" providerId="ADAL" clId="{ED8F27D4-DE1E-4E95-85E4-6FBB9E86C547}" dt="2020-09-09T14:39:58.501" v="1361" actId="1076"/>
-          <ac:spMkLst>
-            <pc:docMk/>
-            <pc:sldMk cId="0" sldId="260"/>
-            <ac:spMk id="597" creationId="{00000000-0000-0000-0000-000000000000}"/>
-          </ac:spMkLst>
-        </pc:spChg>
-        <pc:spChg chg="mod">
-          <ac:chgData name="ALESSIA" userId="ff2fc562-cd55-4b8e-bb31-69fd8c80f346" providerId="ADAL" clId="{ED8F27D4-DE1E-4E95-85E4-6FBB9E86C547}" dt="2020-09-09T14:40:12.832" v="1362" actId="1076"/>
-          <ac:spMkLst>
-            <pc:docMk/>
-            <pc:sldMk cId="0" sldId="260"/>
-            <ac:spMk id="598" creationId="{00000000-0000-0000-0000-000000000000}"/>
-          </ac:spMkLst>
-        </pc:spChg>
-        <pc:spChg chg="mod">
-          <ac:chgData name="ALESSIA" userId="ff2fc562-cd55-4b8e-bb31-69fd8c80f346" providerId="ADAL" clId="{ED8F27D4-DE1E-4E95-85E4-6FBB9E86C547}" dt="2020-09-09T14:39:58.501" v="1361" actId="1076"/>
-          <ac:spMkLst>
-            <pc:docMk/>
-            <pc:sldMk cId="0" sldId="260"/>
-            <ac:spMk id="624" creationId="{00000000-0000-0000-0000-000000000000}"/>
-          </ac:spMkLst>
-        </pc:spChg>
-        <pc:spChg chg="mod">
-          <ac:chgData name="ALESSIA" userId="ff2fc562-cd55-4b8e-bb31-69fd8c80f346" providerId="ADAL" clId="{ED8F27D4-DE1E-4E95-85E4-6FBB9E86C547}" dt="2020-09-09T14:39:58.501" v="1361" actId="1076"/>
-          <ac:spMkLst>
-            <pc:docMk/>
-            <pc:sldMk cId="0" sldId="260"/>
-            <ac:spMk id="625" creationId="{00000000-0000-0000-0000-000000000000}"/>
-          </ac:spMkLst>
-        </pc:spChg>
-        <pc:spChg chg="mod">
-          <ac:chgData name="ALESSIA" userId="ff2fc562-cd55-4b8e-bb31-69fd8c80f346" providerId="ADAL" clId="{ED8F27D4-DE1E-4E95-85E4-6FBB9E86C547}" dt="2020-09-09T14:39:58.501" v="1361" actId="1076"/>
-          <ac:spMkLst>
-            <pc:docMk/>
-            <pc:sldMk cId="0" sldId="260"/>
-            <ac:spMk id="626" creationId="{00000000-0000-0000-0000-000000000000}"/>
-          </ac:spMkLst>
-        </pc:spChg>
-        <pc:spChg chg="mod">
-          <ac:chgData name="ALESSIA" userId="ff2fc562-cd55-4b8e-bb31-69fd8c80f346" providerId="ADAL" clId="{ED8F27D4-DE1E-4E95-85E4-6FBB9E86C547}" dt="2020-09-09T14:39:58.501" v="1361" actId="1076"/>
-          <ac:spMkLst>
-            <pc:docMk/>
-            <pc:sldMk cId="0" sldId="260"/>
-            <ac:spMk id="627" creationId="{00000000-0000-0000-0000-000000000000}"/>
-          </ac:spMkLst>
-        </pc:spChg>
-        <pc:spChg chg="mod">
-          <ac:chgData name="ALESSIA" userId="ff2fc562-cd55-4b8e-bb31-69fd8c80f346" providerId="ADAL" clId="{ED8F27D4-DE1E-4E95-85E4-6FBB9E86C547}" dt="2020-09-09T14:39:58.501" v="1361" actId="1076"/>
-          <ac:spMkLst>
-            <pc:docMk/>
-            <pc:sldMk cId="0" sldId="260"/>
-            <ac:spMk id="628" creationId="{00000000-0000-0000-0000-000000000000}"/>
-          </ac:spMkLst>
-        </pc:spChg>
-        <pc:spChg chg="mod">
-          <ac:chgData name="ALESSIA" userId="ff2fc562-cd55-4b8e-bb31-69fd8c80f346" providerId="ADAL" clId="{ED8F27D4-DE1E-4E95-85E4-6FBB9E86C547}" dt="2020-09-09T14:39:58.501" v="1361" actId="1076"/>
-          <ac:spMkLst>
-            <pc:docMk/>
-            <pc:sldMk cId="0" sldId="260"/>
-            <ac:spMk id="629" creationId="{00000000-0000-0000-0000-000000000000}"/>
-          </ac:spMkLst>
-        </pc:spChg>
-        <pc:spChg chg="mod">
-          <ac:chgData name="ALESSIA" userId="ff2fc562-cd55-4b8e-bb31-69fd8c80f346" providerId="ADAL" clId="{ED8F27D4-DE1E-4E95-85E4-6FBB9E86C547}" dt="2020-09-09T14:39:58.501" v="1361" actId="1076"/>
-          <ac:spMkLst>
-            <pc:docMk/>
-            <pc:sldMk cId="0" sldId="260"/>
-            <ac:spMk id="630" creationId="{00000000-0000-0000-0000-000000000000}"/>
-          </ac:spMkLst>
-        </pc:spChg>
-        <pc:spChg chg="mod">
-          <ac:chgData name="ALESSIA" userId="ff2fc562-cd55-4b8e-bb31-69fd8c80f346" providerId="ADAL" clId="{ED8F27D4-DE1E-4E95-85E4-6FBB9E86C547}" dt="2020-09-09T14:39:58.501" v="1361" actId="1076"/>
-          <ac:spMkLst>
-            <pc:docMk/>
-            <pc:sldMk cId="0" sldId="260"/>
-            <ac:spMk id="631" creationId="{00000000-0000-0000-0000-000000000000}"/>
-          </ac:spMkLst>
-        </pc:spChg>
-        <pc:spChg chg="mod">
-          <ac:chgData name="ALESSIA" userId="ff2fc562-cd55-4b8e-bb31-69fd8c80f346" providerId="ADAL" clId="{ED8F27D4-DE1E-4E95-85E4-6FBB9E86C547}" dt="2020-09-09T14:39:58.501" v="1361" actId="1076"/>
-          <ac:spMkLst>
-            <pc:docMk/>
-            <pc:sldMk cId="0" sldId="260"/>
-            <ac:spMk id="632" creationId="{00000000-0000-0000-0000-000000000000}"/>
-          </ac:spMkLst>
-        </pc:spChg>
-        <pc:spChg chg="mod">
-          <ac:chgData name="ALESSIA" userId="ff2fc562-cd55-4b8e-bb31-69fd8c80f346" providerId="ADAL" clId="{ED8F27D4-DE1E-4E95-85E4-6FBB9E86C547}" dt="2020-09-09T14:39:58.501" v="1361" actId="1076"/>
-          <ac:spMkLst>
-            <pc:docMk/>
-            <pc:sldMk cId="0" sldId="260"/>
-            <ac:spMk id="633" creationId="{00000000-0000-0000-0000-000000000000}"/>
-          </ac:spMkLst>
-        </pc:spChg>
-        <pc:spChg chg="mod">
-          <ac:chgData name="ALESSIA" userId="ff2fc562-cd55-4b8e-bb31-69fd8c80f346" providerId="ADAL" clId="{ED8F27D4-DE1E-4E95-85E4-6FBB9E86C547}" dt="2020-09-09T14:39:58.501" v="1361" actId="1076"/>
-          <ac:spMkLst>
-            <pc:docMk/>
-            <pc:sldMk cId="0" sldId="260"/>
-            <ac:spMk id="634" creationId="{00000000-0000-0000-0000-000000000000}"/>
-          </ac:spMkLst>
-        </pc:spChg>
-        <pc:spChg chg="mod">
-          <ac:chgData name="ALESSIA" userId="ff2fc562-cd55-4b8e-bb31-69fd8c80f346" providerId="ADAL" clId="{ED8F27D4-DE1E-4E95-85E4-6FBB9E86C547}" dt="2020-09-09T14:39:58.501" v="1361" actId="1076"/>
-          <ac:spMkLst>
-            <pc:docMk/>
-            <pc:sldMk cId="0" sldId="260"/>
-            <ac:spMk id="635" creationId="{00000000-0000-0000-0000-000000000000}"/>
-          </ac:spMkLst>
-        </pc:spChg>
-        <pc:spChg chg="mod">
-          <ac:chgData name="ALESSIA" userId="ff2fc562-cd55-4b8e-bb31-69fd8c80f346" providerId="ADAL" clId="{ED8F27D4-DE1E-4E95-85E4-6FBB9E86C547}" dt="2020-09-09T14:39:58.501" v="1361" actId="1076"/>
-          <ac:spMkLst>
-            <pc:docMk/>
-            <pc:sldMk cId="0" sldId="260"/>
-            <ac:spMk id="636" creationId="{00000000-0000-0000-0000-000000000000}"/>
-          </ac:spMkLst>
-        </pc:spChg>
-        <pc:spChg chg="mod">
-          <ac:chgData name="ALESSIA" userId="ff2fc562-cd55-4b8e-bb31-69fd8c80f346" providerId="ADAL" clId="{ED8F27D4-DE1E-4E95-85E4-6FBB9E86C547}" dt="2020-09-09T14:39:58.501" v="1361" actId="1076"/>
-          <ac:spMkLst>
-            <pc:docMk/>
-            <pc:sldMk cId="0" sldId="260"/>
-            <ac:spMk id="637" creationId="{00000000-0000-0000-0000-000000000000}"/>
-          </ac:spMkLst>
-        </pc:spChg>
-        <pc:spChg chg="mod">
-          <ac:chgData name="ALESSIA" userId="ff2fc562-cd55-4b8e-bb31-69fd8c80f346" providerId="ADAL" clId="{ED8F27D4-DE1E-4E95-85E4-6FBB9E86C547}" dt="2020-09-09T14:39:58.501" v="1361" actId="1076"/>
-          <ac:spMkLst>
-            <pc:docMk/>
-            <pc:sldMk cId="0" sldId="260"/>
-            <ac:spMk id="643" creationId="{00000000-0000-0000-0000-000000000000}"/>
-          </ac:spMkLst>
-        </pc:spChg>
-        <pc:spChg chg="mod">
-          <ac:chgData name="ALESSIA" userId="ff2fc562-cd55-4b8e-bb31-69fd8c80f346" providerId="ADAL" clId="{ED8F27D4-DE1E-4E95-85E4-6FBB9E86C547}" dt="2020-09-09T14:39:58.501" v="1361" actId="1076"/>
-          <ac:spMkLst>
-            <pc:docMk/>
-            <pc:sldMk cId="0" sldId="260"/>
-            <ac:spMk id="644" creationId="{00000000-0000-0000-0000-000000000000}"/>
-          </ac:spMkLst>
-        </pc:spChg>
-        <pc:spChg chg="mod">
-          <ac:chgData name="ALESSIA" userId="ff2fc562-cd55-4b8e-bb31-69fd8c80f346" providerId="ADAL" clId="{ED8F27D4-DE1E-4E95-85E4-6FBB9E86C547}" dt="2020-09-09T14:39:58.501" v="1361" actId="1076"/>
-          <ac:spMkLst>
-            <pc:docMk/>
-            <pc:sldMk cId="0" sldId="260"/>
-            <ac:spMk id="645" creationId="{00000000-0000-0000-0000-000000000000}"/>
-          </ac:spMkLst>
-        </pc:spChg>
-        <pc:spChg chg="mod">
-          <ac:chgData name="ALESSIA" userId="ff2fc562-cd55-4b8e-bb31-69fd8c80f346" providerId="ADAL" clId="{ED8F27D4-DE1E-4E95-85E4-6FBB9E86C547}" dt="2020-09-09T14:39:58.501" v="1361" actId="1076"/>
-          <ac:spMkLst>
-            <pc:docMk/>
-            <pc:sldMk cId="0" sldId="260"/>
-            <ac:spMk id="646" creationId="{00000000-0000-0000-0000-000000000000}"/>
-          </ac:spMkLst>
-        </pc:spChg>
-        <pc:spChg chg="mod">
-          <ac:chgData name="ALESSIA" userId="ff2fc562-cd55-4b8e-bb31-69fd8c80f346" providerId="ADAL" clId="{ED8F27D4-DE1E-4E95-85E4-6FBB9E86C547}" dt="2020-09-09T14:39:58.501" v="1361" actId="1076"/>
-          <ac:spMkLst>
-            <pc:docMk/>
-            <pc:sldMk cId="0" sldId="260"/>
-            <ac:spMk id="647" creationId="{00000000-0000-0000-0000-000000000000}"/>
-          </ac:spMkLst>
-        </pc:spChg>
-        <pc:spChg chg="mod">
-          <ac:chgData name="ALESSIA" userId="ff2fc562-cd55-4b8e-bb31-69fd8c80f346" providerId="ADAL" clId="{ED8F27D4-DE1E-4E95-85E4-6FBB9E86C547}" dt="2020-09-09T14:39:58.501" v="1361" actId="1076"/>
-          <ac:spMkLst>
-            <pc:docMk/>
-            <pc:sldMk cId="0" sldId="260"/>
-            <ac:spMk id="648" creationId="{00000000-0000-0000-0000-000000000000}"/>
-          </ac:spMkLst>
-        </pc:spChg>
-        <pc:spChg chg="mod">
-          <ac:chgData name="ALESSIA" userId="ff2fc562-cd55-4b8e-bb31-69fd8c80f346" providerId="ADAL" clId="{ED8F27D4-DE1E-4E95-85E4-6FBB9E86C547}" dt="2020-09-09T14:39:58.501" v="1361" actId="1076"/>
-          <ac:spMkLst>
-            <pc:docMk/>
-            <pc:sldMk cId="0" sldId="260"/>
-            <ac:spMk id="649" creationId="{00000000-0000-0000-0000-000000000000}"/>
-          </ac:spMkLst>
-        </pc:spChg>
-        <pc:spChg chg="mod">
-          <ac:chgData name="ALESSIA" userId="ff2fc562-cd55-4b8e-bb31-69fd8c80f346" providerId="ADAL" clId="{ED8F27D4-DE1E-4E95-85E4-6FBB9E86C547}" dt="2020-09-09T14:39:58.501" v="1361" actId="1076"/>
-          <ac:spMkLst>
-            <pc:docMk/>
-            <pc:sldMk cId="0" sldId="260"/>
-            <ac:spMk id="650" creationId="{00000000-0000-0000-0000-000000000000}"/>
-          </ac:spMkLst>
-        </pc:spChg>
-        <pc:spChg chg="mod">
-          <ac:chgData name="ALESSIA" userId="ff2fc562-cd55-4b8e-bb31-69fd8c80f346" providerId="ADAL" clId="{ED8F27D4-DE1E-4E95-85E4-6FBB9E86C547}" dt="2020-09-09T14:39:58.501" v="1361" actId="1076"/>
-          <ac:spMkLst>
-            <pc:docMk/>
-            <pc:sldMk cId="0" sldId="260"/>
-            <ac:spMk id="651" creationId="{00000000-0000-0000-0000-000000000000}"/>
-          </ac:spMkLst>
-        </pc:spChg>
-        <pc:spChg chg="mod">
-          <ac:chgData name="ALESSIA" userId="ff2fc562-cd55-4b8e-bb31-69fd8c80f346" providerId="ADAL" clId="{ED8F27D4-DE1E-4E95-85E4-6FBB9E86C547}" dt="2020-09-09T14:39:58.501" v="1361" actId="1076"/>
-          <ac:spMkLst>
-            <pc:docMk/>
-            <pc:sldMk cId="0" sldId="260"/>
-            <ac:spMk id="652" creationId="{00000000-0000-0000-0000-000000000000}"/>
-          </ac:spMkLst>
-        </pc:spChg>
-        <pc:spChg chg="mod">
-          <ac:chgData name="ALESSIA" userId="ff2fc562-cd55-4b8e-bb31-69fd8c80f346" providerId="ADAL" clId="{ED8F27D4-DE1E-4E95-85E4-6FBB9E86C547}" dt="2020-09-09T14:39:58.501" v="1361" actId="1076"/>
-          <ac:spMkLst>
-            <pc:docMk/>
-            <pc:sldMk cId="0" sldId="260"/>
-            <ac:spMk id="653" creationId="{00000000-0000-0000-0000-000000000000}"/>
-          </ac:spMkLst>
-        </pc:spChg>
-        <pc:spChg chg="mod">
-          <ac:chgData name="ALESSIA" userId="ff2fc562-cd55-4b8e-bb31-69fd8c80f346" providerId="ADAL" clId="{ED8F27D4-DE1E-4E95-85E4-6FBB9E86C547}" dt="2020-09-09T14:39:58.501" v="1361" actId="1076"/>
-          <ac:spMkLst>
-            <pc:docMk/>
-            <pc:sldMk cId="0" sldId="260"/>
-            <ac:spMk id="654" creationId="{00000000-0000-0000-0000-000000000000}"/>
-          </ac:spMkLst>
-        </pc:spChg>
-        <pc:spChg chg="mod">
-          <ac:chgData name="ALESSIA" userId="ff2fc562-cd55-4b8e-bb31-69fd8c80f346" providerId="ADAL" clId="{ED8F27D4-DE1E-4E95-85E4-6FBB9E86C547}" dt="2020-09-09T14:39:58.501" v="1361" actId="1076"/>
-          <ac:spMkLst>
-            <pc:docMk/>
-            <pc:sldMk cId="0" sldId="260"/>
-            <ac:spMk id="655" creationId="{00000000-0000-0000-0000-000000000000}"/>
-          </ac:spMkLst>
-        </pc:spChg>
-        <pc:grpChg chg="mod">
-          <ac:chgData name="ALESSIA" userId="ff2fc562-cd55-4b8e-bb31-69fd8c80f346" providerId="ADAL" clId="{ED8F27D4-DE1E-4E95-85E4-6FBB9E86C547}" dt="2020-09-09T14:39:58.501" v="1361" actId="1076"/>
-          <ac:grpSpMkLst>
-            <pc:docMk/>
-            <pc:sldMk cId="0" sldId="260"/>
-            <ac:grpSpMk id="600" creationId="{00000000-0000-0000-0000-000000000000}"/>
-          </ac:grpSpMkLst>
-        </pc:grpChg>
-        <pc:cxnChg chg="mod">
-          <ac:chgData name="ALESSIA" userId="ff2fc562-cd55-4b8e-bb31-69fd8c80f346" providerId="ADAL" clId="{ED8F27D4-DE1E-4E95-85E4-6FBB9E86C547}" dt="2020-09-09T14:39:58.501" v="1361" actId="1076"/>
-          <ac:cxnSpMkLst>
-            <pc:docMk/>
-            <pc:sldMk cId="0" sldId="260"/>
-            <ac:cxnSpMk id="594" creationId="{00000000-0000-0000-0000-000000000000}"/>
-          </ac:cxnSpMkLst>
-        </pc:cxnChg>
-        <pc:cxnChg chg="mod">
-          <ac:chgData name="ALESSIA" userId="ff2fc562-cd55-4b8e-bb31-69fd8c80f346" providerId="ADAL" clId="{ED8F27D4-DE1E-4E95-85E4-6FBB9E86C547}" dt="2020-09-09T14:39:58.501" v="1361" actId="1076"/>
-          <ac:cxnSpMkLst>
-            <pc:docMk/>
-            <pc:sldMk cId="0" sldId="260"/>
-            <ac:cxnSpMk id="595" creationId="{00000000-0000-0000-0000-000000000000}"/>
-          </ac:cxnSpMkLst>
-        </pc:cxnChg>
-        <pc:cxnChg chg="mod">
-          <ac:chgData name="ALESSIA" userId="ff2fc562-cd55-4b8e-bb31-69fd8c80f346" providerId="ADAL" clId="{ED8F27D4-DE1E-4E95-85E4-6FBB9E86C547}" dt="2020-09-09T14:39:58.501" v="1361" actId="1076"/>
-          <ac:cxnSpMkLst>
-            <pc:docMk/>
-            <pc:sldMk cId="0" sldId="260"/>
-            <ac:cxnSpMk id="596" creationId="{00000000-0000-0000-0000-000000000000}"/>
-          </ac:cxnSpMkLst>
-        </pc:cxnChg>
-        <pc:cxnChg chg="mod">
-          <ac:chgData name="ALESSIA" userId="ff2fc562-cd55-4b8e-bb31-69fd8c80f346" providerId="ADAL" clId="{ED8F27D4-DE1E-4E95-85E4-6FBB9E86C547}" dt="2020-09-09T14:39:58.501" v="1361" actId="1076"/>
-          <ac:cxnSpMkLst>
-            <pc:docMk/>
-            <pc:sldMk cId="0" sldId="260"/>
-            <ac:cxnSpMk id="638" creationId="{00000000-0000-0000-0000-000000000000}"/>
-          </ac:cxnSpMkLst>
-        </pc:cxnChg>
-        <pc:cxnChg chg="mod">
-          <ac:chgData name="ALESSIA" userId="ff2fc562-cd55-4b8e-bb31-69fd8c80f346" providerId="ADAL" clId="{ED8F27D4-DE1E-4E95-85E4-6FBB9E86C547}" dt="2020-09-09T14:39:58.501" v="1361" actId="1076"/>
-          <ac:cxnSpMkLst>
-            <pc:docMk/>
-            <pc:sldMk cId="0" sldId="260"/>
-            <ac:cxnSpMk id="639" creationId="{00000000-0000-0000-0000-000000000000}"/>
-          </ac:cxnSpMkLst>
-        </pc:cxnChg>
-        <pc:cxnChg chg="mod">
-          <ac:chgData name="ALESSIA" userId="ff2fc562-cd55-4b8e-bb31-69fd8c80f346" providerId="ADAL" clId="{ED8F27D4-DE1E-4E95-85E4-6FBB9E86C547}" dt="2020-09-09T14:39:58.501" v="1361" actId="1076"/>
-          <ac:cxnSpMkLst>
-            <pc:docMk/>
-            <pc:sldMk cId="0" sldId="260"/>
-            <ac:cxnSpMk id="640" creationId="{00000000-0000-0000-0000-000000000000}"/>
-          </ac:cxnSpMkLst>
-        </pc:cxnChg>
-        <pc:cxnChg chg="mod">
-          <ac:chgData name="ALESSIA" userId="ff2fc562-cd55-4b8e-bb31-69fd8c80f346" providerId="ADAL" clId="{ED8F27D4-DE1E-4E95-85E4-6FBB9E86C547}" dt="2020-09-09T14:39:58.501" v="1361" actId="1076"/>
-          <ac:cxnSpMkLst>
-            <pc:docMk/>
-            <pc:sldMk cId="0" sldId="260"/>
-            <ac:cxnSpMk id="641" creationId="{00000000-0000-0000-0000-000000000000}"/>
-          </ac:cxnSpMkLst>
-        </pc:cxnChg>
-        <pc:cxnChg chg="mod">
-          <ac:chgData name="ALESSIA" userId="ff2fc562-cd55-4b8e-bb31-69fd8c80f346" providerId="ADAL" clId="{ED8F27D4-DE1E-4E95-85E4-6FBB9E86C547}" dt="2020-09-09T14:39:58.501" v="1361" actId="1076"/>
-          <ac:cxnSpMkLst>
-            <pc:docMk/>
-            <pc:sldMk cId="0" sldId="260"/>
-            <ac:cxnSpMk id="642" creationId="{00000000-0000-0000-0000-000000000000}"/>
-          </ac:cxnSpMkLst>
-        </pc:cxnChg>
-        <pc:cxnChg chg="mod">
-          <ac:chgData name="ALESSIA" userId="ff2fc562-cd55-4b8e-bb31-69fd8c80f346" providerId="ADAL" clId="{ED8F27D4-DE1E-4E95-85E4-6FBB9E86C547}" dt="2020-09-09T14:39:58.501" v="1361" actId="1076"/>
-          <ac:cxnSpMkLst>
-            <pc:docMk/>
-            <pc:sldMk cId="0" sldId="260"/>
-            <ac:cxnSpMk id="656" creationId="{00000000-0000-0000-0000-000000000000}"/>
-          </ac:cxnSpMkLst>
-        </pc:cxnChg>
-      </pc:sldChg>
-      <pc:sldChg chg="addSp delSp modSp new mod">
-        <pc:chgData name="ALESSIA" userId="ff2fc562-cd55-4b8e-bb31-69fd8c80f346" providerId="ADAL" clId="{ED8F27D4-DE1E-4E95-85E4-6FBB9E86C547}" dt="2020-09-09T14:51:26.897" v="1697" actId="12"/>
-        <pc:sldMkLst>
-          <pc:docMk/>
-          <pc:sldMk cId="3274381489" sldId="262"/>
-        </pc:sldMkLst>
-        <pc:spChg chg="mod">
-          <ac:chgData name="ALESSIA" userId="ff2fc562-cd55-4b8e-bb31-69fd8c80f346" providerId="ADAL" clId="{ED8F27D4-DE1E-4E95-85E4-6FBB9E86C547}" dt="2020-09-09T14:51:26.897" v="1697" actId="12"/>
-          <ac:spMkLst>
-            <pc:docMk/>
-            <pc:sldMk cId="3274381489" sldId="262"/>
-            <ac:spMk id="2" creationId="{0212C9F0-57D0-45CF-9920-5C2279FB2B51}"/>
-          </ac:spMkLst>
-        </pc:spChg>
-        <pc:spChg chg="mod">
-          <ac:chgData name="ALESSIA" userId="ff2fc562-cd55-4b8e-bb31-69fd8c80f346" providerId="ADAL" clId="{ED8F27D4-DE1E-4E95-85E4-6FBB9E86C547}" dt="2020-09-09T14:19:09.424" v="390" actId="20577"/>
-          <ac:spMkLst>
-            <pc:docMk/>
-            <pc:sldMk cId="3274381489" sldId="262"/>
-            <ac:spMk id="3" creationId="{7CA79649-F0D2-4988-8EF5-621B1063EF49}"/>
-          </ac:spMkLst>
-        </pc:spChg>
-        <pc:picChg chg="add mod">
-          <ac:chgData name="ALESSIA" userId="ff2fc562-cd55-4b8e-bb31-69fd8c80f346" providerId="ADAL" clId="{ED8F27D4-DE1E-4E95-85E4-6FBB9E86C547}" dt="2020-09-09T14:27:40.736" v="1018" actId="1076"/>
-          <ac:picMkLst>
-            <pc:docMk/>
-            <pc:sldMk cId="3274381489" sldId="262"/>
-            <ac:picMk id="5" creationId="{4E089FE6-6B12-4C2F-B527-8626876B15C0}"/>
-          </ac:picMkLst>
-        </pc:picChg>
-        <pc:picChg chg="add del mod">
-          <ac:chgData name="ALESSIA" userId="ff2fc562-cd55-4b8e-bb31-69fd8c80f346" providerId="ADAL" clId="{ED8F27D4-DE1E-4E95-85E4-6FBB9E86C547}" dt="2020-09-09T14:26:08.328" v="991" actId="478"/>
-          <ac:picMkLst>
-            <pc:docMk/>
-            <pc:sldMk cId="3274381489" sldId="262"/>
-            <ac:picMk id="1026" creationId="{0C316250-0875-4F0B-BA1A-608B67E671DE}"/>
-          </ac:picMkLst>
-        </pc:picChg>
-        <pc:picChg chg="add mod">
-          <ac:chgData name="ALESSIA" userId="ff2fc562-cd55-4b8e-bb31-69fd8c80f346" providerId="ADAL" clId="{ED8F27D4-DE1E-4E95-85E4-6FBB9E86C547}" dt="2020-09-09T14:28:30.503" v="1031" actId="1035"/>
-          <ac:picMkLst>
-            <pc:docMk/>
-            <pc:sldMk cId="3274381489" sldId="262"/>
-            <ac:picMk id="1028" creationId="{8C52AAB4-8174-4436-AF4C-4EFA94AF2873}"/>
-          </ac:picMkLst>
-        </pc:picChg>
-      </pc:sldChg>
-      <pc:sldChg chg="addSp delSp modSp new mod">
-        <pc:chgData name="ALESSIA" userId="ff2fc562-cd55-4b8e-bb31-69fd8c80f346" providerId="ADAL" clId="{ED8F27D4-DE1E-4E95-85E4-6FBB9E86C547}" dt="2020-09-09T15:16:22.015" v="1942" actId="1076"/>
-        <pc:sldMkLst>
-          <pc:docMk/>
-          <pc:sldMk cId="196702659" sldId="263"/>
-        </pc:sldMkLst>
-        <pc:spChg chg="mod">
-          <ac:chgData name="ALESSIA" userId="ff2fc562-cd55-4b8e-bb31-69fd8c80f346" providerId="ADAL" clId="{ED8F27D4-DE1E-4E95-85E4-6FBB9E86C547}" dt="2020-09-09T15:15:39.565" v="1935" actId="1076"/>
-          <ac:spMkLst>
-            <pc:docMk/>
-            <pc:sldMk cId="196702659" sldId="263"/>
-            <ac:spMk id="2" creationId="{305F9869-B8CB-4FFD-8282-5EBC77FA6922}"/>
-          </ac:spMkLst>
-        </pc:spChg>
-        <pc:spChg chg="mod">
-          <ac:chgData name="ALESSIA" userId="ff2fc562-cd55-4b8e-bb31-69fd8c80f346" providerId="ADAL" clId="{ED8F27D4-DE1E-4E95-85E4-6FBB9E86C547}" dt="2020-09-09T15:06:35.357" v="1747" actId="1076"/>
-          <ac:spMkLst>
-            <pc:docMk/>
-            <pc:sldMk cId="196702659" sldId="263"/>
-            <ac:spMk id="3" creationId="{F52D7A00-A40F-4692-9400-00E735636202}"/>
-          </ac:spMkLst>
-        </pc:spChg>
-        <pc:spChg chg="del">
-          <ac:chgData name="ALESSIA" userId="ff2fc562-cd55-4b8e-bb31-69fd8c80f346" providerId="ADAL" clId="{ED8F27D4-DE1E-4E95-85E4-6FBB9E86C547}" dt="2020-09-09T14:55:47.006" v="1729" actId="478"/>
-          <ac:spMkLst>
-            <pc:docMk/>
-            <pc:sldMk cId="196702659" sldId="263"/>
-            <ac:spMk id="4" creationId="{371DDBF7-3F7E-4122-9DC8-6B2B5B5B0471}"/>
-          </ac:spMkLst>
-        </pc:spChg>
-        <pc:spChg chg="mod">
-          <ac:chgData name="ALESSIA" userId="ff2fc562-cd55-4b8e-bb31-69fd8c80f346" providerId="ADAL" clId="{ED8F27D4-DE1E-4E95-85E4-6FBB9E86C547}" dt="2020-09-09T15:14:27.640" v="1923"/>
-          <ac:spMkLst>
-            <pc:docMk/>
-            <pc:sldMk cId="196702659" sldId="263"/>
-            <ac:spMk id="10" creationId="{9A9F4989-BFBB-4755-8177-A52EAF684E76}"/>
-          </ac:spMkLst>
-        </pc:spChg>
-        <pc:spChg chg="mod">
-          <ac:chgData name="ALESSIA" userId="ff2fc562-cd55-4b8e-bb31-69fd8c80f346" providerId="ADAL" clId="{ED8F27D4-DE1E-4E95-85E4-6FBB9E86C547}" dt="2020-09-09T15:14:27.640" v="1923"/>
-          <ac:spMkLst>
-            <pc:docMk/>
-            <pc:sldMk cId="196702659" sldId="263"/>
-            <ac:spMk id="11" creationId="{18105ABF-A360-42E8-8EAE-109431F8B9B1}"/>
-          </ac:spMkLst>
-        </pc:spChg>
-        <pc:spChg chg="mod">
-          <ac:chgData name="ALESSIA" userId="ff2fc562-cd55-4b8e-bb31-69fd8c80f346" providerId="ADAL" clId="{ED8F27D4-DE1E-4E95-85E4-6FBB9E86C547}" dt="2020-09-09T15:14:27.640" v="1923"/>
-          <ac:spMkLst>
-            <pc:docMk/>
-            <pc:sldMk cId="196702659" sldId="263"/>
-            <ac:spMk id="12" creationId="{EC9A7E59-434B-4824-9694-3A2FB41E1322}"/>
-          </ac:spMkLst>
-        </pc:spChg>
-        <pc:spChg chg="mod">
-          <ac:chgData name="ALESSIA" userId="ff2fc562-cd55-4b8e-bb31-69fd8c80f346" providerId="ADAL" clId="{ED8F27D4-DE1E-4E95-85E4-6FBB9E86C547}" dt="2020-09-09T15:14:27.640" v="1923"/>
-          <ac:spMkLst>
-            <pc:docMk/>
-            <pc:sldMk cId="196702659" sldId="263"/>
-            <ac:spMk id="13" creationId="{889B0EB4-632C-4CD1-BDCE-E84677F2BA6E}"/>
-          </ac:spMkLst>
-        </pc:spChg>
-        <pc:spChg chg="mod">
-          <ac:chgData name="ALESSIA" userId="ff2fc562-cd55-4b8e-bb31-69fd8c80f346" providerId="ADAL" clId="{ED8F27D4-DE1E-4E95-85E4-6FBB9E86C547}" dt="2020-09-09T15:14:27.640" v="1923"/>
-          <ac:spMkLst>
-            <pc:docMk/>
-            <pc:sldMk cId="196702659" sldId="263"/>
-            <ac:spMk id="14" creationId="{7ABFC843-5179-461A-BEDF-07FC75191D9E}"/>
-          </ac:spMkLst>
-        </pc:spChg>
-        <pc:spChg chg="mod">
-          <ac:chgData name="ALESSIA" userId="ff2fc562-cd55-4b8e-bb31-69fd8c80f346" providerId="ADAL" clId="{ED8F27D4-DE1E-4E95-85E4-6FBB9E86C547}" dt="2020-09-09T15:14:27.640" v="1923"/>
-          <ac:spMkLst>
-            <pc:docMk/>
-            <pc:sldMk cId="196702659" sldId="263"/>
-            <ac:spMk id="15" creationId="{B6A0E0BC-7093-4FA8-BA76-4DAEEC1ECD73}"/>
-          </ac:spMkLst>
-        </pc:spChg>
-        <pc:spChg chg="mod">
-          <ac:chgData name="ALESSIA" userId="ff2fc562-cd55-4b8e-bb31-69fd8c80f346" providerId="ADAL" clId="{ED8F27D4-DE1E-4E95-85E4-6FBB9E86C547}" dt="2020-09-09T15:14:27.640" v="1923"/>
-          <ac:spMkLst>
-            <pc:docMk/>
-            <pc:sldMk cId="196702659" sldId="263"/>
-            <ac:spMk id="16" creationId="{7714E2BC-CE24-44D8-B30F-94C440C87E74}"/>
-          </ac:spMkLst>
-        </pc:spChg>
-        <pc:spChg chg="mod">
-          <ac:chgData name="ALESSIA" userId="ff2fc562-cd55-4b8e-bb31-69fd8c80f346" providerId="ADAL" clId="{ED8F27D4-DE1E-4E95-85E4-6FBB9E86C547}" dt="2020-09-09T15:14:27.640" v="1923"/>
-          <ac:spMkLst>
-            <pc:docMk/>
-            <pc:sldMk cId="196702659" sldId="263"/>
-            <ac:spMk id="17" creationId="{5735563A-C732-4544-8A25-E07D532AB426}"/>
-          </ac:spMkLst>
-        </pc:spChg>
-        <pc:spChg chg="mod">
-          <ac:chgData name="ALESSIA" userId="ff2fc562-cd55-4b8e-bb31-69fd8c80f346" providerId="ADAL" clId="{ED8F27D4-DE1E-4E95-85E4-6FBB9E86C547}" dt="2020-09-09T15:14:27.640" v="1923"/>
-          <ac:spMkLst>
-            <pc:docMk/>
-            <pc:sldMk cId="196702659" sldId="263"/>
-            <ac:spMk id="18" creationId="{74C59598-4FBD-499A-B3A2-53828AFC9FD9}"/>
-          </ac:spMkLst>
-        </pc:spChg>
-        <pc:spChg chg="mod">
-          <ac:chgData name="ALESSIA" userId="ff2fc562-cd55-4b8e-bb31-69fd8c80f346" providerId="ADAL" clId="{ED8F27D4-DE1E-4E95-85E4-6FBB9E86C547}" dt="2020-09-09T15:14:27.640" v="1923"/>
-          <ac:spMkLst>
-            <pc:docMk/>
-            <pc:sldMk cId="196702659" sldId="263"/>
-            <ac:spMk id="19" creationId="{22B74DF1-3674-486B-81E3-5AD93D7126FF}"/>
-          </ac:spMkLst>
-        </pc:spChg>
-        <pc:spChg chg="mod">
-          <ac:chgData name="ALESSIA" userId="ff2fc562-cd55-4b8e-bb31-69fd8c80f346" providerId="ADAL" clId="{ED8F27D4-DE1E-4E95-85E4-6FBB9E86C547}" dt="2020-09-09T15:14:27.640" v="1923"/>
-          <ac:spMkLst>
-            <pc:docMk/>
-            <pc:sldMk cId="196702659" sldId="263"/>
-            <ac:spMk id="20" creationId="{40B89C1A-D98F-48EC-AE2F-C001F6061F8E}"/>
-          </ac:spMkLst>
-        </pc:spChg>
-        <pc:spChg chg="mod">
-          <ac:chgData name="ALESSIA" userId="ff2fc562-cd55-4b8e-bb31-69fd8c80f346" providerId="ADAL" clId="{ED8F27D4-DE1E-4E95-85E4-6FBB9E86C547}" dt="2020-09-09T15:14:27.640" v="1923"/>
-          <ac:spMkLst>
-            <pc:docMk/>
-            <pc:sldMk cId="196702659" sldId="263"/>
-            <ac:spMk id="21" creationId="{E632D274-DF20-4AAE-BE3E-66E2D39591A3}"/>
-          </ac:spMkLst>
-        </pc:spChg>
-        <pc:spChg chg="mod">
-          <ac:chgData name="ALESSIA" userId="ff2fc562-cd55-4b8e-bb31-69fd8c80f346" providerId="ADAL" clId="{ED8F27D4-DE1E-4E95-85E4-6FBB9E86C547}" dt="2020-09-09T15:14:27.640" v="1923"/>
-          <ac:spMkLst>
-            <pc:docMk/>
-            <pc:sldMk cId="196702659" sldId="263"/>
-            <ac:spMk id="22" creationId="{B76CAD80-2AAA-4CCF-85F9-322C351983F7}"/>
-          </ac:spMkLst>
-        </pc:spChg>
-        <pc:spChg chg="mod">
-          <ac:chgData name="ALESSIA" userId="ff2fc562-cd55-4b8e-bb31-69fd8c80f346" providerId="ADAL" clId="{ED8F27D4-DE1E-4E95-85E4-6FBB9E86C547}" dt="2020-09-09T15:14:27.640" v="1923"/>
-          <ac:spMkLst>
-            <pc:docMk/>
-            <pc:sldMk cId="196702659" sldId="263"/>
-            <ac:spMk id="23" creationId="{BA55D741-178D-452F-9496-B1DCE0ACF6E0}"/>
-          </ac:spMkLst>
-        </pc:spChg>
-        <pc:spChg chg="mod">
-          <ac:chgData name="ALESSIA" userId="ff2fc562-cd55-4b8e-bb31-69fd8c80f346" providerId="ADAL" clId="{ED8F27D4-DE1E-4E95-85E4-6FBB9E86C547}" dt="2020-09-09T15:14:27.640" v="1923"/>
-          <ac:spMkLst>
-            <pc:docMk/>
-            <pc:sldMk cId="196702659" sldId="263"/>
-            <ac:spMk id="25" creationId="{4E36EF20-954C-406D-9599-A3B0DA074237}"/>
-          </ac:spMkLst>
-        </pc:spChg>
-        <pc:spChg chg="mod">
-          <ac:chgData name="ALESSIA" userId="ff2fc562-cd55-4b8e-bb31-69fd8c80f346" providerId="ADAL" clId="{ED8F27D4-DE1E-4E95-85E4-6FBB9E86C547}" dt="2020-09-09T15:14:27.640" v="1923"/>
-          <ac:spMkLst>
-            <pc:docMk/>
-            <pc:sldMk cId="196702659" sldId="263"/>
-            <ac:spMk id="26" creationId="{9CD91FAB-F0FC-484D-9F87-D6DAD21A1EC6}"/>
-          </ac:spMkLst>
-        </pc:spChg>
-        <pc:spChg chg="mod">
-          <ac:chgData name="ALESSIA" userId="ff2fc562-cd55-4b8e-bb31-69fd8c80f346" providerId="ADAL" clId="{ED8F27D4-DE1E-4E95-85E4-6FBB9E86C547}" dt="2020-09-09T15:14:27.640" v="1923"/>
-          <ac:spMkLst>
-            <pc:docMk/>
-            <pc:sldMk cId="196702659" sldId="263"/>
-            <ac:spMk id="27" creationId="{B600FF2C-C96D-4030-993B-5056A535D36E}"/>
-          </ac:spMkLst>
-        </pc:spChg>
-        <pc:spChg chg="mod">
-          <ac:chgData name="ALESSIA" userId="ff2fc562-cd55-4b8e-bb31-69fd8c80f346" providerId="ADAL" clId="{ED8F27D4-DE1E-4E95-85E4-6FBB9E86C547}" dt="2020-09-09T15:14:27.640" v="1923"/>
-          <ac:spMkLst>
-            <pc:docMk/>
-            <pc:sldMk cId="196702659" sldId="263"/>
-            <ac:spMk id="28" creationId="{9E328817-B224-4219-A84B-10037CBA234E}"/>
-          </ac:spMkLst>
-        </pc:spChg>
-        <pc:spChg chg="mod">
-          <ac:chgData name="ALESSIA" userId="ff2fc562-cd55-4b8e-bb31-69fd8c80f346" providerId="ADAL" clId="{ED8F27D4-DE1E-4E95-85E4-6FBB9E86C547}" dt="2020-09-09T15:14:27.640" v="1923"/>
-          <ac:spMkLst>
-            <pc:docMk/>
-            <pc:sldMk cId="196702659" sldId="263"/>
-            <ac:spMk id="29" creationId="{1BE2EB37-4AB8-4C84-8593-D271F11B90A8}"/>
-          </ac:spMkLst>
-        </pc:spChg>
-        <pc:spChg chg="mod">
-          <ac:chgData name="ALESSIA" userId="ff2fc562-cd55-4b8e-bb31-69fd8c80f346" providerId="ADAL" clId="{ED8F27D4-DE1E-4E95-85E4-6FBB9E86C547}" dt="2020-09-09T15:14:27.640" v="1923"/>
-          <ac:spMkLst>
-            <pc:docMk/>
-            <pc:sldMk cId="196702659" sldId="263"/>
-            <ac:spMk id="30" creationId="{93937261-4AB2-4314-9BD5-0B0C7C7EF5D3}"/>
-          </ac:spMkLst>
-        </pc:spChg>
-        <pc:spChg chg="mod">
-          <ac:chgData name="ALESSIA" userId="ff2fc562-cd55-4b8e-bb31-69fd8c80f346" providerId="ADAL" clId="{ED8F27D4-DE1E-4E95-85E4-6FBB9E86C547}" dt="2020-09-09T15:14:27.640" v="1923"/>
-          <ac:spMkLst>
-            <pc:docMk/>
-            <pc:sldMk cId="196702659" sldId="263"/>
-            <ac:spMk id="31" creationId="{7CAF88EF-58E6-428E-ACFE-3F976E85A644}"/>
-          </ac:spMkLst>
-        </pc:spChg>
-        <pc:spChg chg="mod">
-          <ac:chgData name="ALESSIA" userId="ff2fc562-cd55-4b8e-bb31-69fd8c80f346" providerId="ADAL" clId="{ED8F27D4-DE1E-4E95-85E4-6FBB9E86C547}" dt="2020-09-09T15:14:27.640" v="1923"/>
-          <ac:spMkLst>
-            <pc:docMk/>
-            <pc:sldMk cId="196702659" sldId="263"/>
-            <ac:spMk id="32" creationId="{A0C1E9E8-0001-4ABB-A807-AC8FE10AEB30}"/>
-          </ac:spMkLst>
-        </pc:spChg>
-        <pc:spChg chg="mod">
-          <ac:chgData name="ALESSIA" userId="ff2fc562-cd55-4b8e-bb31-69fd8c80f346" providerId="ADAL" clId="{ED8F27D4-DE1E-4E95-85E4-6FBB9E86C547}" dt="2020-09-09T15:14:27.640" v="1923"/>
-          <ac:spMkLst>
-            <pc:docMk/>
-            <pc:sldMk cId="196702659" sldId="263"/>
-            <ac:spMk id="33" creationId="{F2DC0EF7-91EC-49D3-B3BA-0C3313E3052D}"/>
-          </ac:spMkLst>
-        </pc:spChg>
-        <pc:spChg chg="mod">
-          <ac:chgData name="ALESSIA" userId="ff2fc562-cd55-4b8e-bb31-69fd8c80f346" providerId="ADAL" clId="{ED8F27D4-DE1E-4E95-85E4-6FBB9E86C547}" dt="2020-09-09T15:14:27.640" v="1923"/>
-          <ac:spMkLst>
-            <pc:docMk/>
-            <pc:sldMk cId="196702659" sldId="263"/>
-            <ac:spMk id="34" creationId="{1D8934D4-4F90-4A39-BF42-954E62080995}"/>
-          </ac:spMkLst>
-        </pc:spChg>
-        <pc:spChg chg="mod">
-          <ac:chgData name="ALESSIA" userId="ff2fc562-cd55-4b8e-bb31-69fd8c80f346" providerId="ADAL" clId="{ED8F27D4-DE1E-4E95-85E4-6FBB9E86C547}" dt="2020-09-09T15:14:27.640" v="1923"/>
-          <ac:spMkLst>
-            <pc:docMk/>
-            <pc:sldMk cId="196702659" sldId="263"/>
-            <ac:spMk id="35" creationId="{B870FA1A-975C-4630-8D3A-7AB41D3AE939}"/>
-          </ac:spMkLst>
-        </pc:spChg>
-        <pc:spChg chg="mod">
-          <ac:chgData name="ALESSIA" userId="ff2fc562-cd55-4b8e-bb31-69fd8c80f346" providerId="ADAL" clId="{ED8F27D4-DE1E-4E95-85E4-6FBB9E86C547}" dt="2020-09-09T15:14:27.640" v="1923"/>
-          <ac:spMkLst>
-            <pc:docMk/>
-            <pc:sldMk cId="196702659" sldId="263"/>
-            <ac:spMk id="36" creationId="{E4BCCF2B-91BF-4CB9-8903-7DCB8239CEAD}"/>
-          </ac:spMkLst>
-        </pc:spChg>
-        <pc:spChg chg="mod">
-          <ac:chgData name="ALESSIA" userId="ff2fc562-cd55-4b8e-bb31-69fd8c80f346" providerId="ADAL" clId="{ED8F27D4-DE1E-4E95-85E4-6FBB9E86C547}" dt="2020-09-09T15:14:38.196" v="1929"/>
-          <ac:spMkLst>
-            <pc:docMk/>
-            <pc:sldMk cId="196702659" sldId="263"/>
-            <ac:spMk id="38" creationId="{817C7A29-8574-463F-B79C-F43878F745CD}"/>
-          </ac:spMkLst>
-        </pc:spChg>
-        <pc:spChg chg="mod">
-          <ac:chgData name="ALESSIA" userId="ff2fc562-cd55-4b8e-bb31-69fd8c80f346" providerId="ADAL" clId="{ED8F27D4-DE1E-4E95-85E4-6FBB9E86C547}" dt="2020-09-09T15:14:38.196" v="1929"/>
-          <ac:spMkLst>
-            <pc:docMk/>
-            <pc:sldMk cId="196702659" sldId="263"/>
-            <ac:spMk id="39" creationId="{34908B07-E275-4F96-9200-605ED3172130}"/>
-          </ac:spMkLst>
-        </pc:spChg>
-        <pc:spChg chg="mod">
-          <ac:chgData name="ALESSIA" userId="ff2fc562-cd55-4b8e-bb31-69fd8c80f346" providerId="ADAL" clId="{ED8F27D4-DE1E-4E95-85E4-6FBB9E86C547}" dt="2020-09-09T15:14:38.196" v="1929"/>
-          <ac:spMkLst>
-            <pc:docMk/>
-            <pc:sldMk cId="196702659" sldId="263"/>
-            <ac:spMk id="40" creationId="{21AE5068-D165-4E63-BC7A-C47C5B3F2CD8}"/>
-          </ac:spMkLst>
-        </pc:spChg>
-        <pc:spChg chg="mod">
-          <ac:chgData name="ALESSIA" userId="ff2fc562-cd55-4b8e-bb31-69fd8c80f346" providerId="ADAL" clId="{ED8F27D4-DE1E-4E95-85E4-6FBB9E86C547}" dt="2020-09-09T15:14:38.196" v="1929"/>
-          <ac:spMkLst>
-            <pc:docMk/>
-            <pc:sldMk cId="196702659" sldId="263"/>
-            <ac:spMk id="41" creationId="{33F38D7C-6C22-4CA1-879A-CC11D38CB757}"/>
-          </ac:spMkLst>
-        </pc:spChg>
-        <pc:spChg chg="mod">
-          <ac:chgData name="ALESSIA" userId="ff2fc562-cd55-4b8e-bb31-69fd8c80f346" providerId="ADAL" clId="{ED8F27D4-DE1E-4E95-85E4-6FBB9E86C547}" dt="2020-09-09T15:14:38.196" v="1929"/>
-          <ac:spMkLst>
-            <pc:docMk/>
-            <pc:sldMk cId="196702659" sldId="263"/>
-            <ac:spMk id="42" creationId="{BA118240-0603-4932-871E-E6891084D614}"/>
-          </ac:spMkLst>
-        </pc:spChg>
-        <pc:spChg chg="mod">
-          <ac:chgData name="ALESSIA" userId="ff2fc562-cd55-4b8e-bb31-69fd8c80f346" providerId="ADAL" clId="{ED8F27D4-DE1E-4E95-85E4-6FBB9E86C547}" dt="2020-09-09T15:14:38.196" v="1929"/>
-          <ac:spMkLst>
-            <pc:docMk/>
-            <pc:sldMk cId="196702659" sldId="263"/>
-            <ac:spMk id="43" creationId="{8CB2AD19-7AD2-4178-A6E8-F1831BC1BBBE}"/>
-          </ac:spMkLst>
-        </pc:spChg>
-        <pc:spChg chg="mod">
-          <ac:chgData name="ALESSIA" userId="ff2fc562-cd55-4b8e-bb31-69fd8c80f346" providerId="ADAL" clId="{ED8F27D4-DE1E-4E95-85E4-6FBB9E86C547}" dt="2020-09-09T15:14:38.196" v="1929"/>
-          <ac:spMkLst>
-            <pc:docMk/>
-            <pc:sldMk cId="196702659" sldId="263"/>
-            <ac:spMk id="44" creationId="{7FB3CF63-689C-499E-AB0F-784863064B21}"/>
-          </ac:spMkLst>
-        </pc:spChg>
-        <pc:spChg chg="mod">
-          <ac:chgData name="ALESSIA" userId="ff2fc562-cd55-4b8e-bb31-69fd8c80f346" providerId="ADAL" clId="{ED8F27D4-DE1E-4E95-85E4-6FBB9E86C547}" dt="2020-09-09T15:14:38.196" v="1929"/>
-          <ac:spMkLst>
-            <pc:docMk/>
-            <pc:sldMk cId="196702659" sldId="263"/>
-            <ac:spMk id="45" creationId="{E7D3F2FA-B5AB-4FFE-B19B-9B9F080B796E}"/>
-          </ac:spMkLst>
-        </pc:spChg>
-        <pc:spChg chg="mod">
-          <ac:chgData name="ALESSIA" userId="ff2fc562-cd55-4b8e-bb31-69fd8c80f346" providerId="ADAL" clId="{ED8F27D4-DE1E-4E95-85E4-6FBB9E86C547}" dt="2020-09-09T15:14:38.196" v="1929"/>
-          <ac:spMkLst>
-            <pc:docMk/>
-            <pc:sldMk cId="196702659" sldId="263"/>
-            <ac:spMk id="46" creationId="{B11B8FF9-28F8-455F-9F06-CFFF4B325CB2}"/>
-          </ac:spMkLst>
-        </pc:spChg>
-        <pc:spChg chg="mod">
-          <ac:chgData name="ALESSIA" userId="ff2fc562-cd55-4b8e-bb31-69fd8c80f346" providerId="ADAL" clId="{ED8F27D4-DE1E-4E95-85E4-6FBB9E86C547}" dt="2020-09-09T15:14:38.196" v="1929"/>
-          <ac:spMkLst>
-            <pc:docMk/>
-            <pc:sldMk cId="196702659" sldId="263"/>
-            <ac:spMk id="47" creationId="{122BA8C1-B1C5-4B6E-9474-96B23EB89F90}"/>
-          </ac:spMkLst>
-        </pc:spChg>
-        <pc:spChg chg="mod">
-          <ac:chgData name="ALESSIA" userId="ff2fc562-cd55-4b8e-bb31-69fd8c80f346" providerId="ADAL" clId="{ED8F27D4-DE1E-4E95-85E4-6FBB9E86C547}" dt="2020-09-09T15:14:38.196" v="1929"/>
-          <ac:spMkLst>
-            <pc:docMk/>
-            <pc:sldMk cId="196702659" sldId="263"/>
-            <ac:spMk id="48" creationId="{5CF79E57-687E-4F59-A871-4715E8D069C9}"/>
-          </ac:spMkLst>
-        </pc:spChg>
-        <pc:spChg chg="mod">
-          <ac:chgData name="ALESSIA" userId="ff2fc562-cd55-4b8e-bb31-69fd8c80f346" providerId="ADAL" clId="{ED8F27D4-DE1E-4E95-85E4-6FBB9E86C547}" dt="2020-09-09T15:14:38.196" v="1929"/>
-          <ac:spMkLst>
-            <pc:docMk/>
-            <pc:sldMk cId="196702659" sldId="263"/>
-            <ac:spMk id="49" creationId="{6E3D8D74-DBDC-4F8C-9BA3-BA1207090AD4}"/>
-          </ac:spMkLst>
-        </pc:spChg>
-        <pc:spChg chg="mod">
-          <ac:chgData name="ALESSIA" userId="ff2fc562-cd55-4b8e-bb31-69fd8c80f346" providerId="ADAL" clId="{ED8F27D4-DE1E-4E95-85E4-6FBB9E86C547}" dt="2020-09-09T15:14:38.196" v="1929"/>
-          <ac:spMkLst>
-            <pc:docMk/>
-            <pc:sldMk cId="196702659" sldId="263"/>
-            <ac:spMk id="50" creationId="{5B1BF195-7D00-49D0-B4DF-CCBC2F522616}"/>
-          </ac:spMkLst>
-        </pc:spChg>
-        <pc:spChg chg="mod">
-          <ac:chgData name="ALESSIA" userId="ff2fc562-cd55-4b8e-bb31-69fd8c80f346" providerId="ADAL" clId="{ED8F27D4-DE1E-4E95-85E4-6FBB9E86C547}" dt="2020-09-09T15:14:38.196" v="1929"/>
-          <ac:spMkLst>
-            <pc:docMk/>
-            <pc:sldMk cId="196702659" sldId="263"/>
-            <ac:spMk id="51" creationId="{7360CBA4-82C0-4C16-AFAC-AF669DCE7850}"/>
-          </ac:spMkLst>
-        </pc:spChg>
-        <pc:spChg chg="mod">
-          <ac:chgData name="ALESSIA" userId="ff2fc562-cd55-4b8e-bb31-69fd8c80f346" providerId="ADAL" clId="{ED8F27D4-DE1E-4E95-85E4-6FBB9E86C547}" dt="2020-09-09T15:14:38.196" v="1929"/>
-          <ac:spMkLst>
-            <pc:docMk/>
-            <pc:sldMk cId="196702659" sldId="263"/>
-            <ac:spMk id="53" creationId="{BAB66B1E-C67F-42A2-91B5-2F22CC1ABA98}"/>
-          </ac:spMkLst>
-        </pc:spChg>
-        <pc:spChg chg="mod">
-          <ac:chgData name="ALESSIA" userId="ff2fc562-cd55-4b8e-bb31-69fd8c80f346" providerId="ADAL" clId="{ED8F27D4-DE1E-4E95-85E4-6FBB9E86C547}" dt="2020-09-09T15:14:38.196" v="1929"/>
-          <ac:spMkLst>
-            <pc:docMk/>
-            <pc:sldMk cId="196702659" sldId="263"/>
-            <ac:spMk id="54" creationId="{DBAB31ED-C602-4A62-9760-CF4B671B01BD}"/>
-          </ac:spMkLst>
-        </pc:spChg>
-        <pc:spChg chg="mod">
-          <ac:chgData name="ALESSIA" userId="ff2fc562-cd55-4b8e-bb31-69fd8c80f346" providerId="ADAL" clId="{ED8F27D4-DE1E-4E95-85E4-6FBB9E86C547}" dt="2020-09-09T15:14:38.196" v="1929"/>
-          <ac:spMkLst>
-            <pc:docMk/>
-            <pc:sldMk cId="196702659" sldId="263"/>
-            <ac:spMk id="55" creationId="{5EE0F762-A723-4601-A99E-21FBB1A6A9A0}"/>
-          </ac:spMkLst>
-        </pc:spChg>
-        <pc:spChg chg="mod">
-          <ac:chgData name="ALESSIA" userId="ff2fc562-cd55-4b8e-bb31-69fd8c80f346" providerId="ADAL" clId="{ED8F27D4-DE1E-4E95-85E4-6FBB9E86C547}" dt="2020-09-09T15:14:38.196" v="1929"/>
-          <ac:spMkLst>
-            <pc:docMk/>
-            <pc:sldMk cId="196702659" sldId="263"/>
-            <ac:spMk id="56" creationId="{5D842A6C-96F6-405E-BCD6-F76898CF04CE}"/>
-          </ac:spMkLst>
-        </pc:spChg>
-        <pc:spChg chg="mod">
-          <ac:chgData name="ALESSIA" userId="ff2fc562-cd55-4b8e-bb31-69fd8c80f346" providerId="ADAL" clId="{ED8F27D4-DE1E-4E95-85E4-6FBB9E86C547}" dt="2020-09-09T15:14:38.196" v="1929"/>
-          <ac:spMkLst>
-            <pc:docMk/>
-            <pc:sldMk cId="196702659" sldId="263"/>
-            <ac:spMk id="57" creationId="{219FBDA5-67B1-405A-928E-3529F61F2891}"/>
-          </ac:spMkLst>
-        </pc:spChg>
-        <pc:spChg chg="mod">
-          <ac:chgData name="ALESSIA" userId="ff2fc562-cd55-4b8e-bb31-69fd8c80f346" providerId="ADAL" clId="{ED8F27D4-DE1E-4E95-85E4-6FBB9E86C547}" dt="2020-09-09T15:14:38.196" v="1929"/>
-          <ac:spMkLst>
-            <pc:docMk/>
-            <pc:sldMk cId="196702659" sldId="263"/>
-            <ac:spMk id="58" creationId="{0D1DC08C-73D3-4879-B416-081F070B8117}"/>
-          </ac:spMkLst>
-        </pc:spChg>
-        <pc:spChg chg="mod">
-          <ac:chgData name="ALESSIA" userId="ff2fc562-cd55-4b8e-bb31-69fd8c80f346" providerId="ADAL" clId="{ED8F27D4-DE1E-4E95-85E4-6FBB9E86C547}" dt="2020-09-09T15:14:38.196" v="1929"/>
-          <ac:spMkLst>
-            <pc:docMk/>
-            <pc:sldMk cId="196702659" sldId="263"/>
-            <ac:spMk id="59" creationId="{9FEA4873-E441-4A47-A908-4EBDB9B114B9}"/>
-          </ac:spMkLst>
-        </pc:spChg>
-        <pc:spChg chg="mod">
-          <ac:chgData name="ALESSIA" userId="ff2fc562-cd55-4b8e-bb31-69fd8c80f346" providerId="ADAL" clId="{ED8F27D4-DE1E-4E95-85E4-6FBB9E86C547}" dt="2020-09-09T15:14:38.196" v="1929"/>
-          <ac:spMkLst>
-            <pc:docMk/>
-            <pc:sldMk cId="196702659" sldId="263"/>
-            <ac:spMk id="60" creationId="{6C7AAECC-0F8B-4CD8-9793-87563E46D8BA}"/>
-          </ac:spMkLst>
-        </pc:spChg>
-        <pc:spChg chg="mod">
-          <ac:chgData name="ALESSIA" userId="ff2fc562-cd55-4b8e-bb31-69fd8c80f346" providerId="ADAL" clId="{ED8F27D4-DE1E-4E95-85E4-6FBB9E86C547}" dt="2020-09-09T15:14:38.196" v="1929"/>
-          <ac:spMkLst>
-            <pc:docMk/>
-            <pc:sldMk cId="196702659" sldId="263"/>
-            <ac:spMk id="61" creationId="{F08D5AB9-957D-420E-950D-20D72596D4DD}"/>
-          </ac:spMkLst>
-        </pc:spChg>
-        <pc:spChg chg="mod">
-          <ac:chgData name="ALESSIA" userId="ff2fc562-cd55-4b8e-bb31-69fd8c80f346" providerId="ADAL" clId="{ED8F27D4-DE1E-4E95-85E4-6FBB9E86C547}" dt="2020-09-09T15:14:38.196" v="1929"/>
-          <ac:spMkLst>
-            <pc:docMk/>
-            <pc:sldMk cId="196702659" sldId="263"/>
-            <ac:spMk id="62" creationId="{2E4DA261-94C0-42B3-827E-8B5600D4E617}"/>
-          </ac:spMkLst>
-        </pc:spChg>
-        <pc:spChg chg="mod">
-          <ac:chgData name="ALESSIA" userId="ff2fc562-cd55-4b8e-bb31-69fd8c80f346" providerId="ADAL" clId="{ED8F27D4-DE1E-4E95-85E4-6FBB9E86C547}" dt="2020-09-09T15:14:38.196" v="1929"/>
-          <ac:spMkLst>
-            <pc:docMk/>
-            <pc:sldMk cId="196702659" sldId="263"/>
-            <ac:spMk id="63" creationId="{99123048-3057-40D7-A985-17E85191C9C0}"/>
-          </ac:spMkLst>
-        </pc:spChg>
-        <pc:spChg chg="mod">
-          <ac:chgData name="ALESSIA" userId="ff2fc562-cd55-4b8e-bb31-69fd8c80f346" providerId="ADAL" clId="{ED8F27D4-DE1E-4E95-85E4-6FBB9E86C547}" dt="2020-09-09T15:14:38.196" v="1929"/>
-          <ac:spMkLst>
-            <pc:docMk/>
-            <pc:sldMk cId="196702659" sldId="263"/>
-            <ac:spMk id="64" creationId="{3D17784B-84D7-45BE-9D60-47527581ABE0}"/>
-          </ac:spMkLst>
-        </pc:spChg>
-        <pc:grpChg chg="add del mod">
-          <ac:chgData name="ALESSIA" userId="ff2fc562-cd55-4b8e-bb31-69fd8c80f346" providerId="ADAL" clId="{ED8F27D4-DE1E-4E95-85E4-6FBB9E86C547}" dt="2020-09-09T15:14:35.305" v="1928"/>
-          <ac:grpSpMkLst>
-            <pc:docMk/>
-            <pc:sldMk cId="196702659" sldId="263"/>
-            <ac:grpSpMk id="9" creationId="{B01568FE-EDF7-41C2-8D9D-6261560984B5}"/>
-          </ac:grpSpMkLst>
-        </pc:grpChg>
-        <pc:grpChg chg="mod">
-          <ac:chgData name="ALESSIA" userId="ff2fc562-cd55-4b8e-bb31-69fd8c80f346" providerId="ADAL" clId="{ED8F27D4-DE1E-4E95-85E4-6FBB9E86C547}" dt="2020-09-09T15:14:27.640" v="1923"/>
-          <ac:grpSpMkLst>
-            <pc:docMk/>
-            <pc:sldMk cId="196702659" sldId="263"/>
-            <ac:grpSpMk id="24" creationId="{96D81CF1-7216-4C12-8AA4-8B527AD87585}"/>
-          </ac:grpSpMkLst>
-        </pc:grpChg>
-        <pc:grpChg chg="add del mod">
-          <ac:chgData name="ALESSIA" userId="ff2fc562-cd55-4b8e-bb31-69fd8c80f346" providerId="ADAL" clId="{ED8F27D4-DE1E-4E95-85E4-6FBB9E86C547}" dt="2020-09-09T15:14:41.198" v="1930"/>
-          <ac:grpSpMkLst>
-            <pc:docMk/>
-            <pc:sldMk cId="196702659" sldId="263"/>
-            <ac:grpSpMk id="37" creationId="{2F6FF346-D6AE-4800-A3A9-E98CD1DB4C35}"/>
-          </ac:grpSpMkLst>
-        </pc:grpChg>
-        <pc:grpChg chg="mod">
-          <ac:chgData name="ALESSIA" userId="ff2fc562-cd55-4b8e-bb31-69fd8c80f346" providerId="ADAL" clId="{ED8F27D4-DE1E-4E95-85E4-6FBB9E86C547}" dt="2020-09-09T15:14:38.196" v="1929"/>
-          <ac:grpSpMkLst>
-            <pc:docMk/>
-            <pc:sldMk cId="196702659" sldId="263"/>
-            <ac:grpSpMk id="52" creationId="{C7966806-93CE-4D8B-909B-FFABE43585DA}"/>
-          </ac:grpSpMkLst>
-        </pc:grpChg>
-        <pc:graphicFrameChg chg="add del mod modGraphic">
-          <ac:chgData name="ALESSIA" userId="ff2fc562-cd55-4b8e-bb31-69fd8c80f346" providerId="ADAL" clId="{ED8F27D4-DE1E-4E95-85E4-6FBB9E86C547}" dt="2020-09-09T15:16:11.796" v="1937" actId="478"/>
-          <ac:graphicFrameMkLst>
-            <pc:docMk/>
-            <pc:sldMk cId="196702659" sldId="263"/>
-            <ac:graphicFrameMk id="8" creationId="{6F0EC570-AE72-4826-ADC2-19FDDFD104D9}"/>
-          </ac:graphicFrameMkLst>
-        </pc:graphicFrameChg>
-        <pc:picChg chg="add del mod">
-          <ac:chgData name="ALESSIA" userId="ff2fc562-cd55-4b8e-bb31-69fd8c80f346" providerId="ADAL" clId="{ED8F27D4-DE1E-4E95-85E4-6FBB9E86C547}" dt="2020-09-09T15:09:43.929" v="1889" actId="478"/>
-          <ac:picMkLst>
-            <pc:docMk/>
-            <pc:sldMk cId="196702659" sldId="263"/>
-            <ac:picMk id="7" creationId="{6DBF9BF9-E22E-492A-BAB8-A4797C789EF6}"/>
-          </ac:picMkLst>
-        </pc:picChg>
-        <pc:picChg chg="add mod">
-          <ac:chgData name="ALESSIA" userId="ff2fc562-cd55-4b8e-bb31-69fd8c80f346" providerId="ADAL" clId="{ED8F27D4-DE1E-4E95-85E4-6FBB9E86C547}" dt="2020-09-09T15:16:22.015" v="1942" actId="1076"/>
-          <ac:picMkLst>
-            <pc:docMk/>
-            <pc:sldMk cId="196702659" sldId="263"/>
-            <ac:picMk id="66" creationId="{CC9E6E7E-478F-42F9-81D9-A039151958C7}"/>
-          </ac:picMkLst>
-        </pc:picChg>
-      </pc:sldChg>
-    </pc:docChg>
-  </pc:docChgLst>
-  <pc:docChgLst>
-    <pc:chgData name="ALESSIA BODINI" userId="ff2fc562-cd55-4b8e-bb31-69fd8c80f346" providerId="ADAL" clId="{ED8F27D4-DE1E-4E95-85E4-6FBB9E86C547}"/>
-    <pc:docChg chg="undo custSel addSld delSld modSld">
-      <pc:chgData name="ALESSIA BODINI" userId="ff2fc562-cd55-4b8e-bb31-69fd8c80f346" providerId="ADAL" clId="{ED8F27D4-DE1E-4E95-85E4-6FBB9E86C547}" dt="2020-09-10T06:58:14.855" v="2142" actId="1076"/>
-      <pc:docMkLst>
-        <pc:docMk/>
-      </pc:docMkLst>
-      <pc:sldChg chg="modSp mod">
-        <pc:chgData name="ALESSIA BODINI" userId="ff2fc562-cd55-4b8e-bb31-69fd8c80f346" providerId="ADAL" clId="{ED8F27D4-DE1E-4E95-85E4-6FBB9E86C547}" dt="2020-09-09T19:48:17.774" v="28" actId="20577"/>
-        <pc:sldMkLst>
-          <pc:docMk/>
-          <pc:sldMk cId="0" sldId="259"/>
-        </pc:sldMkLst>
-        <pc:spChg chg="mod">
-          <ac:chgData name="ALESSIA BODINI" userId="ff2fc562-cd55-4b8e-bb31-69fd8c80f346" providerId="ADAL" clId="{ED8F27D4-DE1E-4E95-85E4-6FBB9E86C547}" dt="2020-09-09T19:48:17.774" v="28" actId="20577"/>
-          <ac:spMkLst>
-            <pc:docMk/>
-            <pc:sldMk cId="0" sldId="259"/>
-            <ac:spMk id="541" creationId="{00000000-0000-0000-0000-000000000000}"/>
-          </ac:spMkLst>
-        </pc:spChg>
-      </pc:sldChg>
-      <pc:sldChg chg="modSp mod">
-        <pc:chgData name="ALESSIA BODINI" userId="ff2fc562-cd55-4b8e-bb31-69fd8c80f346" providerId="ADAL" clId="{ED8F27D4-DE1E-4E95-85E4-6FBB9E86C547}" dt="2020-09-09T19:48:10.680" v="23" actId="20577"/>
-        <pc:sldMkLst>
-          <pc:docMk/>
-          <pc:sldMk cId="0" sldId="260"/>
-        </pc:sldMkLst>
-        <pc:spChg chg="mod">
-          <ac:chgData name="ALESSIA BODINI" userId="ff2fc562-cd55-4b8e-bb31-69fd8c80f346" providerId="ADAL" clId="{ED8F27D4-DE1E-4E95-85E4-6FBB9E86C547}" dt="2020-09-09T19:48:10.680" v="23" actId="20577"/>
-          <ac:spMkLst>
-            <pc:docMk/>
-            <pc:sldMk cId="0" sldId="260"/>
-            <ac:spMk id="589" creationId="{00000000-0000-0000-0000-000000000000}"/>
-          </ac:spMkLst>
-        </pc:spChg>
-      </pc:sldChg>
-      <pc:sldChg chg="modSp mod">
-        <pc:chgData name="ALESSIA BODINI" userId="ff2fc562-cd55-4b8e-bb31-69fd8c80f346" providerId="ADAL" clId="{ED8F27D4-DE1E-4E95-85E4-6FBB9E86C547}" dt="2020-09-09T19:50:46.303" v="98" actId="20577"/>
-        <pc:sldMkLst>
-          <pc:docMk/>
-          <pc:sldMk cId="3274381489" sldId="262"/>
-        </pc:sldMkLst>
-        <pc:spChg chg="mod">
-          <ac:chgData name="ALESSIA BODINI" userId="ff2fc562-cd55-4b8e-bb31-69fd8c80f346" providerId="ADAL" clId="{ED8F27D4-DE1E-4E95-85E4-6FBB9E86C547}" dt="2020-09-09T19:50:46.303" v="98" actId="20577"/>
-          <ac:spMkLst>
-            <pc:docMk/>
-            <pc:sldMk cId="3274381489" sldId="262"/>
-            <ac:spMk id="2" creationId="{0212C9F0-57D0-45CF-9920-5C2279FB2B51}"/>
-          </ac:spMkLst>
-        </pc:spChg>
-      </pc:sldChg>
-      <pc:sldChg chg="addSp delSp modSp mod setBg modClrScheme chgLayout">
-        <pc:chgData name="ALESSIA BODINI" userId="ff2fc562-cd55-4b8e-bb31-69fd8c80f346" providerId="ADAL" clId="{ED8F27D4-DE1E-4E95-85E4-6FBB9E86C547}" dt="2020-09-10T06:41:38.042" v="1836" actId="20577"/>
-        <pc:sldMkLst>
-          <pc:docMk/>
-          <pc:sldMk cId="196702659" sldId="263"/>
-        </pc:sldMkLst>
-        <pc:spChg chg="mod ord">
-          <ac:chgData name="ALESSIA BODINI" userId="ff2fc562-cd55-4b8e-bb31-69fd8c80f346" providerId="ADAL" clId="{ED8F27D4-DE1E-4E95-85E4-6FBB9E86C547}" dt="2020-09-09T19:59:13.343" v="377" actId="700"/>
-          <ac:spMkLst>
-            <pc:docMk/>
-            <pc:sldMk cId="196702659" sldId="263"/>
-            <ac:spMk id="2" creationId="{305F9869-B8CB-4FFD-8282-5EBC77FA6922}"/>
-          </ac:spMkLst>
-        </pc:spChg>
-        <pc:spChg chg="mod ord">
-          <ac:chgData name="ALESSIA BODINI" userId="ff2fc562-cd55-4b8e-bb31-69fd8c80f346" providerId="ADAL" clId="{ED8F27D4-DE1E-4E95-85E4-6FBB9E86C547}" dt="2020-09-09T19:59:13.343" v="377" actId="700"/>
-          <ac:spMkLst>
-            <pc:docMk/>
-            <pc:sldMk cId="196702659" sldId="263"/>
-            <ac:spMk id="3" creationId="{F52D7A00-A40F-4692-9400-00E735636202}"/>
-          </ac:spMkLst>
-        </pc:spChg>
-        <pc:spChg chg="mod ord">
-          <ac:chgData name="ALESSIA BODINI" userId="ff2fc562-cd55-4b8e-bb31-69fd8c80f346" providerId="ADAL" clId="{ED8F27D4-DE1E-4E95-85E4-6FBB9E86C547}" dt="2020-09-09T19:59:13.343" v="377" actId="700"/>
-          <ac:spMkLst>
-            <pc:docMk/>
-            <pc:sldMk cId="196702659" sldId="263"/>
-            <ac:spMk id="5" creationId="{E258D53A-29EA-4828-94B7-AB4BCF9DB075}"/>
-          </ac:spMkLst>
-        </pc:spChg>
-        <pc:spChg chg="add mod">
-          <ac:chgData name="ALESSIA BODINI" userId="ff2fc562-cd55-4b8e-bb31-69fd8c80f346" providerId="ADAL" clId="{ED8F27D4-DE1E-4E95-85E4-6FBB9E86C547}" dt="2020-09-10T06:41:38.042" v="1836" actId="20577"/>
-          <ac:spMkLst>
-            <pc:docMk/>
-            <pc:sldMk cId="196702659" sldId="263"/>
-            <ac:spMk id="58" creationId="{0D34AEF2-7FCD-4B26-9195-81231325D695}"/>
-          </ac:spMkLst>
-        </pc:spChg>
-        <pc:spChg chg="add mod">
-          <ac:chgData name="ALESSIA BODINI" userId="ff2fc562-cd55-4b8e-bb31-69fd8c80f346" providerId="ADAL" clId="{ED8F27D4-DE1E-4E95-85E4-6FBB9E86C547}" dt="2020-09-09T19:58:34.647" v="371" actId="14100"/>
-          <ac:spMkLst>
-            <pc:docMk/>
-            <pc:sldMk cId="196702659" sldId="263"/>
-            <ac:spMk id="63" creationId="{D4633B04-DFF7-408D-8274-ACC2E5A6BEA6}"/>
-          </ac:spMkLst>
-        </pc:spChg>
-        <pc:graphicFrameChg chg="add mod modGraphic">
-          <ac:chgData name="ALESSIA BODINI" userId="ff2fc562-cd55-4b8e-bb31-69fd8c80f346" providerId="ADAL" clId="{ED8F27D4-DE1E-4E95-85E4-6FBB9E86C547}" dt="2020-09-09T19:55:52.788" v="224" actId="20577"/>
-          <ac:graphicFrameMkLst>
-            <pc:docMk/>
-            <pc:sldMk cId="196702659" sldId="263"/>
-            <ac:graphicFrameMk id="4" creationId="{EACFD77E-86B1-4AAB-A79C-F6B7CBFEC69E}"/>
-          </ac:graphicFrameMkLst>
-        </pc:graphicFrameChg>
-        <pc:graphicFrameChg chg="add del mod">
-          <ac:chgData name="ALESSIA BODINI" userId="ff2fc562-cd55-4b8e-bb31-69fd8c80f346" providerId="ADAL" clId="{ED8F27D4-DE1E-4E95-85E4-6FBB9E86C547}" dt="2020-09-09T19:51:32.459" v="105" actId="478"/>
-          <ac:graphicFrameMkLst>
-            <pc:docMk/>
-            <pc:sldMk cId="196702659" sldId="263"/>
-            <ac:graphicFrameMk id="6" creationId="{3D963FCA-A0FA-46D9-A15A-8E4C09DCD469}"/>
-          </ac:graphicFrameMkLst>
-        </pc:graphicFrameChg>
-        <pc:picChg chg="del">
-          <ac:chgData name="ALESSIA BODINI" userId="ff2fc562-cd55-4b8e-bb31-69fd8c80f346" providerId="ADAL" clId="{ED8F27D4-DE1E-4E95-85E4-6FBB9E86C547}" dt="2020-09-09T19:53:00.681" v="205" actId="478"/>
-          <ac:picMkLst>
-            <pc:docMk/>
-            <pc:sldMk cId="196702659" sldId="263"/>
-            <ac:picMk id="66" creationId="{CC9E6E7E-478F-42F9-81D9-A039151958C7}"/>
-          </ac:picMkLst>
-        </pc:picChg>
-        <pc:cxnChg chg="add del mod">
-          <ac:chgData name="ALESSIA BODINI" userId="ff2fc562-cd55-4b8e-bb31-69fd8c80f346" providerId="ADAL" clId="{ED8F27D4-DE1E-4E95-85E4-6FBB9E86C547}" dt="2020-09-09T19:55:53.895" v="227" actId="11529"/>
-          <ac:cxnSpMkLst>
-            <pc:docMk/>
-            <pc:sldMk cId="196702659" sldId="263"/>
-            <ac:cxnSpMk id="8" creationId="{57A715E3-1765-4ED7-B9F4-88B03BE0E306}"/>
-          </ac:cxnSpMkLst>
-        </pc:cxnChg>
-        <pc:cxnChg chg="add mod">
-          <ac:chgData name="ALESSIA BODINI" userId="ff2fc562-cd55-4b8e-bb31-69fd8c80f346" providerId="ADAL" clId="{ED8F27D4-DE1E-4E95-85E4-6FBB9E86C547}" dt="2020-09-10T06:41:01.912" v="1799" actId="948"/>
-          <ac:cxnSpMkLst>
-            <pc:docMk/>
-            <pc:sldMk cId="196702659" sldId="263"/>
-            <ac:cxnSpMk id="60" creationId="{2B8E2E9C-5661-4DE6-BE9B-5E23F49AD2BC}"/>
-          </ac:cxnSpMkLst>
-        </pc:cxnChg>
-      </pc:sldChg>
-      <pc:sldChg chg="addSp delSp modSp new del mod modClrScheme chgLayout">
-        <pc:chgData name="ALESSIA BODINI" userId="ff2fc562-cd55-4b8e-bb31-69fd8c80f346" providerId="ADAL" clId="{ED8F27D4-DE1E-4E95-85E4-6FBB9E86C547}" dt="2020-09-09T20:00:17.097" v="385" actId="2696"/>
-        <pc:sldMkLst>
-          <pc:docMk/>
-          <pc:sldMk cId="392633760" sldId="264"/>
-        </pc:sldMkLst>
-        <pc:spChg chg="del mod ord">
-          <ac:chgData name="ALESSIA BODINI" userId="ff2fc562-cd55-4b8e-bb31-69fd8c80f346" providerId="ADAL" clId="{ED8F27D4-DE1E-4E95-85E4-6FBB9E86C547}" dt="2020-09-09T19:59:04.421" v="375" actId="700"/>
-          <ac:spMkLst>
-            <pc:docMk/>
-            <pc:sldMk cId="392633760" sldId="264"/>
-            <ac:spMk id="2" creationId="{421A3826-7310-45A5-AB33-8543FD605D3F}"/>
-          </ac:spMkLst>
-        </pc:spChg>
-        <pc:spChg chg="del">
-          <ac:chgData name="ALESSIA BODINI" userId="ff2fc562-cd55-4b8e-bb31-69fd8c80f346" providerId="ADAL" clId="{ED8F27D4-DE1E-4E95-85E4-6FBB9E86C547}" dt="2020-09-09T19:59:04.421" v="375" actId="700"/>
-          <ac:spMkLst>
-            <pc:docMk/>
-            <pc:sldMk cId="392633760" sldId="264"/>
-            <ac:spMk id="3" creationId="{1775D2EF-2308-4FB9-9DCD-71E46975923D}"/>
-          </ac:spMkLst>
-        </pc:spChg>
-        <pc:spChg chg="del mod ord">
-          <ac:chgData name="ALESSIA BODINI" userId="ff2fc562-cd55-4b8e-bb31-69fd8c80f346" providerId="ADAL" clId="{ED8F27D4-DE1E-4E95-85E4-6FBB9E86C547}" dt="2020-09-09T19:59:04.421" v="375" actId="700"/>
-          <ac:spMkLst>
-            <pc:docMk/>
-            <pc:sldMk cId="392633760" sldId="264"/>
-            <ac:spMk id="4" creationId="{2CC81B1E-285F-489D-9C96-1B5C64B9B8CC}"/>
-          </ac:spMkLst>
-        </pc:spChg>
-        <pc:spChg chg="mod ord">
-          <ac:chgData name="ALESSIA BODINI" userId="ff2fc562-cd55-4b8e-bb31-69fd8c80f346" providerId="ADAL" clId="{ED8F27D4-DE1E-4E95-85E4-6FBB9E86C547}" dt="2020-09-09T19:59:49.681" v="380" actId="700"/>
-          <ac:spMkLst>
-            <pc:docMk/>
-            <pc:sldMk cId="392633760" sldId="264"/>
-            <ac:spMk id="5" creationId="{74D69098-7813-497A-946E-75C0D6AECA2D}"/>
-          </ac:spMkLst>
-        </pc:spChg>
-        <pc:spChg chg="add del mod ord">
-          <ac:chgData name="ALESSIA BODINI" userId="ff2fc562-cd55-4b8e-bb31-69fd8c80f346" providerId="ADAL" clId="{ED8F27D4-DE1E-4E95-85E4-6FBB9E86C547}" dt="2020-09-09T19:59:49.681" v="380" actId="700"/>
-          <ac:spMkLst>
-            <pc:docMk/>
-            <pc:sldMk cId="392633760" sldId="264"/>
-            <ac:spMk id="6" creationId="{507D3536-16B5-4A1D-8E67-AF404B3C5746}"/>
-          </ac:spMkLst>
-        </pc:spChg>
-        <pc:spChg chg="add del mod ord">
-          <ac:chgData name="ALESSIA BODINI" userId="ff2fc562-cd55-4b8e-bb31-69fd8c80f346" providerId="ADAL" clId="{ED8F27D4-DE1E-4E95-85E4-6FBB9E86C547}" dt="2020-09-09T19:59:49.681" v="380" actId="700"/>
-          <ac:spMkLst>
-            <pc:docMk/>
-            <pc:sldMk cId="392633760" sldId="264"/>
-            <ac:spMk id="7" creationId="{D522671C-DA8E-4AD7-9970-6DDA895D3D0B}"/>
-          </ac:spMkLst>
-        </pc:spChg>
-        <pc:spChg chg="add del mod ord">
-          <ac:chgData name="ALESSIA BODINI" userId="ff2fc562-cd55-4b8e-bb31-69fd8c80f346" providerId="ADAL" clId="{ED8F27D4-DE1E-4E95-85E4-6FBB9E86C547}" dt="2020-09-09T19:59:55.625" v="381" actId="478"/>
-          <ac:spMkLst>
-            <pc:docMk/>
-            <pc:sldMk cId="392633760" sldId="264"/>
-            <ac:spMk id="8" creationId="{A826B146-9186-476E-B908-A08345CB1146}"/>
-          </ac:spMkLst>
-        </pc:spChg>
-        <pc:spChg chg="add del mod ord">
-          <ac:chgData name="ALESSIA BODINI" userId="ff2fc562-cd55-4b8e-bb31-69fd8c80f346" providerId="ADAL" clId="{ED8F27D4-DE1E-4E95-85E4-6FBB9E86C547}" dt="2020-09-09T19:59:55.625" v="381" actId="478"/>
-          <ac:spMkLst>
-            <pc:docMk/>
-            <pc:sldMk cId="392633760" sldId="264"/>
-            <ac:spMk id="9" creationId="{4C3D7527-10C6-452B-A51C-7BE46A19242F}"/>
-          </ac:spMkLst>
-        </pc:spChg>
-        <pc:spChg chg="add del mod ord">
-          <ac:chgData name="ALESSIA BODINI" userId="ff2fc562-cd55-4b8e-bb31-69fd8c80f346" providerId="ADAL" clId="{ED8F27D4-DE1E-4E95-85E4-6FBB9E86C547}" dt="2020-09-09T19:59:55.625" v="381" actId="478"/>
-          <ac:spMkLst>
-            <pc:docMk/>
-            <pc:sldMk cId="392633760" sldId="264"/>
-            <ac:spMk id="10" creationId="{6E43835D-A784-475D-9DFC-75FDEB4AECFA}"/>
-          </ac:spMkLst>
-        </pc:spChg>
-        <pc:spChg chg="add del mod ord">
-          <ac:chgData name="ALESSIA BODINI" userId="ff2fc562-cd55-4b8e-bb31-69fd8c80f346" providerId="ADAL" clId="{ED8F27D4-DE1E-4E95-85E4-6FBB9E86C547}" dt="2020-09-09T19:59:55.625" v="381" actId="478"/>
-          <ac:spMkLst>
-            <pc:docMk/>
-            <pc:sldMk cId="392633760" sldId="264"/>
-            <ac:spMk id="11" creationId="{F53767B0-3F02-4526-9ED9-8D49D6C8BF6F}"/>
-          </ac:spMkLst>
-        </pc:spChg>
-        <pc:spChg chg="add del mod ord">
-          <ac:chgData name="ALESSIA BODINI" userId="ff2fc562-cd55-4b8e-bb31-69fd8c80f346" providerId="ADAL" clId="{ED8F27D4-DE1E-4E95-85E4-6FBB9E86C547}" dt="2020-09-09T19:59:55.625" v="381" actId="478"/>
-          <ac:spMkLst>
-            <pc:docMk/>
-            <pc:sldMk cId="392633760" sldId="264"/>
-            <ac:spMk id="12" creationId="{A9E5BFB2-479D-48CC-8184-6DDE34732E83}"/>
-          </ac:spMkLst>
-        </pc:spChg>
-        <pc:spChg chg="add del mod ord">
-          <ac:chgData name="ALESSIA BODINI" userId="ff2fc562-cd55-4b8e-bb31-69fd8c80f346" providerId="ADAL" clId="{ED8F27D4-DE1E-4E95-85E4-6FBB9E86C547}" dt="2020-09-09T19:59:55.625" v="381" actId="478"/>
-          <ac:spMkLst>
-            <pc:docMk/>
-            <pc:sldMk cId="392633760" sldId="264"/>
-            <ac:spMk id="13" creationId="{F9F7CCE4-EC50-47A4-BFC8-04C9CCD57746}"/>
-          </ac:spMkLst>
-        </pc:spChg>
-        <pc:spChg chg="add del mod ord">
-          <ac:chgData name="ALESSIA BODINI" userId="ff2fc562-cd55-4b8e-bb31-69fd8c80f346" providerId="ADAL" clId="{ED8F27D4-DE1E-4E95-85E4-6FBB9E86C547}" dt="2020-09-09T19:59:55.625" v="381" actId="478"/>
-          <ac:spMkLst>
-            <pc:docMk/>
-            <pc:sldMk cId="392633760" sldId="264"/>
-            <ac:spMk id="14" creationId="{283E09DD-4D18-4FE5-8DE1-E2B432119D71}"/>
-          </ac:spMkLst>
-        </pc:spChg>
-        <pc:spChg chg="add del mod ord">
-          <ac:chgData name="ALESSIA BODINI" userId="ff2fc562-cd55-4b8e-bb31-69fd8c80f346" providerId="ADAL" clId="{ED8F27D4-DE1E-4E95-85E4-6FBB9E86C547}" dt="2020-09-09T19:59:55.625" v="381" actId="478"/>
-          <ac:spMkLst>
-            <pc:docMk/>
-            <pc:sldMk cId="392633760" sldId="264"/>
-            <ac:spMk id="15" creationId="{BECB08D0-873F-4F45-AEFF-B9E02E195FFA}"/>
-          </ac:spMkLst>
-        </pc:spChg>
-        <pc:spChg chg="add del mod ord">
-          <ac:chgData name="ALESSIA BODINI" userId="ff2fc562-cd55-4b8e-bb31-69fd8c80f346" providerId="ADAL" clId="{ED8F27D4-DE1E-4E95-85E4-6FBB9E86C547}" dt="2020-09-09T19:59:55.625" v="381" actId="478"/>
-          <ac:spMkLst>
-            <pc:docMk/>
-            <pc:sldMk cId="392633760" sldId="264"/>
-            <ac:spMk id="16" creationId="{89D3CB25-DBAB-4D62-B486-B870D8101266}"/>
-          </ac:spMkLst>
-        </pc:spChg>
-        <pc:spChg chg="add del mod">
-          <ac:chgData name="ALESSIA BODINI" userId="ff2fc562-cd55-4b8e-bb31-69fd8c80f346" providerId="ADAL" clId="{ED8F27D4-DE1E-4E95-85E4-6FBB9E86C547}" dt="2020-09-09T20:00:00.969" v="383"/>
-          <ac:spMkLst>
-            <pc:docMk/>
-            <pc:sldMk cId="392633760" sldId="264"/>
-            <ac:spMk id="17" creationId="{8AD98AFB-9558-4C60-9EEA-C8E776F5329B}"/>
-          </ac:spMkLst>
-        </pc:spChg>
-        <pc:spChg chg="add del mod">
-          <ac:chgData name="ALESSIA BODINI" userId="ff2fc562-cd55-4b8e-bb31-69fd8c80f346" providerId="ADAL" clId="{ED8F27D4-DE1E-4E95-85E4-6FBB9E86C547}" dt="2020-09-09T20:00:00.969" v="383"/>
-          <ac:spMkLst>
-            <pc:docMk/>
-            <pc:sldMk cId="392633760" sldId="264"/>
-            <ac:spMk id="18" creationId="{F25F9806-9856-4542-8905-2966C20552E3}"/>
-          </ac:spMkLst>
-        </pc:spChg>
-        <pc:spChg chg="add del mod">
-          <ac:chgData name="ALESSIA BODINI" userId="ff2fc562-cd55-4b8e-bb31-69fd8c80f346" providerId="ADAL" clId="{ED8F27D4-DE1E-4E95-85E4-6FBB9E86C547}" dt="2020-09-09T20:00:00.969" v="383"/>
-          <ac:spMkLst>
-            <pc:docMk/>
-            <pc:sldMk cId="392633760" sldId="264"/>
-            <ac:spMk id="20" creationId="{BAA2F677-C743-4AB6-8642-8E46B12F442B}"/>
-          </ac:spMkLst>
-        </pc:spChg>
-        <pc:spChg chg="add del mod">
-          <ac:chgData name="ALESSIA BODINI" userId="ff2fc562-cd55-4b8e-bb31-69fd8c80f346" providerId="ADAL" clId="{ED8F27D4-DE1E-4E95-85E4-6FBB9E86C547}" dt="2020-09-09T20:00:00.969" v="383"/>
-          <ac:spMkLst>
-            <pc:docMk/>
-            <pc:sldMk cId="392633760" sldId="264"/>
-            <ac:spMk id="22" creationId="{7CFDD1B7-5964-4F0D-95ED-DB633768DE06}"/>
-          </ac:spMkLst>
-        </pc:spChg>
-        <pc:spChg chg="add mod">
-          <ac:chgData name="ALESSIA BODINI" userId="ff2fc562-cd55-4b8e-bb31-69fd8c80f346" providerId="ADAL" clId="{ED8F27D4-DE1E-4E95-85E4-6FBB9E86C547}" dt="2020-09-09T20:00:09.060" v="384"/>
-          <ac:spMkLst>
-            <pc:docMk/>
-            <pc:sldMk cId="392633760" sldId="264"/>
-            <ac:spMk id="23" creationId="{EC7D85B4-348B-4DE5-9D2D-836F9827A976}"/>
-          </ac:spMkLst>
-        </pc:spChg>
-        <pc:spChg chg="add mod">
-          <ac:chgData name="ALESSIA BODINI" userId="ff2fc562-cd55-4b8e-bb31-69fd8c80f346" providerId="ADAL" clId="{ED8F27D4-DE1E-4E95-85E4-6FBB9E86C547}" dt="2020-09-09T20:00:09.060" v="384"/>
-          <ac:spMkLst>
-            <pc:docMk/>
-            <pc:sldMk cId="392633760" sldId="264"/>
-            <ac:spMk id="24" creationId="{7985F13F-9894-4E59-B88B-3141E6C2F632}"/>
-          </ac:spMkLst>
-        </pc:spChg>
-        <pc:spChg chg="add mod">
-          <ac:chgData name="ALESSIA BODINI" userId="ff2fc562-cd55-4b8e-bb31-69fd8c80f346" providerId="ADAL" clId="{ED8F27D4-DE1E-4E95-85E4-6FBB9E86C547}" dt="2020-09-09T20:00:09.060" v="384"/>
-          <ac:spMkLst>
-            <pc:docMk/>
-            <pc:sldMk cId="392633760" sldId="264"/>
-            <ac:spMk id="26" creationId="{373F8B88-CD00-4F66-9483-D57A3DD4EBE2}"/>
-          </ac:spMkLst>
-        </pc:spChg>
-        <pc:spChg chg="add mod">
-          <ac:chgData name="ALESSIA BODINI" userId="ff2fc562-cd55-4b8e-bb31-69fd8c80f346" providerId="ADAL" clId="{ED8F27D4-DE1E-4E95-85E4-6FBB9E86C547}" dt="2020-09-09T20:00:09.060" v="384"/>
-          <ac:spMkLst>
-            <pc:docMk/>
-            <pc:sldMk cId="392633760" sldId="264"/>
-            <ac:spMk id="28" creationId="{94D520F7-5272-4D52-B2B7-A19941F7EBA9}"/>
-          </ac:spMkLst>
-        </pc:spChg>
-        <pc:graphicFrameChg chg="add del mod">
-          <ac:chgData name="ALESSIA BODINI" userId="ff2fc562-cd55-4b8e-bb31-69fd8c80f346" providerId="ADAL" clId="{ED8F27D4-DE1E-4E95-85E4-6FBB9E86C547}" dt="2020-09-09T20:00:00.969" v="383"/>
-          <ac:graphicFrameMkLst>
-            <pc:docMk/>
-            <pc:sldMk cId="392633760" sldId="264"/>
-            <ac:graphicFrameMk id="19" creationId="{CFC5F6D1-D3C4-4B51-83E0-169EF5C64013}"/>
-          </ac:graphicFrameMkLst>
-        </pc:graphicFrameChg>
-        <pc:graphicFrameChg chg="add mod">
-          <ac:chgData name="ALESSIA BODINI" userId="ff2fc562-cd55-4b8e-bb31-69fd8c80f346" providerId="ADAL" clId="{ED8F27D4-DE1E-4E95-85E4-6FBB9E86C547}" dt="2020-09-09T20:00:09.060" v="384"/>
-          <ac:graphicFrameMkLst>
-            <pc:docMk/>
-            <pc:sldMk cId="392633760" sldId="264"/>
-            <ac:graphicFrameMk id="25" creationId="{260DFC03-6699-4944-9CB4-4D27218FFB7D}"/>
-          </ac:graphicFrameMkLst>
-        </pc:graphicFrameChg>
-        <pc:cxnChg chg="add del mod">
-          <ac:chgData name="ALESSIA BODINI" userId="ff2fc562-cd55-4b8e-bb31-69fd8c80f346" providerId="ADAL" clId="{ED8F27D4-DE1E-4E95-85E4-6FBB9E86C547}" dt="2020-09-09T20:00:00.969" v="383"/>
-          <ac:cxnSpMkLst>
-            <pc:docMk/>
-            <pc:sldMk cId="392633760" sldId="264"/>
-            <ac:cxnSpMk id="21" creationId="{2A6722D8-CE60-4E6C-BCF7-0270737D7499}"/>
-          </ac:cxnSpMkLst>
-        </pc:cxnChg>
-        <pc:cxnChg chg="add mod">
-          <ac:chgData name="ALESSIA BODINI" userId="ff2fc562-cd55-4b8e-bb31-69fd8c80f346" providerId="ADAL" clId="{ED8F27D4-DE1E-4E95-85E4-6FBB9E86C547}" dt="2020-09-09T20:00:09.060" v="384"/>
-          <ac:cxnSpMkLst>
-            <pc:docMk/>
-            <pc:sldMk cId="392633760" sldId="264"/>
-            <ac:cxnSpMk id="27" creationId="{F0D1C5D3-B738-4DAB-8ED2-CEB36B898D3F}"/>
-          </ac:cxnSpMkLst>
-        </pc:cxnChg>
-      </pc:sldChg>
-      <pc:sldChg chg="addSp delSp modSp new mod modClrScheme chgLayout">
-        <pc:chgData name="ALESSIA BODINI" userId="ff2fc562-cd55-4b8e-bb31-69fd8c80f346" providerId="ADAL" clId="{ED8F27D4-DE1E-4E95-85E4-6FBB9E86C547}" dt="2020-09-10T06:46:13.130" v="1906" actId="20577"/>
-        <pc:sldMkLst>
-          <pc:docMk/>
-          <pc:sldMk cId="3333981995" sldId="265"/>
-        </pc:sldMkLst>
-        <pc:spChg chg="mod ord">
-          <ac:chgData name="ALESSIA BODINI" userId="ff2fc562-cd55-4b8e-bb31-69fd8c80f346" providerId="ADAL" clId="{ED8F27D4-DE1E-4E95-85E4-6FBB9E86C547}" dt="2020-09-09T20:22:39.509" v="997" actId="700"/>
-          <ac:spMkLst>
-            <pc:docMk/>
-            <pc:sldMk cId="3333981995" sldId="265"/>
-            <ac:spMk id="2" creationId="{6A839C68-B803-45AB-9D17-213EA8C9F27A}"/>
-          </ac:spMkLst>
-        </pc:spChg>
-        <pc:spChg chg="add del mod">
-          <ac:chgData name="ALESSIA BODINI" userId="ff2fc562-cd55-4b8e-bb31-69fd8c80f346" providerId="ADAL" clId="{ED8F27D4-DE1E-4E95-85E4-6FBB9E86C547}" dt="2020-09-09T20:00:20.550" v="387"/>
-          <ac:spMkLst>
-            <pc:docMk/>
-            <pc:sldMk cId="3333981995" sldId="265"/>
-            <ac:spMk id="3" creationId="{DC554B51-341F-4012-A5EC-BA6D41960F49}"/>
-          </ac:spMkLst>
-        </pc:spChg>
-        <pc:spChg chg="add del mod">
-          <ac:chgData name="ALESSIA BODINI" userId="ff2fc562-cd55-4b8e-bb31-69fd8c80f346" providerId="ADAL" clId="{ED8F27D4-DE1E-4E95-85E4-6FBB9E86C547}" dt="2020-09-09T20:00:20.550" v="387"/>
-          <ac:spMkLst>
-            <pc:docMk/>
-            <pc:sldMk cId="3333981995" sldId="265"/>
-            <ac:spMk id="4" creationId="{DF7C00AE-3BD6-4A24-A242-160B08BB7860}"/>
-          </ac:spMkLst>
-        </pc:spChg>
-        <pc:spChg chg="add del mod">
-          <ac:chgData name="ALESSIA BODINI" userId="ff2fc562-cd55-4b8e-bb31-69fd8c80f346" providerId="ADAL" clId="{ED8F27D4-DE1E-4E95-85E4-6FBB9E86C547}" dt="2020-09-09T20:00:20.550" v="387"/>
-          <ac:spMkLst>
-            <pc:docMk/>
-            <pc:sldMk cId="3333981995" sldId="265"/>
-            <ac:spMk id="6" creationId="{0820498D-1FD4-4524-9E51-39EAC8A45928}"/>
-          </ac:spMkLst>
-        </pc:spChg>
-        <pc:spChg chg="add del mod">
-          <ac:chgData name="ALESSIA BODINI" userId="ff2fc562-cd55-4b8e-bb31-69fd8c80f346" providerId="ADAL" clId="{ED8F27D4-DE1E-4E95-85E4-6FBB9E86C547}" dt="2020-09-09T20:00:20.550" v="387"/>
-          <ac:spMkLst>
-            <pc:docMk/>
-            <pc:sldMk cId="3333981995" sldId="265"/>
-            <ac:spMk id="8" creationId="{4B545854-ABD9-498C-B895-349283E88679}"/>
-          </ac:spMkLst>
-        </pc:spChg>
-        <pc:spChg chg="add del mod ord">
-          <ac:chgData name="ALESSIA BODINI" userId="ff2fc562-cd55-4b8e-bb31-69fd8c80f346" providerId="ADAL" clId="{ED8F27D4-DE1E-4E95-85E4-6FBB9E86C547}" dt="2020-09-09T20:00:38.310" v="391" actId="478"/>
-          <ac:spMkLst>
-            <pc:docMk/>
-            <pc:sldMk cId="3333981995" sldId="265"/>
-            <ac:spMk id="9" creationId="{D6CA3FC3-68A3-4414-B862-AE2EC137740B}"/>
-          </ac:spMkLst>
-        </pc:spChg>
-        <pc:spChg chg="add del mod ord">
-          <ac:chgData name="ALESSIA BODINI" userId="ff2fc562-cd55-4b8e-bb31-69fd8c80f346" providerId="ADAL" clId="{ED8F27D4-DE1E-4E95-85E4-6FBB9E86C547}" dt="2020-09-09T20:00:38.310" v="391" actId="478"/>
-          <ac:spMkLst>
-            <pc:docMk/>
-            <pc:sldMk cId="3333981995" sldId="265"/>
-            <ac:spMk id="10" creationId="{F8EEBD53-A56E-4B41-AE50-8D7044CAFFCB}"/>
-          </ac:spMkLst>
-        </pc:spChg>
-        <pc:spChg chg="add del mod ord">
-          <ac:chgData name="ALESSIA BODINI" userId="ff2fc562-cd55-4b8e-bb31-69fd8c80f346" providerId="ADAL" clId="{ED8F27D4-DE1E-4E95-85E4-6FBB9E86C547}" dt="2020-09-09T20:00:38.310" v="391" actId="478"/>
-          <ac:spMkLst>
-            <pc:docMk/>
-            <pc:sldMk cId="3333981995" sldId="265"/>
-            <ac:spMk id="11" creationId="{EAB4F18A-64B0-41C8-8145-0AD526F34AC9}"/>
-          </ac:spMkLst>
-        </pc:spChg>
-        <pc:spChg chg="add del mod">
-          <ac:chgData name="ALESSIA BODINI" userId="ff2fc562-cd55-4b8e-bb31-69fd8c80f346" providerId="ADAL" clId="{ED8F27D4-DE1E-4E95-85E4-6FBB9E86C547}" dt="2020-09-09T20:00:34.194" v="390"/>
-          <ac:spMkLst>
-            <pc:docMk/>
-            <pc:sldMk cId="3333981995" sldId="265"/>
-            <ac:spMk id="12" creationId="{A37EC67B-0695-4CBF-A4F7-AAED3014C5A4}"/>
-          </ac:spMkLst>
-        </pc:spChg>
-        <pc:spChg chg="add del mod">
-          <ac:chgData name="ALESSIA BODINI" userId="ff2fc562-cd55-4b8e-bb31-69fd8c80f346" providerId="ADAL" clId="{ED8F27D4-DE1E-4E95-85E4-6FBB9E86C547}" dt="2020-09-09T20:00:34.194" v="390"/>
-          <ac:spMkLst>
-            <pc:docMk/>
-            <pc:sldMk cId="3333981995" sldId="265"/>
-            <ac:spMk id="13" creationId="{2FA4A1B7-A5D3-496B-AD03-DE3F00F13E00}"/>
-          </ac:spMkLst>
-        </pc:spChg>
-        <pc:spChg chg="add del mod">
-          <ac:chgData name="ALESSIA BODINI" userId="ff2fc562-cd55-4b8e-bb31-69fd8c80f346" providerId="ADAL" clId="{ED8F27D4-DE1E-4E95-85E4-6FBB9E86C547}" dt="2020-09-09T20:00:34.194" v="390"/>
-          <ac:spMkLst>
-            <pc:docMk/>
-            <pc:sldMk cId="3333981995" sldId="265"/>
-            <ac:spMk id="15" creationId="{EA0DB84D-5D58-4A72-B157-22128B78D7F0}"/>
-          </ac:spMkLst>
-        </pc:spChg>
-        <pc:spChg chg="add mod">
-          <ac:chgData name="ALESSIA BODINI" userId="ff2fc562-cd55-4b8e-bb31-69fd8c80f346" providerId="ADAL" clId="{ED8F27D4-DE1E-4E95-85E4-6FBB9E86C547}" dt="2020-09-10T06:46:13.130" v="1906" actId="20577"/>
-          <ac:spMkLst>
-            <pc:docMk/>
-            <pc:sldMk cId="3333981995" sldId="265"/>
-            <ac:spMk id="16" creationId="{A8CD7D51-3175-48D6-A314-56C523C86462}"/>
-          </ac:spMkLst>
-        </pc:spChg>
-        <pc:spChg chg="add del mod">
-          <ac:chgData name="ALESSIA BODINI" userId="ff2fc562-cd55-4b8e-bb31-69fd8c80f346" providerId="ADAL" clId="{ED8F27D4-DE1E-4E95-85E4-6FBB9E86C547}" dt="2020-09-10T06:43:57.670" v="1863" actId="478"/>
-          <ac:spMkLst>
-            <pc:docMk/>
-            <pc:sldMk cId="3333981995" sldId="265"/>
-            <ac:spMk id="17" creationId="{804AED72-25A3-4298-B80F-6EA3B89F4607}"/>
-          </ac:spMkLst>
-        </pc:spChg>
-        <pc:spChg chg="add del mod">
-          <ac:chgData name="ALESSIA BODINI" userId="ff2fc562-cd55-4b8e-bb31-69fd8c80f346" providerId="ADAL" clId="{ED8F27D4-DE1E-4E95-85E4-6FBB9E86C547}" dt="2020-09-09T20:00:34.194" v="390"/>
-          <ac:spMkLst>
-            <pc:docMk/>
-            <pc:sldMk cId="3333981995" sldId="265"/>
-            <ac:spMk id="17" creationId="{DAF7915B-525F-4CDF-9FAB-20173B17685E}"/>
-          </ac:spMkLst>
-        </pc:spChg>
-        <pc:spChg chg="add mod ord">
-          <ac:chgData name="ALESSIA BODINI" userId="ff2fc562-cd55-4b8e-bb31-69fd8c80f346" providerId="ADAL" clId="{ED8F27D4-DE1E-4E95-85E4-6FBB9E86C547}" dt="2020-09-09T20:22:39.509" v="997" actId="700"/>
-          <ac:spMkLst>
-            <pc:docMk/>
-            <pc:sldMk cId="3333981995" sldId="265"/>
-            <ac:spMk id="18" creationId="{DBE4AC39-BFA9-4F13-96D1-D239F4436E12}"/>
-          </ac:spMkLst>
-        </pc:spChg>
-        <pc:spChg chg="add mod ord">
-          <ac:chgData name="ALESSIA BODINI" userId="ff2fc562-cd55-4b8e-bb31-69fd8c80f346" providerId="ADAL" clId="{ED8F27D4-DE1E-4E95-85E4-6FBB9E86C547}" dt="2020-09-09T20:22:39.509" v="997" actId="700"/>
-          <ac:spMkLst>
-            <pc:docMk/>
-            <pc:sldMk cId="3333981995" sldId="265"/>
-            <ac:spMk id="19" creationId="{D148E4B5-D3C9-4300-BBA5-99B39FCCE43B}"/>
-          </ac:spMkLst>
-        </pc:spChg>
-        <pc:spChg chg="add mod">
-          <ac:chgData name="ALESSIA BODINI" userId="ff2fc562-cd55-4b8e-bb31-69fd8c80f346" providerId="ADAL" clId="{ED8F27D4-DE1E-4E95-85E4-6FBB9E86C547}" dt="2020-09-10T06:42:21.754" v="1847" actId="14100"/>
-          <ac:spMkLst>
-            <pc:docMk/>
-            <pc:sldMk cId="3333981995" sldId="265"/>
-            <ac:spMk id="21" creationId="{A37392E6-1AA0-4E7D-AB67-28A0DB102F9A}"/>
-          </ac:spMkLst>
-        </pc:spChg>
-        <pc:spChg chg="add del mod">
-          <ac:chgData name="ALESSIA BODINI" userId="ff2fc562-cd55-4b8e-bb31-69fd8c80f346" providerId="ADAL" clId="{ED8F27D4-DE1E-4E95-85E4-6FBB9E86C547}" dt="2020-09-09T20:19:57.288" v="837" actId="478"/>
-          <ac:spMkLst>
-            <pc:docMk/>
-            <pc:sldMk cId="3333981995" sldId="265"/>
-            <ac:spMk id="23" creationId="{12A03476-09F6-4D0C-8E3C-C65E4E633AF4}"/>
-          </ac:spMkLst>
-        </pc:spChg>
-        <pc:spChg chg="add mod ord">
-          <ac:chgData name="ALESSIA BODINI" userId="ff2fc562-cd55-4b8e-bb31-69fd8c80f346" providerId="ADAL" clId="{ED8F27D4-DE1E-4E95-85E4-6FBB9E86C547}" dt="2020-09-10T06:45:35.728" v="1894" actId="1076"/>
-          <ac:spMkLst>
-            <pc:docMk/>
-            <pc:sldMk cId="3333981995" sldId="265"/>
-            <ac:spMk id="23" creationId="{4C15577C-4A04-400D-9BAF-46C9DAF147AD}"/>
-          </ac:spMkLst>
-        </pc:spChg>
-        <pc:spChg chg="add del mod ord">
-          <ac:chgData name="ALESSIA BODINI" userId="ff2fc562-cd55-4b8e-bb31-69fd8c80f346" providerId="ADAL" clId="{ED8F27D4-DE1E-4E95-85E4-6FBB9E86C547}" dt="2020-09-09T20:22:39.509" v="997" actId="700"/>
-          <ac:spMkLst>
-            <pc:docMk/>
-            <pc:sldMk cId="3333981995" sldId="265"/>
-            <ac:spMk id="41" creationId="{BA592824-702B-4C6A-9751-216F4B97F1AF}"/>
-          </ac:spMkLst>
-        </pc:spChg>
-        <pc:graphicFrameChg chg="add del mod">
-          <ac:chgData name="ALESSIA BODINI" userId="ff2fc562-cd55-4b8e-bb31-69fd8c80f346" providerId="ADAL" clId="{ED8F27D4-DE1E-4E95-85E4-6FBB9E86C547}" dt="2020-09-09T20:00:20.550" v="387"/>
-          <ac:graphicFrameMkLst>
-            <pc:docMk/>
-            <pc:sldMk cId="3333981995" sldId="265"/>
-            <ac:graphicFrameMk id="5" creationId="{866D81AB-96B3-44F5-A6EF-41D51363E572}"/>
-          </ac:graphicFrameMkLst>
-        </pc:graphicFrameChg>
-        <pc:graphicFrameChg chg="add del mod">
-          <ac:chgData name="ALESSIA BODINI" userId="ff2fc562-cd55-4b8e-bb31-69fd8c80f346" providerId="ADAL" clId="{ED8F27D4-DE1E-4E95-85E4-6FBB9E86C547}" dt="2020-09-09T20:00:34.194" v="390"/>
-          <ac:graphicFrameMkLst>
-            <pc:docMk/>
-            <pc:sldMk cId="3333981995" sldId="265"/>
-            <ac:graphicFrameMk id="14" creationId="{61C5D773-3563-4144-A223-6BAB79D469BF}"/>
-          </ac:graphicFrameMkLst>
-        </pc:graphicFrameChg>
-        <pc:graphicFrameChg chg="add mod modGraphic">
-          <ac:chgData name="ALESSIA BODINI" userId="ff2fc562-cd55-4b8e-bb31-69fd8c80f346" providerId="ADAL" clId="{ED8F27D4-DE1E-4E95-85E4-6FBB9E86C547}" dt="2020-09-09T20:19:50.876" v="836" actId="1076"/>
-          <ac:graphicFrameMkLst>
-            <pc:docMk/>
-            <pc:sldMk cId="3333981995" sldId="265"/>
-            <ac:graphicFrameMk id="20" creationId="{A46AC3A1-1BD3-4714-9F3F-9679AEED9629}"/>
-          </ac:graphicFrameMkLst>
-        </pc:graphicFrameChg>
-        <pc:graphicFrameChg chg="add mod modGraphic">
-          <ac:chgData name="ALESSIA BODINI" userId="ff2fc562-cd55-4b8e-bb31-69fd8c80f346" providerId="ADAL" clId="{ED8F27D4-DE1E-4E95-85E4-6FBB9E86C547}" dt="2020-09-10T06:45:21.036" v="1887" actId="1076"/>
-          <ac:graphicFrameMkLst>
-            <pc:docMk/>
-            <pc:sldMk cId="3333981995" sldId="265"/>
-            <ac:graphicFrameMk id="26" creationId="{69EF4F6C-8292-4555-9D08-B22BB4238240}"/>
-          </ac:graphicFrameMkLst>
-        </pc:graphicFrameChg>
-        <pc:cxnChg chg="add del mod">
-          <ac:chgData name="ALESSIA BODINI" userId="ff2fc562-cd55-4b8e-bb31-69fd8c80f346" providerId="ADAL" clId="{ED8F27D4-DE1E-4E95-85E4-6FBB9E86C547}" dt="2020-09-09T20:00:20.550" v="387"/>
-          <ac:cxnSpMkLst>
-            <pc:docMk/>
-            <pc:sldMk cId="3333981995" sldId="265"/>
-            <ac:cxnSpMk id="7" creationId="{7AA021DE-7A94-4B6A-AEF8-00BA701882AB}"/>
-          </ac:cxnSpMkLst>
-        </pc:cxnChg>
-        <pc:cxnChg chg="add del mod">
-          <ac:chgData name="ALESSIA BODINI" userId="ff2fc562-cd55-4b8e-bb31-69fd8c80f346" providerId="ADAL" clId="{ED8F27D4-DE1E-4E95-85E4-6FBB9E86C547}" dt="2020-09-09T20:00:34.194" v="390"/>
-          <ac:cxnSpMkLst>
-            <pc:docMk/>
-            <pc:sldMk cId="3333981995" sldId="265"/>
-            <ac:cxnSpMk id="16" creationId="{F3CDE9E1-BA5D-4585-B214-63C545AB1A4E}"/>
-          </ac:cxnSpMkLst>
-        </pc:cxnChg>
-        <pc:cxnChg chg="add mod">
-          <ac:chgData name="ALESSIA BODINI" userId="ff2fc562-cd55-4b8e-bb31-69fd8c80f346" providerId="ADAL" clId="{ED8F27D4-DE1E-4E95-85E4-6FBB9E86C547}" dt="2020-09-10T06:45:35.728" v="1894" actId="1076"/>
-          <ac:cxnSpMkLst>
-            <pc:docMk/>
-            <pc:sldMk cId="3333981995" sldId="265"/>
-            <ac:cxnSpMk id="22" creationId="{5914200E-50CD-4E29-8F70-A1FE187BCE08}"/>
-          </ac:cxnSpMkLst>
-        </pc:cxnChg>
-      </pc:sldChg>
-      <pc:sldChg chg="addSp delSp modSp new mod">
-        <pc:chgData name="ALESSIA BODINI" userId="ff2fc562-cd55-4b8e-bb31-69fd8c80f346" providerId="ADAL" clId="{ED8F27D4-DE1E-4E95-85E4-6FBB9E86C547}" dt="2020-09-10T06:37:57.839" v="1713" actId="1076"/>
-        <pc:sldMkLst>
-          <pc:docMk/>
-          <pc:sldMk cId="2668290038" sldId="266"/>
-        </pc:sldMkLst>
-        <pc:spChg chg="del">
-          <ac:chgData name="ALESSIA BODINI" userId="ff2fc562-cd55-4b8e-bb31-69fd8c80f346" providerId="ADAL" clId="{ED8F27D4-DE1E-4E95-85E4-6FBB9E86C547}" dt="2020-09-09T20:22:47.049" v="999" actId="478"/>
-          <ac:spMkLst>
-            <pc:docMk/>
-            <pc:sldMk cId="2668290038" sldId="266"/>
-            <ac:spMk id="2" creationId="{CE745EA4-3143-493C-8A57-E5A1E49B3D7C}"/>
-          </ac:spMkLst>
-        </pc:spChg>
-        <pc:spChg chg="del">
-          <ac:chgData name="ALESSIA BODINI" userId="ff2fc562-cd55-4b8e-bb31-69fd8c80f346" providerId="ADAL" clId="{ED8F27D4-DE1E-4E95-85E4-6FBB9E86C547}" dt="2020-09-09T20:22:47.049" v="999" actId="478"/>
-          <ac:spMkLst>
-            <pc:docMk/>
-            <pc:sldMk cId="2668290038" sldId="266"/>
-            <ac:spMk id="3" creationId="{A9A4B97A-4A53-4555-A306-7F00C141E8C7}"/>
-          </ac:spMkLst>
-        </pc:spChg>
-        <pc:spChg chg="del">
-          <ac:chgData name="ALESSIA BODINI" userId="ff2fc562-cd55-4b8e-bb31-69fd8c80f346" providerId="ADAL" clId="{ED8F27D4-DE1E-4E95-85E4-6FBB9E86C547}" dt="2020-09-09T20:22:47.049" v="999" actId="478"/>
-          <ac:spMkLst>
-            <pc:docMk/>
-            <pc:sldMk cId="2668290038" sldId="266"/>
-            <ac:spMk id="4" creationId="{ECCADE61-24F4-41E0-B28C-7C755AC40187}"/>
-          </ac:spMkLst>
-        </pc:spChg>
-        <pc:spChg chg="add mod">
-          <ac:chgData name="ALESSIA BODINI" userId="ff2fc562-cd55-4b8e-bb31-69fd8c80f346" providerId="ADAL" clId="{ED8F27D4-DE1E-4E95-85E4-6FBB9E86C547}" dt="2020-09-10T06:36:34.582" v="1597" actId="1076"/>
-          <ac:spMkLst>
-            <pc:docMk/>
-            <pc:sldMk cId="2668290038" sldId="266"/>
-            <ac:spMk id="6" creationId="{FA4AF753-FDDE-44AC-B000-AADB7A335FB4}"/>
-          </ac:spMkLst>
-        </pc:spChg>
-        <pc:spChg chg="add mod">
-          <ac:chgData name="ALESSIA BODINI" userId="ff2fc562-cd55-4b8e-bb31-69fd8c80f346" providerId="ADAL" clId="{ED8F27D4-DE1E-4E95-85E4-6FBB9E86C547}" dt="2020-09-10T06:30:50.624" v="1408" actId="14100"/>
-          <ac:spMkLst>
-            <pc:docMk/>
-            <pc:sldMk cId="2668290038" sldId="266"/>
-            <ac:spMk id="7" creationId="{5B7CF38E-1A24-49F7-9A98-422E50C12B64}"/>
-          </ac:spMkLst>
-        </pc:spChg>
-        <pc:spChg chg="add mod">
-          <ac:chgData name="ALESSIA BODINI" userId="ff2fc562-cd55-4b8e-bb31-69fd8c80f346" providerId="ADAL" clId="{ED8F27D4-DE1E-4E95-85E4-6FBB9E86C547}" dt="2020-09-10T06:37:57.839" v="1713" actId="1076"/>
-          <ac:spMkLst>
-            <pc:docMk/>
-            <pc:sldMk cId="2668290038" sldId="266"/>
-            <ac:spMk id="9" creationId="{567C0805-F61C-4C98-9987-F1C0AB390B67}"/>
-          </ac:spMkLst>
-        </pc:spChg>
-        <pc:spChg chg="add mod">
-          <ac:chgData name="ALESSIA BODINI" userId="ff2fc562-cd55-4b8e-bb31-69fd8c80f346" providerId="ADAL" clId="{ED8F27D4-DE1E-4E95-85E4-6FBB9E86C547}" dt="2020-09-10T06:36:48.791" v="1598" actId="1076"/>
-          <ac:spMkLst>
-            <pc:docMk/>
-            <pc:sldMk cId="2668290038" sldId="266"/>
-            <ac:spMk id="21" creationId="{FB29A6DB-C50C-4BDB-A396-8267EA870987}"/>
-          </ac:spMkLst>
-        </pc:spChg>
-        <pc:spChg chg="add mod">
-          <ac:chgData name="ALESSIA BODINI" userId="ff2fc562-cd55-4b8e-bb31-69fd8c80f346" providerId="ADAL" clId="{ED8F27D4-DE1E-4E95-85E4-6FBB9E86C547}" dt="2020-09-10T06:36:48.791" v="1598" actId="1076"/>
-          <ac:spMkLst>
-            <pc:docMk/>
-            <pc:sldMk cId="2668290038" sldId="266"/>
-            <ac:spMk id="23" creationId="{08FCC40D-3D63-4B10-BE7E-F89B79A25E38}"/>
-          </ac:spMkLst>
-        </pc:spChg>
-        <pc:graphicFrameChg chg="add mod modGraphic">
-          <ac:chgData name="ALESSIA BODINI" userId="ff2fc562-cd55-4b8e-bb31-69fd8c80f346" providerId="ADAL" clId="{ED8F27D4-DE1E-4E95-85E4-6FBB9E86C547}" dt="2020-09-10T06:36:48.791" v="1598" actId="1076"/>
-          <ac:graphicFrameMkLst>
-            <pc:docMk/>
-            <pc:sldMk cId="2668290038" sldId="266"/>
-            <ac:graphicFrameMk id="8" creationId="{A477DEFE-211B-40CF-BC8C-CFD86142E1C1}"/>
-          </ac:graphicFrameMkLst>
-        </pc:graphicFrameChg>
-        <pc:graphicFrameChg chg="add del mod modGraphic">
-          <ac:chgData name="ALESSIA BODINI" userId="ff2fc562-cd55-4b8e-bb31-69fd8c80f346" providerId="ADAL" clId="{ED8F27D4-DE1E-4E95-85E4-6FBB9E86C547}" dt="2020-09-10T06:32:26.441" v="1456" actId="478"/>
-          <ac:graphicFrameMkLst>
-            <pc:docMk/>
-            <pc:sldMk cId="2668290038" sldId="266"/>
-            <ac:graphicFrameMk id="11" creationId="{DB04A935-6267-4403-86F8-1D9B07FAA421}"/>
-          </ac:graphicFrameMkLst>
-        </pc:graphicFrameChg>
-        <pc:graphicFrameChg chg="add mod modGraphic">
-          <ac:chgData name="ALESSIA BODINI" userId="ff2fc562-cd55-4b8e-bb31-69fd8c80f346" providerId="ADAL" clId="{ED8F27D4-DE1E-4E95-85E4-6FBB9E86C547}" dt="2020-09-10T06:36:48.791" v="1598" actId="1076"/>
-          <ac:graphicFrameMkLst>
-            <pc:docMk/>
-            <pc:sldMk cId="2668290038" sldId="266"/>
-            <ac:graphicFrameMk id="19" creationId="{8C085CB9-EE32-46AF-B2EB-98D1A4C9049E}"/>
-          </ac:graphicFrameMkLst>
-        </pc:graphicFrameChg>
-        <pc:cxnChg chg="add del mod">
-          <ac:chgData name="ALESSIA BODINI" userId="ff2fc562-cd55-4b8e-bb31-69fd8c80f346" providerId="ADAL" clId="{ED8F27D4-DE1E-4E95-85E4-6FBB9E86C547}" dt="2020-09-10T06:37:51.435" v="1711" actId="478"/>
-          <ac:cxnSpMkLst>
-            <pc:docMk/>
-            <pc:sldMk cId="2668290038" sldId="266"/>
-            <ac:cxnSpMk id="10" creationId="{D5AEA675-F9D4-47BC-B59F-B559ABBD84AC}"/>
-          </ac:cxnSpMkLst>
-        </pc:cxnChg>
-      </pc:sldChg>
-      <pc:sldChg chg="addSp delSp modSp new mod modClrScheme chgLayout">
-        <pc:chgData name="ALESSIA BODINI" userId="ff2fc562-cd55-4b8e-bb31-69fd8c80f346" providerId="ADAL" clId="{ED8F27D4-DE1E-4E95-85E4-6FBB9E86C547}" dt="2020-09-10T06:58:14.855" v="2142" actId="1076"/>
-        <pc:sldMkLst>
-          <pc:docMk/>
-          <pc:sldMk cId="1811516105" sldId="267"/>
-        </pc:sldMkLst>
-        <pc:spChg chg="del mod ord">
-          <ac:chgData name="ALESSIA BODINI" userId="ff2fc562-cd55-4b8e-bb31-69fd8c80f346" providerId="ADAL" clId="{ED8F27D4-DE1E-4E95-85E4-6FBB9E86C547}" dt="2020-09-10T06:55:03.799" v="1908" actId="700"/>
-          <ac:spMkLst>
-            <pc:docMk/>
-            <pc:sldMk cId="1811516105" sldId="267"/>
-            <ac:spMk id="2" creationId="{1C7CF74E-9381-46B5-8B42-FF2C50040BCF}"/>
-          </ac:spMkLst>
-        </pc:spChg>
-        <pc:spChg chg="del mod ord">
-          <ac:chgData name="ALESSIA BODINI" userId="ff2fc562-cd55-4b8e-bb31-69fd8c80f346" providerId="ADAL" clId="{ED8F27D4-DE1E-4E95-85E4-6FBB9E86C547}" dt="2020-09-10T06:55:03.799" v="1908" actId="700"/>
-          <ac:spMkLst>
-            <pc:docMk/>
-            <pc:sldMk cId="1811516105" sldId="267"/>
-            <ac:spMk id="3" creationId="{1F01D716-74BD-4540-9A13-814F86C0749C}"/>
-          </ac:spMkLst>
-        </pc:spChg>
-        <pc:spChg chg="mod ord">
-          <ac:chgData name="ALESSIA BODINI" userId="ff2fc562-cd55-4b8e-bb31-69fd8c80f346" providerId="ADAL" clId="{ED8F27D4-DE1E-4E95-85E4-6FBB9E86C547}" dt="2020-09-10T06:55:03.799" v="1908" actId="700"/>
-          <ac:spMkLst>
-            <pc:docMk/>
-            <pc:sldMk cId="1811516105" sldId="267"/>
-            <ac:spMk id="4" creationId="{6E05F019-1A38-477A-8CCE-703DC97A96FF}"/>
-          </ac:spMkLst>
-        </pc:spChg>
-        <pc:spChg chg="add mod ord">
-          <ac:chgData name="ALESSIA BODINI" userId="ff2fc562-cd55-4b8e-bb31-69fd8c80f346" providerId="ADAL" clId="{ED8F27D4-DE1E-4E95-85E4-6FBB9E86C547}" dt="2020-09-10T06:57:36.987" v="2137" actId="1076"/>
-          <ac:spMkLst>
-            <pc:docMk/>
-            <pc:sldMk cId="1811516105" sldId="267"/>
-            <ac:spMk id="5" creationId="{4BA70308-FFAD-4695-BE0B-5A8CDA46E3E4}"/>
-          </ac:spMkLst>
-        </pc:spChg>
-        <pc:spChg chg="add mod ord">
-          <ac:chgData name="ALESSIA BODINI" userId="ff2fc562-cd55-4b8e-bb31-69fd8c80f346" providerId="ADAL" clId="{ED8F27D4-DE1E-4E95-85E4-6FBB9E86C547}" dt="2020-09-10T06:58:14.855" v="2142" actId="1076"/>
-          <ac:spMkLst>
-            <pc:docMk/>
-            <pc:sldMk cId="1811516105" sldId="267"/>
-            <ac:spMk id="6" creationId="{C56AD071-0FC5-46D0-BAAD-E7C053740D92}"/>
-          </ac:spMkLst>
-        </pc:spChg>
-      </pc:sldChg>
-      <pc:sldMasterChg chg="delSldLayout">
-        <pc:chgData name="ALESSIA BODINI" userId="ff2fc562-cd55-4b8e-bb31-69fd8c80f346" providerId="ADAL" clId="{ED8F27D4-DE1E-4E95-85E4-6FBB9E86C547}" dt="2020-09-09T20:00:17.097" v="385" actId="2696"/>
-        <pc:sldMasterMkLst>
-          <pc:docMk/>
-          <pc:sldMasterMk cId="0" sldId="2147483669"/>
-        </pc:sldMasterMkLst>
-        <pc:sldLayoutChg chg="del">
-          <pc:chgData name="ALESSIA BODINI" userId="ff2fc562-cd55-4b8e-bb31-69fd8c80f346" providerId="ADAL" clId="{ED8F27D4-DE1E-4E95-85E4-6FBB9E86C547}" dt="2020-09-09T20:00:17.097" v="385" actId="2696"/>
-          <pc:sldLayoutMkLst>
-            <pc:docMk/>
-            <pc:sldMasterMk cId="0" sldId="2147483669"/>
-            <pc:sldLayoutMk cId="0" sldId="2147483664"/>
-          </pc:sldLayoutMkLst>
-        </pc:sldLayoutChg>
-      </pc:sldMasterChg>
-    </pc:docChg>
-  </pc:docChgLst>
-</pc:chgInfo>
 </file>
 
 <file path=ppt/notesMasters/notesMaster1.xml><?xml version="1.0" encoding="utf-8"?>
@@ -47084,6 +44476,788 @@
   <p:clrMapOvr>
     <a:masterClrMapping/>
   </p:clrMapOvr>
+  <p:timing>
+    <p:tnLst>
+      <p:par>
+        <p:cTn id="1" dur="indefinite" restart="never" nodeType="tmRoot">
+          <p:childTnLst>
+            <p:seq concurrent="1" nextAc="seek">
+              <p:cTn id="2" dur="indefinite" nodeType="mainSeq">
+                <p:childTnLst>
+                  <p:par>
+                    <p:cTn id="3" fill="hold">
+                      <p:stCondLst>
+                        <p:cond delay="indefinite"/>
+                      </p:stCondLst>
+                      <p:childTnLst>
+                        <p:par>
+                          <p:cTn id="4" fill="hold">
+                            <p:stCondLst>
+                              <p:cond delay="0"/>
+                            </p:stCondLst>
+                            <p:childTnLst>
+                              <p:par>
+                                <p:cTn id="5" presetID="53" presetClass="entr" presetSubtype="16" fill="hold" nodeType="clickEffect">
+                                  <p:stCondLst>
+                                    <p:cond delay="0"/>
+                                  </p:stCondLst>
+                                  <p:childTnLst>
+                                    <p:set>
+                                      <p:cBhvr>
+                                        <p:cTn id="6" dur="1" fill="hold">
+                                          <p:stCondLst>
+                                            <p:cond delay="0"/>
+                                          </p:stCondLst>
+                                        </p:cTn>
+                                        <p:tgtEl>
+                                          <p:spTgt spid="22"/>
+                                        </p:tgtEl>
+                                        <p:attrNameLst>
+                                          <p:attrName>style.visibility</p:attrName>
+                                        </p:attrNameLst>
+                                      </p:cBhvr>
+                                      <p:to>
+                                        <p:strVal val="visible"/>
+                                      </p:to>
+                                    </p:set>
+                                    <p:anim calcmode="lin" valueType="num">
+                                      <p:cBhvr>
+                                        <p:cTn id="7" dur="500" fill="hold"/>
+                                        <p:tgtEl>
+                                          <p:spTgt spid="22"/>
+                                        </p:tgtEl>
+                                        <p:attrNameLst>
+                                          <p:attrName>ppt_w</p:attrName>
+                                        </p:attrNameLst>
+                                      </p:cBhvr>
+                                      <p:tavLst>
+                                        <p:tav tm="0">
+                                          <p:val>
+                                            <p:fltVal val="0"/>
+                                          </p:val>
+                                        </p:tav>
+                                        <p:tav tm="100000">
+                                          <p:val>
+                                            <p:strVal val="#ppt_w"/>
+                                          </p:val>
+                                        </p:tav>
+                                      </p:tavLst>
+                                    </p:anim>
+                                    <p:anim calcmode="lin" valueType="num">
+                                      <p:cBhvr>
+                                        <p:cTn id="8" dur="500" fill="hold"/>
+                                        <p:tgtEl>
+                                          <p:spTgt spid="22"/>
+                                        </p:tgtEl>
+                                        <p:attrNameLst>
+                                          <p:attrName>ppt_h</p:attrName>
+                                        </p:attrNameLst>
+                                      </p:cBhvr>
+                                      <p:tavLst>
+                                        <p:tav tm="0">
+                                          <p:val>
+                                            <p:fltVal val="0"/>
+                                          </p:val>
+                                        </p:tav>
+                                        <p:tav tm="100000">
+                                          <p:val>
+                                            <p:strVal val="#ppt_h"/>
+                                          </p:val>
+                                        </p:tav>
+                                      </p:tavLst>
+                                    </p:anim>
+                                    <p:animEffect transition="in" filter="fade">
+                                      <p:cBhvr>
+                                        <p:cTn id="9" dur="500"/>
+                                        <p:tgtEl>
+                                          <p:spTgt spid="22"/>
+                                        </p:tgtEl>
+                                      </p:cBhvr>
+                                    </p:animEffect>
+                                  </p:childTnLst>
+                                </p:cTn>
+                              </p:par>
+                              <p:par>
+                                <p:cTn id="10" presetID="53" presetClass="entr" presetSubtype="16" fill="hold" nodeType="withEffect">
+                                  <p:stCondLst>
+                                    <p:cond delay="0"/>
+                                  </p:stCondLst>
+                                  <p:childTnLst>
+                                    <p:set>
+                                      <p:cBhvr>
+                                        <p:cTn id="11" dur="1" fill="hold">
+                                          <p:stCondLst>
+                                            <p:cond delay="0"/>
+                                          </p:stCondLst>
+                                        </p:cTn>
+                                        <p:tgtEl>
+                                          <p:spTgt spid="28"/>
+                                        </p:tgtEl>
+                                        <p:attrNameLst>
+                                          <p:attrName>style.visibility</p:attrName>
+                                        </p:attrNameLst>
+                                      </p:cBhvr>
+                                      <p:to>
+                                        <p:strVal val="visible"/>
+                                      </p:to>
+                                    </p:set>
+                                    <p:anim calcmode="lin" valueType="num">
+                                      <p:cBhvr>
+                                        <p:cTn id="12" dur="500" fill="hold"/>
+                                        <p:tgtEl>
+                                          <p:spTgt spid="28"/>
+                                        </p:tgtEl>
+                                        <p:attrNameLst>
+                                          <p:attrName>ppt_w</p:attrName>
+                                        </p:attrNameLst>
+                                      </p:cBhvr>
+                                      <p:tavLst>
+                                        <p:tav tm="0">
+                                          <p:val>
+                                            <p:fltVal val="0"/>
+                                          </p:val>
+                                        </p:tav>
+                                        <p:tav tm="100000">
+                                          <p:val>
+                                            <p:strVal val="#ppt_w"/>
+                                          </p:val>
+                                        </p:tav>
+                                      </p:tavLst>
+                                    </p:anim>
+                                    <p:anim calcmode="lin" valueType="num">
+                                      <p:cBhvr>
+                                        <p:cTn id="13" dur="500" fill="hold"/>
+                                        <p:tgtEl>
+                                          <p:spTgt spid="28"/>
+                                        </p:tgtEl>
+                                        <p:attrNameLst>
+                                          <p:attrName>ppt_h</p:attrName>
+                                        </p:attrNameLst>
+                                      </p:cBhvr>
+                                      <p:tavLst>
+                                        <p:tav tm="0">
+                                          <p:val>
+                                            <p:fltVal val="0"/>
+                                          </p:val>
+                                        </p:tav>
+                                        <p:tav tm="100000">
+                                          <p:val>
+                                            <p:strVal val="#ppt_h"/>
+                                          </p:val>
+                                        </p:tav>
+                                      </p:tavLst>
+                                    </p:anim>
+                                    <p:animEffect transition="in" filter="fade">
+                                      <p:cBhvr>
+                                        <p:cTn id="14" dur="500"/>
+                                        <p:tgtEl>
+                                          <p:spTgt spid="28"/>
+                                        </p:tgtEl>
+                                      </p:cBhvr>
+                                    </p:animEffect>
+                                  </p:childTnLst>
+                                </p:cTn>
+                              </p:par>
+                              <p:par>
+                                <p:cTn id="15" presetID="53" presetClass="entr" presetSubtype="16" fill="hold" grpId="0" nodeType="withEffect">
+                                  <p:stCondLst>
+                                    <p:cond delay="0"/>
+                                  </p:stCondLst>
+                                  <p:childTnLst>
+                                    <p:set>
+                                      <p:cBhvr>
+                                        <p:cTn id="16" dur="1" fill="hold">
+                                          <p:stCondLst>
+                                            <p:cond delay="0"/>
+                                          </p:stCondLst>
+                                        </p:cTn>
+                                        <p:tgtEl>
+                                          <p:spTgt spid="14"/>
+                                        </p:tgtEl>
+                                        <p:attrNameLst>
+                                          <p:attrName>style.visibility</p:attrName>
+                                        </p:attrNameLst>
+                                      </p:cBhvr>
+                                      <p:to>
+                                        <p:strVal val="visible"/>
+                                      </p:to>
+                                    </p:set>
+                                    <p:anim calcmode="lin" valueType="num">
+                                      <p:cBhvr>
+                                        <p:cTn id="17" dur="500" fill="hold"/>
+                                        <p:tgtEl>
+                                          <p:spTgt spid="14"/>
+                                        </p:tgtEl>
+                                        <p:attrNameLst>
+                                          <p:attrName>ppt_w</p:attrName>
+                                        </p:attrNameLst>
+                                      </p:cBhvr>
+                                      <p:tavLst>
+                                        <p:tav tm="0">
+                                          <p:val>
+                                            <p:fltVal val="0"/>
+                                          </p:val>
+                                        </p:tav>
+                                        <p:tav tm="100000">
+                                          <p:val>
+                                            <p:strVal val="#ppt_w"/>
+                                          </p:val>
+                                        </p:tav>
+                                      </p:tavLst>
+                                    </p:anim>
+                                    <p:anim calcmode="lin" valueType="num">
+                                      <p:cBhvr>
+                                        <p:cTn id="18" dur="500" fill="hold"/>
+                                        <p:tgtEl>
+                                          <p:spTgt spid="14"/>
+                                        </p:tgtEl>
+                                        <p:attrNameLst>
+                                          <p:attrName>ppt_h</p:attrName>
+                                        </p:attrNameLst>
+                                      </p:cBhvr>
+                                      <p:tavLst>
+                                        <p:tav tm="0">
+                                          <p:val>
+                                            <p:fltVal val="0"/>
+                                          </p:val>
+                                        </p:tav>
+                                        <p:tav tm="100000">
+                                          <p:val>
+                                            <p:strVal val="#ppt_h"/>
+                                          </p:val>
+                                        </p:tav>
+                                      </p:tavLst>
+                                    </p:anim>
+                                    <p:animEffect transition="in" filter="fade">
+                                      <p:cBhvr>
+                                        <p:cTn id="19" dur="500"/>
+                                        <p:tgtEl>
+                                          <p:spTgt spid="14"/>
+                                        </p:tgtEl>
+                                      </p:cBhvr>
+                                    </p:animEffect>
+                                  </p:childTnLst>
+                                </p:cTn>
+                              </p:par>
+                              <p:par>
+                                <p:cTn id="20" presetID="53" presetClass="entr" presetSubtype="16" fill="hold" nodeType="withEffect">
+                                  <p:stCondLst>
+                                    <p:cond delay="0"/>
+                                  </p:stCondLst>
+                                  <p:childTnLst>
+                                    <p:set>
+                                      <p:cBhvr>
+                                        <p:cTn id="21" dur="1" fill="hold">
+                                          <p:stCondLst>
+                                            <p:cond delay="0"/>
+                                          </p:stCondLst>
+                                        </p:cTn>
+                                        <p:tgtEl>
+                                          <p:spTgt spid="3"/>
+                                        </p:tgtEl>
+                                        <p:attrNameLst>
+                                          <p:attrName>style.visibility</p:attrName>
+                                        </p:attrNameLst>
+                                      </p:cBhvr>
+                                      <p:to>
+                                        <p:strVal val="visible"/>
+                                      </p:to>
+                                    </p:set>
+                                    <p:anim calcmode="lin" valueType="num">
+                                      <p:cBhvr>
+                                        <p:cTn id="22" dur="500" fill="hold"/>
+                                        <p:tgtEl>
+                                          <p:spTgt spid="3"/>
+                                        </p:tgtEl>
+                                        <p:attrNameLst>
+                                          <p:attrName>ppt_w</p:attrName>
+                                        </p:attrNameLst>
+                                      </p:cBhvr>
+                                      <p:tavLst>
+                                        <p:tav tm="0">
+                                          <p:val>
+                                            <p:fltVal val="0"/>
+                                          </p:val>
+                                        </p:tav>
+                                        <p:tav tm="100000">
+                                          <p:val>
+                                            <p:strVal val="#ppt_w"/>
+                                          </p:val>
+                                        </p:tav>
+                                      </p:tavLst>
+                                    </p:anim>
+                                    <p:anim calcmode="lin" valueType="num">
+                                      <p:cBhvr>
+                                        <p:cTn id="23" dur="500" fill="hold"/>
+                                        <p:tgtEl>
+                                          <p:spTgt spid="3"/>
+                                        </p:tgtEl>
+                                        <p:attrNameLst>
+                                          <p:attrName>ppt_h</p:attrName>
+                                        </p:attrNameLst>
+                                      </p:cBhvr>
+                                      <p:tavLst>
+                                        <p:tav tm="0">
+                                          <p:val>
+                                            <p:fltVal val="0"/>
+                                          </p:val>
+                                        </p:tav>
+                                        <p:tav tm="100000">
+                                          <p:val>
+                                            <p:strVal val="#ppt_h"/>
+                                          </p:val>
+                                        </p:tav>
+                                      </p:tavLst>
+                                    </p:anim>
+                                    <p:animEffect transition="in" filter="fade">
+                                      <p:cBhvr>
+                                        <p:cTn id="24" dur="500"/>
+                                        <p:tgtEl>
+                                          <p:spTgt spid="3"/>
+                                        </p:tgtEl>
+                                      </p:cBhvr>
+                                    </p:animEffect>
+                                  </p:childTnLst>
+                                </p:cTn>
+                              </p:par>
+                              <p:par>
+                                <p:cTn id="25" presetID="53" presetClass="entr" presetSubtype="16" fill="hold" nodeType="withEffect">
+                                  <p:stCondLst>
+                                    <p:cond delay="0"/>
+                                  </p:stCondLst>
+                                  <p:childTnLst>
+                                    <p:set>
+                                      <p:cBhvr>
+                                        <p:cTn id="26" dur="1" fill="hold">
+                                          <p:stCondLst>
+                                            <p:cond delay="0"/>
+                                          </p:stCondLst>
+                                        </p:cTn>
+                                        <p:tgtEl>
+                                          <p:spTgt spid="48"/>
+                                        </p:tgtEl>
+                                        <p:attrNameLst>
+                                          <p:attrName>style.visibility</p:attrName>
+                                        </p:attrNameLst>
+                                      </p:cBhvr>
+                                      <p:to>
+                                        <p:strVal val="visible"/>
+                                      </p:to>
+                                    </p:set>
+                                    <p:anim calcmode="lin" valueType="num">
+                                      <p:cBhvr>
+                                        <p:cTn id="27" dur="500" fill="hold"/>
+                                        <p:tgtEl>
+                                          <p:spTgt spid="48"/>
+                                        </p:tgtEl>
+                                        <p:attrNameLst>
+                                          <p:attrName>ppt_w</p:attrName>
+                                        </p:attrNameLst>
+                                      </p:cBhvr>
+                                      <p:tavLst>
+                                        <p:tav tm="0">
+                                          <p:val>
+                                            <p:fltVal val="0"/>
+                                          </p:val>
+                                        </p:tav>
+                                        <p:tav tm="100000">
+                                          <p:val>
+                                            <p:strVal val="#ppt_w"/>
+                                          </p:val>
+                                        </p:tav>
+                                      </p:tavLst>
+                                    </p:anim>
+                                    <p:anim calcmode="lin" valueType="num">
+                                      <p:cBhvr>
+                                        <p:cTn id="28" dur="500" fill="hold"/>
+                                        <p:tgtEl>
+                                          <p:spTgt spid="48"/>
+                                        </p:tgtEl>
+                                        <p:attrNameLst>
+                                          <p:attrName>ppt_h</p:attrName>
+                                        </p:attrNameLst>
+                                      </p:cBhvr>
+                                      <p:tavLst>
+                                        <p:tav tm="0">
+                                          <p:val>
+                                            <p:fltVal val="0"/>
+                                          </p:val>
+                                        </p:tav>
+                                        <p:tav tm="100000">
+                                          <p:val>
+                                            <p:strVal val="#ppt_h"/>
+                                          </p:val>
+                                        </p:tav>
+                                      </p:tavLst>
+                                    </p:anim>
+                                    <p:animEffect transition="in" filter="fade">
+                                      <p:cBhvr>
+                                        <p:cTn id="29" dur="500"/>
+                                        <p:tgtEl>
+                                          <p:spTgt spid="48"/>
+                                        </p:tgtEl>
+                                      </p:cBhvr>
+                                    </p:animEffect>
+                                  </p:childTnLst>
+                                </p:cTn>
+                              </p:par>
+                              <p:par>
+                                <p:cTn id="30" presetID="53" presetClass="entr" presetSubtype="16" fill="hold" grpId="0" nodeType="withEffect">
+                                  <p:stCondLst>
+                                    <p:cond delay="0"/>
+                                  </p:stCondLst>
+                                  <p:childTnLst>
+                                    <p:set>
+                                      <p:cBhvr>
+                                        <p:cTn id="31" dur="1" fill="hold">
+                                          <p:stCondLst>
+                                            <p:cond delay="0"/>
+                                          </p:stCondLst>
+                                        </p:cTn>
+                                        <p:tgtEl>
+                                          <p:spTgt spid="26"/>
+                                        </p:tgtEl>
+                                        <p:attrNameLst>
+                                          <p:attrName>style.visibility</p:attrName>
+                                        </p:attrNameLst>
+                                      </p:cBhvr>
+                                      <p:to>
+                                        <p:strVal val="visible"/>
+                                      </p:to>
+                                    </p:set>
+                                    <p:anim calcmode="lin" valueType="num">
+                                      <p:cBhvr>
+                                        <p:cTn id="32" dur="500" fill="hold"/>
+                                        <p:tgtEl>
+                                          <p:spTgt spid="26"/>
+                                        </p:tgtEl>
+                                        <p:attrNameLst>
+                                          <p:attrName>ppt_w</p:attrName>
+                                        </p:attrNameLst>
+                                      </p:cBhvr>
+                                      <p:tavLst>
+                                        <p:tav tm="0">
+                                          <p:val>
+                                            <p:fltVal val="0"/>
+                                          </p:val>
+                                        </p:tav>
+                                        <p:tav tm="100000">
+                                          <p:val>
+                                            <p:strVal val="#ppt_w"/>
+                                          </p:val>
+                                        </p:tav>
+                                      </p:tavLst>
+                                    </p:anim>
+                                    <p:anim calcmode="lin" valueType="num">
+                                      <p:cBhvr>
+                                        <p:cTn id="33" dur="500" fill="hold"/>
+                                        <p:tgtEl>
+                                          <p:spTgt spid="26"/>
+                                        </p:tgtEl>
+                                        <p:attrNameLst>
+                                          <p:attrName>ppt_h</p:attrName>
+                                        </p:attrNameLst>
+                                      </p:cBhvr>
+                                      <p:tavLst>
+                                        <p:tav tm="0">
+                                          <p:val>
+                                            <p:fltVal val="0"/>
+                                          </p:val>
+                                        </p:tav>
+                                        <p:tav tm="100000">
+                                          <p:val>
+                                            <p:strVal val="#ppt_h"/>
+                                          </p:val>
+                                        </p:tav>
+                                      </p:tavLst>
+                                    </p:anim>
+                                    <p:animEffect transition="in" filter="fade">
+                                      <p:cBhvr>
+                                        <p:cTn id="34" dur="500"/>
+                                        <p:tgtEl>
+                                          <p:spTgt spid="26"/>
+                                        </p:tgtEl>
+                                      </p:cBhvr>
+                                    </p:animEffect>
+                                  </p:childTnLst>
+                                </p:cTn>
+                              </p:par>
+                              <p:par>
+                                <p:cTn id="35" presetID="53" presetClass="entr" presetSubtype="16" fill="hold" nodeType="withEffect">
+                                  <p:stCondLst>
+                                    <p:cond delay="0"/>
+                                  </p:stCondLst>
+                                  <p:childTnLst>
+                                    <p:set>
+                                      <p:cBhvr>
+                                        <p:cTn id="36" dur="1" fill="hold">
+                                          <p:stCondLst>
+                                            <p:cond delay="0"/>
+                                          </p:stCondLst>
+                                        </p:cTn>
+                                        <p:tgtEl>
+                                          <p:spTgt spid="21"/>
+                                        </p:tgtEl>
+                                        <p:attrNameLst>
+                                          <p:attrName>style.visibility</p:attrName>
+                                        </p:attrNameLst>
+                                      </p:cBhvr>
+                                      <p:to>
+                                        <p:strVal val="visible"/>
+                                      </p:to>
+                                    </p:set>
+                                    <p:anim calcmode="lin" valueType="num">
+                                      <p:cBhvr>
+                                        <p:cTn id="37" dur="500" fill="hold"/>
+                                        <p:tgtEl>
+                                          <p:spTgt spid="21"/>
+                                        </p:tgtEl>
+                                        <p:attrNameLst>
+                                          <p:attrName>ppt_w</p:attrName>
+                                        </p:attrNameLst>
+                                      </p:cBhvr>
+                                      <p:tavLst>
+                                        <p:tav tm="0">
+                                          <p:val>
+                                            <p:fltVal val="0"/>
+                                          </p:val>
+                                        </p:tav>
+                                        <p:tav tm="100000">
+                                          <p:val>
+                                            <p:strVal val="#ppt_w"/>
+                                          </p:val>
+                                        </p:tav>
+                                      </p:tavLst>
+                                    </p:anim>
+                                    <p:anim calcmode="lin" valueType="num">
+                                      <p:cBhvr>
+                                        <p:cTn id="38" dur="500" fill="hold"/>
+                                        <p:tgtEl>
+                                          <p:spTgt spid="21"/>
+                                        </p:tgtEl>
+                                        <p:attrNameLst>
+                                          <p:attrName>ppt_h</p:attrName>
+                                        </p:attrNameLst>
+                                      </p:cBhvr>
+                                      <p:tavLst>
+                                        <p:tav tm="0">
+                                          <p:val>
+                                            <p:fltVal val="0"/>
+                                          </p:val>
+                                        </p:tav>
+                                        <p:tav tm="100000">
+                                          <p:val>
+                                            <p:strVal val="#ppt_h"/>
+                                          </p:val>
+                                        </p:tav>
+                                      </p:tavLst>
+                                    </p:anim>
+                                    <p:animEffect transition="in" filter="fade">
+                                      <p:cBhvr>
+                                        <p:cTn id="39" dur="500"/>
+                                        <p:tgtEl>
+                                          <p:spTgt spid="21"/>
+                                        </p:tgtEl>
+                                      </p:cBhvr>
+                                    </p:animEffect>
+                                  </p:childTnLst>
+                                </p:cTn>
+                              </p:par>
+                              <p:par>
+                                <p:cTn id="40" presetID="53" presetClass="entr" presetSubtype="16" fill="hold" nodeType="withEffect">
+                                  <p:stCondLst>
+                                    <p:cond delay="0"/>
+                                  </p:stCondLst>
+                                  <p:childTnLst>
+                                    <p:set>
+                                      <p:cBhvr>
+                                        <p:cTn id="41" dur="1" fill="hold">
+                                          <p:stCondLst>
+                                            <p:cond delay="0"/>
+                                          </p:stCondLst>
+                                        </p:cTn>
+                                        <p:tgtEl>
+                                          <p:spTgt spid="49"/>
+                                        </p:tgtEl>
+                                        <p:attrNameLst>
+                                          <p:attrName>style.visibility</p:attrName>
+                                        </p:attrNameLst>
+                                      </p:cBhvr>
+                                      <p:to>
+                                        <p:strVal val="visible"/>
+                                      </p:to>
+                                    </p:set>
+                                    <p:anim calcmode="lin" valueType="num">
+                                      <p:cBhvr>
+                                        <p:cTn id="42" dur="500" fill="hold"/>
+                                        <p:tgtEl>
+                                          <p:spTgt spid="49"/>
+                                        </p:tgtEl>
+                                        <p:attrNameLst>
+                                          <p:attrName>ppt_w</p:attrName>
+                                        </p:attrNameLst>
+                                      </p:cBhvr>
+                                      <p:tavLst>
+                                        <p:tav tm="0">
+                                          <p:val>
+                                            <p:fltVal val="0"/>
+                                          </p:val>
+                                        </p:tav>
+                                        <p:tav tm="100000">
+                                          <p:val>
+                                            <p:strVal val="#ppt_w"/>
+                                          </p:val>
+                                        </p:tav>
+                                      </p:tavLst>
+                                    </p:anim>
+                                    <p:anim calcmode="lin" valueType="num">
+                                      <p:cBhvr>
+                                        <p:cTn id="43" dur="500" fill="hold"/>
+                                        <p:tgtEl>
+                                          <p:spTgt spid="49"/>
+                                        </p:tgtEl>
+                                        <p:attrNameLst>
+                                          <p:attrName>ppt_h</p:attrName>
+                                        </p:attrNameLst>
+                                      </p:cBhvr>
+                                      <p:tavLst>
+                                        <p:tav tm="0">
+                                          <p:val>
+                                            <p:fltVal val="0"/>
+                                          </p:val>
+                                        </p:tav>
+                                        <p:tav tm="100000">
+                                          <p:val>
+                                            <p:strVal val="#ppt_h"/>
+                                          </p:val>
+                                        </p:tav>
+                                      </p:tavLst>
+                                    </p:anim>
+                                    <p:animEffect transition="in" filter="fade">
+                                      <p:cBhvr>
+                                        <p:cTn id="44" dur="500"/>
+                                        <p:tgtEl>
+                                          <p:spTgt spid="49"/>
+                                        </p:tgtEl>
+                                      </p:cBhvr>
+                                    </p:animEffect>
+                                  </p:childTnLst>
+                                </p:cTn>
+                              </p:par>
+                              <p:par>
+                                <p:cTn id="45" presetID="53" presetClass="entr" presetSubtype="16" fill="hold" grpId="0" nodeType="withEffect">
+                                  <p:stCondLst>
+                                    <p:cond delay="0"/>
+                                  </p:stCondLst>
+                                  <p:childTnLst>
+                                    <p:set>
+                                      <p:cBhvr>
+                                        <p:cTn id="46" dur="1" fill="hold">
+                                          <p:stCondLst>
+                                            <p:cond delay="0"/>
+                                          </p:stCondLst>
+                                        </p:cTn>
+                                        <p:tgtEl>
+                                          <p:spTgt spid="25"/>
+                                        </p:tgtEl>
+                                        <p:attrNameLst>
+                                          <p:attrName>style.visibility</p:attrName>
+                                        </p:attrNameLst>
+                                      </p:cBhvr>
+                                      <p:to>
+                                        <p:strVal val="visible"/>
+                                      </p:to>
+                                    </p:set>
+                                    <p:anim calcmode="lin" valueType="num">
+                                      <p:cBhvr>
+                                        <p:cTn id="47" dur="500" fill="hold"/>
+                                        <p:tgtEl>
+                                          <p:spTgt spid="25"/>
+                                        </p:tgtEl>
+                                        <p:attrNameLst>
+                                          <p:attrName>ppt_w</p:attrName>
+                                        </p:attrNameLst>
+                                      </p:cBhvr>
+                                      <p:tavLst>
+                                        <p:tav tm="0">
+                                          <p:val>
+                                            <p:fltVal val="0"/>
+                                          </p:val>
+                                        </p:tav>
+                                        <p:tav tm="100000">
+                                          <p:val>
+                                            <p:strVal val="#ppt_w"/>
+                                          </p:val>
+                                        </p:tav>
+                                      </p:tavLst>
+                                    </p:anim>
+                                    <p:anim calcmode="lin" valueType="num">
+                                      <p:cBhvr>
+                                        <p:cTn id="48" dur="500" fill="hold"/>
+                                        <p:tgtEl>
+                                          <p:spTgt spid="25"/>
+                                        </p:tgtEl>
+                                        <p:attrNameLst>
+                                          <p:attrName>ppt_h</p:attrName>
+                                        </p:attrNameLst>
+                                      </p:cBhvr>
+                                      <p:tavLst>
+                                        <p:tav tm="0">
+                                          <p:val>
+                                            <p:fltVal val="0"/>
+                                          </p:val>
+                                        </p:tav>
+                                        <p:tav tm="100000">
+                                          <p:val>
+                                            <p:strVal val="#ppt_h"/>
+                                          </p:val>
+                                        </p:tav>
+                                      </p:tavLst>
+                                    </p:anim>
+                                    <p:animEffect transition="in" filter="fade">
+                                      <p:cBhvr>
+                                        <p:cTn id="49" dur="500"/>
+                                        <p:tgtEl>
+                                          <p:spTgt spid="25"/>
+                                        </p:tgtEl>
+                                      </p:cBhvr>
+                                    </p:animEffect>
+                                  </p:childTnLst>
+                                </p:cTn>
+                              </p:par>
+                            </p:childTnLst>
+                          </p:cTn>
+                        </p:par>
+                      </p:childTnLst>
+                    </p:cTn>
+                  </p:par>
+                </p:childTnLst>
+              </p:cTn>
+              <p:prevCondLst>
+                <p:cond evt="onPrev" delay="0">
+                  <p:tgtEl>
+                    <p:sldTgt/>
+                  </p:tgtEl>
+                </p:cond>
+              </p:prevCondLst>
+              <p:nextCondLst>
+                <p:cond evt="onNext" delay="0">
+                  <p:tgtEl>
+                    <p:sldTgt/>
+                  </p:tgtEl>
+                </p:cond>
+              </p:nextCondLst>
+            </p:seq>
+          </p:childTnLst>
+        </p:cTn>
+      </p:par>
+    </p:tnLst>
+    <p:bldLst>
+      <p:bldP spid="14" grpId="0"/>
+      <p:bldP spid="25" grpId="0"/>
+      <p:bldP spid="26" grpId="0"/>
+    </p:bldLst>
+  </p:timing>
 </p:sld>
 </file>
 
@@ -47165,39 +45339,31 @@
           </a:bodyPr>
           <a:lstStyle/>
           <a:p>
-            <a:pPr marL="0" lvl="0" indent="0" algn="ctr" rtl="0">
-              <a:spcBef>
-                <a:spcPts val="0"/>
-              </a:spcBef>
-              <a:spcAft>
-                <a:spcPts val="0"/>
-              </a:spcAft>
-              <a:buNone/>
-            </a:pPr>
+            <a:pPr marL="285750" indent="-285750" algn="ctr"/>
             <a:r>
               <a:rPr lang="en" dirty="0"/>
               <a:t>Tramite la rete neurale </a:t>
             </a:r>
             <a:r>
               <a:rPr lang="en" u="sng" dirty="0"/>
-              <a:t>ResNet-50</a:t>
+              <a:t>ResNet-50 </a:t>
             </a:r>
-          </a:p>
-          <a:p>
-            <a:pPr marL="0" lvl="0" indent="0" algn="ctr" rtl="0">
-              <a:spcBef>
-                <a:spcPts val="0"/>
-              </a:spcBef>
-              <a:spcAft>
-                <a:spcPts val="0"/>
-              </a:spcAft>
-              <a:buNone/>
-            </a:pPr>
             <a:r>
               <a:rPr lang="en" sz="1600" dirty="0"/>
               <a:t>(dal file “resnet.py”)</a:t>
             </a:r>
-            <a:endParaRPr sz="1600" dirty="0"/>
+          </a:p>
+          <a:p>
+            <a:pPr marL="285750" indent="-285750" algn="ctr">
+              <a:lnSpc>
+                <a:spcPct val="200000"/>
+              </a:lnSpc>
+            </a:pPr>
+            <a:r>
+              <a:rPr lang="en" dirty="0"/>
+              <a:t>2048 features per ogni immagine</a:t>
+            </a:r>
+            <a:endParaRPr dirty="0"/>
           </a:p>
         </p:txBody>
       </p:sp>
@@ -54494,7 +52660,7 @@
           <p:nvPr>
             <p:extLst>
               <p:ext uri="{D42A27DB-BD31-4B8C-83A1-F6EECF244321}">
-                <p14:modId xmlns:p14="http://schemas.microsoft.com/office/powerpoint/2010/main" val="1007175380"/>
+                <p14:modId xmlns:p14="http://schemas.microsoft.com/office/powerpoint/2010/main" val="3232423366"/>
               </p:ext>
             </p:extLst>
           </p:nvPr>
@@ -54562,7 +52728,7 @@
                       <a:pPr algn="ctr"/>
                       <a:r>
                         <a:rPr lang="it-IT" dirty="0"/>
-                        <a:t>1</a:t>
+                        <a:t>10</a:t>
                       </a:r>
                     </a:p>
                   </a:txBody>
@@ -54576,7 +52742,7 @@
                       <a:pPr algn="ctr"/>
                       <a:r>
                         <a:rPr lang="it-IT" dirty="0"/>
-                        <a:t>3</a:t>
+                        <a:t>100</a:t>
                       </a:r>
                     </a:p>
                   </a:txBody>
@@ -54590,7 +52756,7 @@
                       <a:pPr algn="ctr"/>
                       <a:r>
                         <a:rPr lang="it-IT" dirty="0"/>
-                        <a:t>7</a:t>
+                        <a:t>1000</a:t>
                       </a:r>
                     </a:p>
                   </a:txBody>
@@ -54747,8 +52913,8 @@
         </p:nvSpPr>
         <p:spPr>
           <a:xfrm>
-            <a:off x="991239" y="3812954"/>
-            <a:ext cx="2958353" cy="646331"/>
+            <a:off x="926953" y="3808275"/>
+            <a:ext cx="3250348" cy="646331"/>
           </a:xfrm>
           <a:prstGeom prst="rect">
             <a:avLst/>
@@ -54792,12 +52958,12 @@
         </p:nvCxnSpPr>
         <p:spPr>
           <a:xfrm rot="5400000">
-            <a:off x="3529231" y="3013328"/>
-            <a:ext cx="387143" cy="2504771"/>
+            <a:off x="3572425" y="3051844"/>
+            <a:ext cx="382464" cy="2423060"/>
           </a:xfrm>
           <a:prstGeom prst="bentConnector3">
             <a:avLst>
-              <a:gd name="adj1" fmla="val 159048"/>
+              <a:gd name="adj1" fmla="val 159770"/>
             </a:avLst>
           </a:prstGeom>
           <a:ln>
@@ -54837,7 +53003,7 @@
           <p:nvPr>
             <p:extLst>
               <p:ext uri="{D42A27DB-BD31-4B8C-83A1-F6EECF244321}">
-                <p14:modId xmlns:p14="http://schemas.microsoft.com/office/powerpoint/2010/main" val="4156626275"/>
+                <p14:modId xmlns:p14="http://schemas.microsoft.com/office/powerpoint/2010/main" val="1899896365"/>
               </p:ext>
             </p:extLst>
           </p:nvPr>
@@ -54905,7 +53071,7 @@
                       <a:pPr algn="ctr"/>
                       <a:r>
                         <a:rPr lang="it-IT" dirty="0"/>
-                        <a:t>1</a:t>
+                        <a:t>10</a:t>
                       </a:r>
                     </a:p>
                   </a:txBody>
@@ -54919,7 +53085,7 @@
                       <a:pPr algn="ctr"/>
                       <a:r>
                         <a:rPr lang="it-IT" dirty="0"/>
-                        <a:t>3</a:t>
+                        <a:t>100</a:t>
                       </a:r>
                     </a:p>
                   </a:txBody>
@@ -54933,7 +53099,7 @@
                       <a:pPr algn="ctr"/>
                       <a:r>
                         <a:rPr lang="it-IT" dirty="0"/>
-                        <a:t>7</a:t>
+                        <a:t>1000</a:t>
                       </a:r>
                     </a:p>
                   </a:txBody>
@@ -55574,7 +53740,7 @@
         </p:nvSpPr>
         <p:spPr>
           <a:xfrm>
-            <a:off x="793555" y="1954075"/>
+            <a:off x="793555" y="1827165"/>
             <a:ext cx="3432663" cy="1854200"/>
           </a:xfrm>
         </p:spPr>
@@ -55713,7 +53879,61 @@
               </a:rPr>
               <a:t>1024  10</a:t>
             </a:r>
-            <a:endParaRPr lang="it-IT" sz="1200" dirty="0"/>
+          </a:p>
+          <a:p>
+            <a:pPr algn="l">
+              <a:buFont typeface="Arial" panose="020B0604020202020204" pitchFamily="34" charset="0"/>
+              <a:buChar char="•"/>
+            </a:pPr>
+            <a:endParaRPr lang="it-IT" sz="1200" dirty="0">
+              <a:sym typeface="Wingdings" panose="05000000000000000000" pitchFamily="2" charset="2"/>
+            </a:endParaRPr>
+          </a:p>
+          <a:p>
+            <a:pPr marL="114300" indent="0" algn="l"/>
+            <a:r>
+              <a:rPr lang="it-IT" sz="1400" b="1" dirty="0">
+                <a:sym typeface="Wingdings" panose="05000000000000000000" pitchFamily="2" charset="2"/>
+              </a:rPr>
+              <a:t>Funzione di perdita</a:t>
+            </a:r>
+            <a:r>
+              <a:rPr lang="it-IT" sz="1400" dirty="0">
+                <a:sym typeface="Wingdings" panose="05000000000000000000" pitchFamily="2" charset="2"/>
+              </a:rPr>
+              <a:t>: </a:t>
+            </a:r>
+            <a:r>
+              <a:rPr lang="it-IT" sz="1200" i="1" dirty="0" err="1">
+                <a:sym typeface="Wingdings" panose="05000000000000000000" pitchFamily="2" charset="2"/>
+              </a:rPr>
+              <a:t>CrossEntropyLoss</a:t>
+            </a:r>
+            <a:endParaRPr lang="it-IT" sz="1200" i="1" dirty="0">
+              <a:sym typeface="Wingdings" panose="05000000000000000000" pitchFamily="2" charset="2"/>
+            </a:endParaRPr>
+          </a:p>
+          <a:p>
+            <a:pPr marL="114300" indent="0" algn="l"/>
+            <a:r>
+              <a:rPr lang="it-IT" sz="1400" b="1" dirty="0">
+                <a:sym typeface="Wingdings" panose="05000000000000000000" pitchFamily="2" charset="2"/>
+              </a:rPr>
+              <a:t>Ottimizzatore</a:t>
+            </a:r>
+            <a:r>
+              <a:rPr lang="it-IT" sz="1400" dirty="0">
+                <a:sym typeface="Wingdings" panose="05000000000000000000" pitchFamily="2" charset="2"/>
+              </a:rPr>
+              <a:t>: </a:t>
+            </a:r>
+            <a:r>
+              <a:rPr lang="it-IT" sz="1200" i="1" dirty="0">
+                <a:sym typeface="Wingdings" panose="05000000000000000000" pitchFamily="2" charset="2"/>
+              </a:rPr>
+              <a:t>SGD</a:t>
+            </a:r>
+            <a:endParaRPr lang="it-IT" sz="1200" i="1" dirty="0"/>
           </a:p>
           <a:p>
             <a:pPr marL="596900" lvl="1" indent="0" algn="l"/>
@@ -55754,13 +53974,13 @@
           <p:nvPr>
             <p:extLst>
               <p:ext uri="{D42A27DB-BD31-4B8C-83A1-F6EECF244321}">
-                <p14:modId xmlns:p14="http://schemas.microsoft.com/office/powerpoint/2010/main" val="701526195"/>
+                <p14:modId xmlns:p14="http://schemas.microsoft.com/office/powerpoint/2010/main" val="2242456221"/>
               </p:ext>
             </p:extLst>
           </p:nvPr>
         </p:nvGraphicFramePr>
         <p:xfrm>
-          <a:off x="4445793" y="1464399"/>
+          <a:off x="4445793" y="1564291"/>
           <a:ext cx="3904652" cy="1112520"/>
         </p:xfrm>
         <a:graphic>
@@ -56011,7 +54231,7 @@
         </p:nvSpPr>
         <p:spPr>
           <a:xfrm>
-            <a:off x="4996363" y="481714"/>
+            <a:off x="4996363" y="581606"/>
             <a:ext cx="2796988" cy="646331"/>
           </a:xfrm>
           <a:prstGeom prst="rect">
@@ -56053,13 +54273,13 @@
           <p:nvPr>
             <p:extLst>
               <p:ext uri="{D42A27DB-BD31-4B8C-83A1-F6EECF244321}">
-                <p14:modId xmlns:p14="http://schemas.microsoft.com/office/powerpoint/2010/main" val="1263065925"/>
+                <p14:modId xmlns:p14="http://schemas.microsoft.com/office/powerpoint/2010/main" val="83005650"/>
               </p:ext>
             </p:extLst>
           </p:nvPr>
         </p:nvGraphicFramePr>
         <p:xfrm>
-          <a:off x="4445793" y="3125105"/>
+          <a:off x="4445793" y="3224997"/>
           <a:ext cx="3904652" cy="1112520"/>
         </p:xfrm>
         <a:graphic>
@@ -56310,7 +54530,7 @@
         </p:nvSpPr>
         <p:spPr>
           <a:xfrm>
-            <a:off x="4442531" y="2603809"/>
+            <a:off x="4442531" y="2703701"/>
             <a:ext cx="3904652" cy="276999"/>
           </a:xfrm>
           <a:prstGeom prst="rect">
@@ -56351,7 +54571,7 @@
         </p:nvSpPr>
         <p:spPr>
           <a:xfrm>
-            <a:off x="4442531" y="4276052"/>
+            <a:off x="4442531" y="4375944"/>
             <a:ext cx="3904652" cy="276999"/>
           </a:xfrm>
           <a:prstGeom prst="rect">
@@ -56894,21 +55114,6 @@
 </file>
 
 <file path=customXml/item1.xml><?xml version="1.0" encoding="utf-8"?>
-<p:properties xmlns:p="http://schemas.microsoft.com/office/2006/metadata/properties" xmlns:xsi="http://www.w3.org/2001/XMLSchema-instance" xmlns:pc="http://schemas.microsoft.com/office/infopath/2007/PartnerControls">
-  <documentManagement/>
-</p:properties>
-</file>
-
-<file path=customXml/item2.xml><?xml version="1.0" encoding="utf-8"?>
-<?mso-contentType ?>
-<FormTemplates xmlns="http://schemas.microsoft.com/sharepoint/v3/contenttype/forms">
-  <Display>DocumentLibraryForm</Display>
-  <Edit>DocumentLibraryForm</Edit>
-  <New>DocumentLibraryForm</New>
-</FormTemplates>
-</file>
-
-<file path=customXml/item3.xml><?xml version="1.0" encoding="utf-8"?>
 <ct:contentTypeSchema xmlns:ct="http://schemas.microsoft.com/office/2006/metadata/contentType" xmlns:ma="http://schemas.microsoft.com/office/2006/metadata/properties/metaAttributes" ct:_="" ma:_="" ma:contentTypeName="Documento" ma:contentTypeID="0x010100541ECE9A6AB7924091C78850241373CD" ma:contentTypeVersion="13" ma:contentTypeDescription="Creare un nuovo documento." ma:contentTypeScope="" ma:versionID="149d1f46cd936199064a42febc0cb7fe">
   <xsd:schema xmlns:xsd="http://www.w3.org/2001/XMLSchema" xmlns:xs="http://www.w3.org/2001/XMLSchema" xmlns:p="http://schemas.microsoft.com/office/2006/metadata/properties" xmlns:ns3="93e3a77a-1080-43c5-92e1-b007ae565ab3" xmlns:ns4="67a821f9-70eb-4358-9784-a4bb33a77544" targetNamespace="http://schemas.microsoft.com/office/2006/metadata/properties" ma:root="true" ma:fieldsID="409cdd44b271c48304d55a1ad6e3e8dd" ns3:_="" ns4:_="">
     <xsd:import namespace="93e3a77a-1080-43c5-92e1-b007ae565ab3"/>
@@ -57131,25 +55336,22 @@
 </ct:contentTypeSchema>
 </file>
 
-<file path=customXml/itemProps1.xml><?xml version="1.0" encoding="utf-8"?>
-<ds:datastoreItem xmlns:ds="http://schemas.openxmlformats.org/officeDocument/2006/customXml" ds:itemID="{CEC93B2A-EB51-438E-A12B-03D6F462A739}">
-  <ds:schemaRefs>
-    <ds:schemaRef ds:uri="http://schemas.microsoft.com/office/2006/metadata/properties"/>
-    <ds:schemaRef ds:uri="http://schemas.microsoft.com/office/infopath/2007/PartnerControls"/>
-    <ds:schemaRef ds:uri="http://www.w3.org/2000/xmlns/"/>
-  </ds:schemaRefs>
-</ds:datastoreItem>
+<file path=customXml/item2.xml><?xml version="1.0" encoding="utf-8"?>
+<p:properties xmlns:p="http://schemas.microsoft.com/office/2006/metadata/properties" xmlns:xsi="http://www.w3.org/2001/XMLSchema-instance" xmlns:pc="http://schemas.microsoft.com/office/infopath/2007/PartnerControls">
+  <documentManagement/>
+</p:properties>
 </file>
 
-<file path=customXml/itemProps2.xml><?xml version="1.0" encoding="utf-8"?>
-<ds:datastoreItem xmlns:ds="http://schemas.openxmlformats.org/officeDocument/2006/customXml" ds:itemID="{363FD77E-86DA-4023-9E8F-E4B2676ACE03}">
-  <ds:schemaRefs>
-    <ds:schemaRef ds:uri="http://schemas.microsoft.com/sharepoint/v3/contenttype/forms"/>
-  </ds:schemaRefs>
-</ds:datastoreItem>
+<file path=customXml/item3.xml><?xml version="1.0" encoding="utf-8"?>
+<?mso-contentType ?>
+<FormTemplates xmlns="http://schemas.microsoft.com/sharepoint/v3/contenttype/forms">
+  <Display>DocumentLibraryForm</Display>
+  <Edit>DocumentLibraryForm</Edit>
+  <New>DocumentLibraryForm</New>
+</FormTemplates>
 </file>
 
-<file path=customXml/itemProps3.xml><?xml version="1.0" encoding="utf-8"?>
+<file path=customXml/itemProps1.xml><?xml version="1.0" encoding="utf-8"?>
 <ds:datastoreItem xmlns:ds="http://schemas.openxmlformats.org/officeDocument/2006/customXml" ds:itemID="{A42E1D0F-6E04-4836-B3EE-8AFAB5630937}">
   <ds:schemaRefs>
     <ds:schemaRef ds:uri="67a821f9-70eb-4358-9784-a4bb33a77544"/>
@@ -57167,4 +55369,29 @@
     <ds:schemaRef ds:uri="http://www.w3.org/2001/XMLSchema"/>
   </ds:schemaRefs>
 </ds:datastoreItem>
+</file>
+
+<file path=customXml/itemProps2.xml><?xml version="1.0" encoding="utf-8"?>
+<ds:datastoreItem xmlns:ds="http://schemas.openxmlformats.org/officeDocument/2006/customXml" ds:itemID="{CEC93B2A-EB51-438E-A12B-03D6F462A739}">
+  <ds:schemaRefs>
+    <ds:schemaRef ds:uri="http://schemas.microsoft.com/office/2006/metadata/properties"/>
+    <ds:schemaRef ds:uri="67a821f9-70eb-4358-9784-a4bb33a77544"/>
+    <ds:schemaRef ds:uri="http://purl.org/dc/terms/"/>
+    <ds:schemaRef ds:uri="http://purl.org/dc/elements/1.1/"/>
+    <ds:schemaRef ds:uri="http://schemas.microsoft.com/office/2006/documentManagement/types"/>
+    <ds:schemaRef ds:uri="93e3a77a-1080-43c5-92e1-b007ae565ab3"/>
+    <ds:schemaRef ds:uri="http://purl.org/dc/dcmitype/"/>
+    <ds:schemaRef ds:uri="http://www.w3.org/XML/1998/namespace"/>
+    <ds:schemaRef ds:uri="http://schemas.microsoft.com/office/infopath/2007/PartnerControls"/>
+    <ds:schemaRef ds:uri="http://schemas.openxmlformats.org/package/2006/metadata/core-properties"/>
+  </ds:schemaRefs>
+</ds:datastoreItem>
+</file>
+
+<file path=customXml/itemProps3.xml><?xml version="1.0" encoding="utf-8"?>
+<ds:datastoreItem xmlns:ds="http://schemas.openxmlformats.org/officeDocument/2006/customXml" ds:itemID="{363FD77E-86DA-4023-9E8F-E4B2676ACE03}">
+  <ds:schemaRefs>
+    <ds:schemaRef ds:uri="http://schemas.microsoft.com/sharepoint/v3/contenttype/forms"/>
+  </ds:schemaRefs>
+</ds:datastoreItem>
 </file>